--- a/卢老师论文汇报/CEEMDAN汇报.pptx
+++ b/卢老师论文汇报/CEEMDAN汇报.pptx
@@ -5,39 +5,37 @@
     <p:sldMasterId id="2147483648" r:id="rId1"/>
   </p:sldMasterIdLst>
   <p:notesMasterIdLst>
-    <p:notesMasterId r:id="rId27"/>
+    <p:notesMasterId r:id="rId25"/>
   </p:notesMasterIdLst>
   <p:sldIdLst>
     <p:sldId id="424" r:id="rId2"/>
     <p:sldId id="422" r:id="rId3"/>
     <p:sldId id="423" r:id="rId4"/>
     <p:sldId id="402" r:id="rId5"/>
-    <p:sldId id="425" r:id="rId6"/>
-    <p:sldId id="435" r:id="rId7"/>
-    <p:sldId id="433" r:id="rId8"/>
-    <p:sldId id="427" r:id="rId9"/>
-    <p:sldId id="428" r:id="rId10"/>
-    <p:sldId id="434" r:id="rId11"/>
-    <p:sldId id="429" r:id="rId12"/>
-    <p:sldId id="430" r:id="rId13"/>
-    <p:sldId id="431" r:id="rId14"/>
-    <p:sldId id="403" r:id="rId15"/>
-    <p:sldId id="407" r:id="rId16"/>
-    <p:sldId id="404" r:id="rId17"/>
-    <p:sldId id="405" r:id="rId18"/>
-    <p:sldId id="408" r:id="rId19"/>
-    <p:sldId id="414" r:id="rId20"/>
-    <p:sldId id="412" r:id="rId21"/>
-    <p:sldId id="415" r:id="rId22"/>
-    <p:sldId id="416" r:id="rId23"/>
-    <p:sldId id="409" r:id="rId24"/>
-    <p:sldId id="410" r:id="rId25"/>
-    <p:sldId id="411" r:id="rId26"/>
+    <p:sldId id="435" r:id="rId6"/>
+    <p:sldId id="433" r:id="rId7"/>
+    <p:sldId id="427" r:id="rId8"/>
+    <p:sldId id="428" r:id="rId9"/>
+    <p:sldId id="429" r:id="rId10"/>
+    <p:sldId id="430" r:id="rId11"/>
+    <p:sldId id="431" r:id="rId12"/>
+    <p:sldId id="403" r:id="rId13"/>
+    <p:sldId id="407" r:id="rId14"/>
+    <p:sldId id="404" r:id="rId15"/>
+    <p:sldId id="405" r:id="rId16"/>
+    <p:sldId id="408" r:id="rId17"/>
+    <p:sldId id="414" r:id="rId18"/>
+    <p:sldId id="412" r:id="rId19"/>
+    <p:sldId id="415" r:id="rId20"/>
+    <p:sldId id="416" r:id="rId21"/>
+    <p:sldId id="409" r:id="rId22"/>
+    <p:sldId id="410" r:id="rId23"/>
+    <p:sldId id="411" r:id="rId24"/>
   </p:sldIdLst>
   <p:sldSz cx="12192000" cy="6858000"/>
   <p:notesSz cx="6858000" cy="9144000"/>
   <p:custDataLst>
-    <p:tags r:id="rId28"/>
+    <p:tags r:id="rId26"/>
   </p:custDataLst>
   <p:defaultTextStyle>
     <a:defPPr>
@@ -378,7 +376,7 @@
           <a:p>
             <a:fld id="{3FDE8C97-4C3E-274D-ADF9-06A9D5CCD4E7}" type="datetimeFigureOut">
               <a:rPr kumimoji="1" lang="zh-CN" altLang="en-US" smtClean="0"/>
-              <a:t>2023/9/5</a:t>
+              <a:t>2023/9/8</a:t>
             </a:fld>
             <a:endParaRPr kumimoji="1" lang="zh-CN" altLang="en-US"/>
           </a:p>
@@ -887,7 +885,7 @@
           <a:p>
             <a:fld id="{3563AA19-5EE1-E14F-8F67-5DD820B5DD9A}" type="datetime1">
               <a:rPr kumimoji="1" lang="zh-CN" altLang="en-US" smtClean="0"/>
-              <a:t>2023/9/5</a:t>
+              <a:t>2023/9/8</a:t>
             </a:fld>
             <a:endParaRPr kumimoji="1" lang="zh-CN" altLang="en-US"/>
           </a:p>
@@ -1099,7 +1097,7 @@
           <a:p>
             <a:fld id="{A24671CF-4B0D-884F-B66F-182E7711CDE4}" type="datetime1">
               <a:rPr kumimoji="1" lang="zh-CN" altLang="en-US" smtClean="0"/>
-              <a:t>2023/9/5</a:t>
+              <a:t>2023/9/8</a:t>
             </a:fld>
             <a:endParaRPr kumimoji="1" lang="zh-CN" altLang="en-US"/>
           </a:p>
@@ -3008,7 +3006,7 @@
           <a:p>
             <a:fld id="{DFFABD60-8210-8B47-AC0A-C3D8D0CC4B37}" type="datetime1">
               <a:rPr kumimoji="1" lang="zh-CN" altLang="en-US" smtClean="0"/>
-              <a:t>2023/9/5</a:t>
+              <a:t>2023/9/8</a:t>
             </a:fld>
             <a:endParaRPr kumimoji="1" lang="zh-CN" altLang="en-US"/>
           </a:p>
@@ -3317,7 +3315,7 @@
           <a:p>
             <a:fld id="{1347ECF2-D59A-DF42-BC11-D7EA8F8B97B5}" type="datetime1">
               <a:rPr kumimoji="1" lang="zh-CN" altLang="en-US" smtClean="0"/>
-              <a:t>2023/9/5</a:t>
+              <a:t>2023/9/8</a:t>
             </a:fld>
             <a:endParaRPr kumimoji="1" lang="zh-CN" altLang="en-US"/>
           </a:p>
@@ -3606,7 +3604,7 @@
           <a:p>
             <a:fld id="{673F2449-682B-5647-A2CF-535336582DB0}" type="datetime1">
               <a:rPr kumimoji="1" lang="zh-CN" altLang="en-US" smtClean="0"/>
-              <a:t>2023/9/5</a:t>
+              <a:t>2023/9/8</a:t>
             </a:fld>
             <a:endParaRPr kumimoji="1" lang="zh-CN" altLang="en-US"/>
           </a:p>
@@ -4428,116 +4426,10 @@
           <a:chExt cx="0" cy="0"/>
         </a:xfrm>
       </p:grpSpPr>
-      <p:sp>
-        <p:nvSpPr>
-          <p:cNvPr id="4" name="文本框 3">
-            <a:extLst>
-              <a:ext uri="{FF2B5EF4-FFF2-40B4-BE49-F238E27FC236}">
-                <a16:creationId xmlns:a16="http://schemas.microsoft.com/office/drawing/2014/main" id="{445543C5-A4A2-C627-9D1D-2170A9B6E3F5}"/>
-              </a:ext>
-            </a:extLst>
-          </p:cNvPr>
-          <p:cNvSpPr txBox="1"/>
-          <p:nvPr/>
-        </p:nvSpPr>
-        <p:spPr>
-          <a:xfrm>
-            <a:off x="736600" y="541867"/>
-            <a:ext cx="9533467" cy="584775"/>
-          </a:xfrm>
-          <a:prstGeom prst="rect">
-            <a:avLst/>
-          </a:prstGeom>
-          <a:noFill/>
-        </p:spPr>
-        <p:txBody>
-          <a:bodyPr wrap="square" rtlCol="0">
-            <a:spAutoFit/>
-          </a:bodyPr>
-          <a:lstStyle/>
-          <a:p>
-            <a:r>
-              <a:rPr lang="en-US" altLang="zh-CN" sz="3200" dirty="0">
-                <a:latin typeface="Times New Roman" panose="02020603050405020304" charset="0"/>
-                <a:ea typeface="等线" panose="02010600030101010101" charset="-122"/>
-                <a:cs typeface="Times New Roman" panose="02020603050405020304" charset="0"/>
-              </a:rPr>
-              <a:t>prediction results</a:t>
-            </a:r>
-            <a:r>
-              <a:rPr lang="zh-CN" altLang="en-US" sz="2400" dirty="0">
-                <a:latin typeface="宋体" panose="02010600030101010101" pitchFamily="2" charset="-122"/>
-                <a:ea typeface="宋体" panose="02010600030101010101" pitchFamily="2" charset="-122"/>
-                <a:cs typeface="Times New Roman" panose="02020603050405020304" charset="0"/>
-              </a:rPr>
-              <a:t>：</a:t>
-            </a:r>
-          </a:p>
-        </p:txBody>
-      </p:sp>
-      <p:pic>
-        <p:nvPicPr>
-          <p:cNvPr id="6" name="图片 5">
-            <a:extLst>
-              <a:ext uri="{FF2B5EF4-FFF2-40B4-BE49-F238E27FC236}">
-                <a16:creationId xmlns:a16="http://schemas.microsoft.com/office/drawing/2014/main" id="{9C0E8A70-4C33-8449-C39B-DB89A1AAAE5A}"/>
-              </a:ext>
-            </a:extLst>
-          </p:cNvPr>
-          <p:cNvPicPr>
-            <a:picLocks noChangeAspect="1"/>
-          </p:cNvPicPr>
-          <p:nvPr/>
-        </p:nvPicPr>
-        <p:blipFill rotWithShape="1">
-          <a:blip r:embed="rId2"/>
-          <a:srcRect l="15714" r="16357"/>
-          <a:stretch/>
-        </p:blipFill>
-        <p:spPr>
-          <a:xfrm>
-            <a:off x="7331527" y="3943072"/>
-            <a:ext cx="2514601" cy="1379764"/>
-          </a:xfrm>
-          <a:prstGeom prst="rect">
-            <a:avLst/>
-          </a:prstGeom>
-        </p:spPr>
-      </p:pic>
-      <p:pic>
-        <p:nvPicPr>
-          <p:cNvPr id="8" name="图片 7">
-            <a:extLst>
-              <a:ext uri="{FF2B5EF4-FFF2-40B4-BE49-F238E27FC236}">
-                <a16:creationId xmlns:a16="http://schemas.microsoft.com/office/drawing/2014/main" id="{F5DA7F43-F917-AE05-FF57-62ACC18218CE}"/>
-              </a:ext>
-            </a:extLst>
-          </p:cNvPr>
-          <p:cNvPicPr>
-            <a:picLocks noChangeAspect="1"/>
-          </p:cNvPicPr>
-          <p:nvPr/>
-        </p:nvPicPr>
-        <p:blipFill>
-          <a:blip r:embed="rId3"/>
-          <a:stretch>
-            <a:fillRect/>
-          </a:stretch>
-        </p:blipFill>
-        <p:spPr>
-          <a:xfrm>
-            <a:off x="930729" y="2493818"/>
-            <a:ext cx="10074728" cy="771960"/>
-          </a:xfrm>
-          <a:prstGeom prst="rect">
-            <a:avLst/>
-          </a:prstGeom>
-        </p:spPr>
-      </p:pic>
     </p:spTree>
     <p:extLst>
       <p:ext uri="{BB962C8B-B14F-4D97-AF65-F5344CB8AC3E}">
-        <p14:creationId xmlns:p14="http://schemas.microsoft.com/office/powerpoint/2010/main" val="4248628329"/>
+        <p14:creationId xmlns:p14="http://schemas.microsoft.com/office/powerpoint/2010/main" val="1226402708"/>
       </p:ext>
     </p:extLst>
   </p:cSld>
@@ -4575,7 +4467,7 @@
     </p:spTree>
     <p:extLst>
       <p:ext uri="{BB962C8B-B14F-4D97-AF65-F5344CB8AC3E}">
-        <p14:creationId xmlns:p14="http://schemas.microsoft.com/office/powerpoint/2010/main" val="2733105682"/>
+        <p14:creationId xmlns:p14="http://schemas.microsoft.com/office/powerpoint/2010/main" val="3915692811"/>
       </p:ext>
     </p:extLst>
   </p:cSld>
@@ -4610,10 +4502,460 @@
           <a:chExt cx="0" cy="0"/>
         </a:xfrm>
       </p:grpSpPr>
+      <p:sp>
+        <p:nvSpPr>
+          <p:cNvPr id="6" name="矩形: 圆角 5">
+            <a:extLst>
+              <a:ext uri="{FF2B5EF4-FFF2-40B4-BE49-F238E27FC236}">
+                <a16:creationId xmlns:a16="http://schemas.microsoft.com/office/drawing/2014/main" id="{7DF825F3-884E-498E-A904-FE5F48D1E2CB}"/>
+              </a:ext>
+            </a:extLst>
+          </p:cNvPr>
+          <p:cNvSpPr/>
+          <p:nvPr/>
+        </p:nvSpPr>
+        <p:spPr>
+          <a:xfrm>
+            <a:off x="782425" y="1728391"/>
+            <a:ext cx="10546392" cy="3035392"/>
+          </a:xfrm>
+          <a:prstGeom prst="roundRect">
+            <a:avLst/>
+          </a:prstGeom>
+          <a:noFill/>
+        </p:spPr>
+        <p:style>
+          <a:lnRef idx="2">
+            <a:schemeClr val="accent1">
+              <a:shade val="50000"/>
+            </a:schemeClr>
+          </a:lnRef>
+          <a:fillRef idx="1">
+            <a:schemeClr val="accent1"/>
+          </a:fillRef>
+          <a:effectRef idx="0">
+            <a:schemeClr val="accent1"/>
+          </a:effectRef>
+          <a:fontRef idx="minor">
+            <a:schemeClr val="lt1"/>
+          </a:fontRef>
+        </p:style>
+        <p:txBody>
+          <a:bodyPr rtlCol="0" anchor="ctr"/>
+          <a:lstStyle/>
+          <a:p>
+            <a:pPr algn="ctr"/>
+            <a:endParaRPr lang="zh-CN" altLang="en-US"/>
+          </a:p>
+        </p:txBody>
+      </p:sp>
+      <p:sp>
+        <p:nvSpPr>
+          <p:cNvPr id="2" name="文本框 1"/>
+          <p:cNvSpPr txBox="1"/>
+          <p:nvPr/>
+        </p:nvSpPr>
+        <p:spPr>
+          <a:xfrm>
+            <a:off x="685800" y="455930"/>
+            <a:ext cx="8833485" cy="583565"/>
+          </a:xfrm>
+          <a:prstGeom prst="rect">
+            <a:avLst/>
+          </a:prstGeom>
+          <a:noFill/>
+        </p:spPr>
+        <p:txBody>
+          <a:bodyPr wrap="square" rtlCol="0" anchor="t">
+            <a:spAutoFit/>
+          </a:bodyPr>
+          <a:lstStyle/>
+          <a:p>
+            <a:r>
+              <a:rPr lang="en-US" altLang="zh-CN" sz="3200" dirty="0">
+                <a:effectLst/>
+                <a:latin typeface="Times New Roman" panose="02020603050405020304" charset="0"/>
+                <a:ea typeface="等线" panose="02010600030101010101" charset="-122"/>
+                <a:cs typeface="Times New Roman" panose="02020603050405020304" charset="0"/>
+                <a:sym typeface="+mn-ea"/>
+              </a:rPr>
+              <a:t>Voltage-Discharge Capacity     </a:t>
+            </a:r>
+            <a:r>
+              <a:rPr lang="en-US" altLang="zh-CN" sz="1400" dirty="0">
+                <a:effectLst/>
+                <a:latin typeface="Times New Roman" panose="02020603050405020304" charset="0"/>
+                <a:ea typeface="等线" panose="02010600030101010101" charset="-122"/>
+                <a:cs typeface="Times New Roman" panose="02020603050405020304" charset="0"/>
+                <a:sym typeface="+mn-ea"/>
+              </a:rPr>
+              <a:t>V10-100</a:t>
+            </a:r>
+            <a:endParaRPr lang="zh-CN" altLang="en-US" sz="1400" dirty="0">
+              <a:effectLst/>
+              <a:latin typeface="Times New Roman" panose="02020603050405020304" charset="0"/>
+              <a:ea typeface="等线" panose="02010600030101010101" charset="-122"/>
+              <a:cs typeface="Times New Roman" panose="02020603050405020304" charset="0"/>
+              <a:sym typeface="+mn-ea"/>
+            </a:endParaRPr>
+          </a:p>
+        </p:txBody>
+      </p:sp>
+      <p:pic>
+        <p:nvPicPr>
+          <p:cNvPr id="1029" name="图片 7">
+            <a:extLst>
+              <a:ext uri="{FF2B5EF4-FFF2-40B4-BE49-F238E27FC236}">
+                <a16:creationId xmlns:a16="http://schemas.microsoft.com/office/drawing/2014/main" id="{6E146F0E-4ABC-4140-A8CB-2D09CB4D41AF}"/>
+              </a:ext>
+            </a:extLst>
+          </p:cNvPr>
+          <p:cNvPicPr>
+            <a:picLocks noChangeAspect="1" noChangeArrowheads="1"/>
+          </p:cNvPicPr>
+          <p:nvPr/>
+        </p:nvPicPr>
+        <p:blipFill rotWithShape="1">
+          <a:blip r:embed="rId2">
+            <a:extLst>
+              <a:ext uri="{28A0092B-C50C-407E-A947-70E740481C1C}">
+                <a14:useLocalDpi xmlns:a14="http://schemas.microsoft.com/office/drawing/2010/main" val="0"/>
+              </a:ext>
+            </a:extLst>
+          </a:blip>
+          <a:srcRect l="2592" t="5160" r="8339"/>
+          <a:stretch/>
+        </p:blipFill>
+        <p:spPr bwMode="auto">
+          <a:xfrm>
+            <a:off x="7746006" y="1923068"/>
+            <a:ext cx="3319350" cy="2646072"/>
+          </a:xfrm>
+          <a:prstGeom prst="rect">
+            <a:avLst/>
+          </a:prstGeom>
+          <a:noFill/>
+          <a:extLst>
+            <a:ext uri="{909E8E84-426E-40DD-AFC4-6F175D3DCCD1}">
+              <a14:hiddenFill xmlns:a14="http://schemas.microsoft.com/office/drawing/2010/main">
+                <a:solidFill>
+                  <a:srgbClr val="FFFFFF"/>
+                </a:solidFill>
+              </a14:hiddenFill>
+            </a:ext>
+          </a:extLst>
+        </p:spPr>
+      </p:pic>
+      <p:pic>
+        <p:nvPicPr>
+          <p:cNvPr id="1027" name="图片 5">
+            <a:extLst>
+              <a:ext uri="{FF2B5EF4-FFF2-40B4-BE49-F238E27FC236}">
+                <a16:creationId xmlns:a16="http://schemas.microsoft.com/office/drawing/2014/main" id="{F3A46DA3-2824-4BBE-B067-4F556DE79B43}"/>
+              </a:ext>
+            </a:extLst>
+          </p:cNvPr>
+          <p:cNvPicPr>
+            <a:picLocks noChangeAspect="1" noChangeArrowheads="1"/>
+          </p:cNvPicPr>
+          <p:nvPr/>
+        </p:nvPicPr>
+        <p:blipFill rotWithShape="1">
+          <a:blip r:embed="rId3">
+            <a:extLst>
+              <a:ext uri="{28A0092B-C50C-407E-A947-70E740481C1C}">
+                <a14:useLocalDpi xmlns:a14="http://schemas.microsoft.com/office/drawing/2010/main" val="0"/>
+              </a:ext>
+            </a:extLst>
+          </a:blip>
+          <a:srcRect l="2592" t="5172" r="8339"/>
+          <a:stretch/>
+        </p:blipFill>
+        <p:spPr bwMode="auto">
+          <a:xfrm>
+            <a:off x="4345282" y="1923068"/>
+            <a:ext cx="3319350" cy="2646072"/>
+          </a:xfrm>
+          <a:prstGeom prst="rect">
+            <a:avLst/>
+          </a:prstGeom>
+          <a:noFill/>
+          <a:extLst>
+            <a:ext uri="{909E8E84-426E-40DD-AFC4-6F175D3DCCD1}">
+              <a14:hiddenFill xmlns:a14="http://schemas.microsoft.com/office/drawing/2010/main">
+                <a:solidFill>
+                  <a:srgbClr val="FFFFFF"/>
+                </a:solidFill>
+              </a14:hiddenFill>
+            </a:ext>
+          </a:extLst>
+        </p:spPr>
+      </p:pic>
+      <p:pic>
+        <p:nvPicPr>
+          <p:cNvPr id="1026" name="图片 3">
+            <a:extLst>
+              <a:ext uri="{FF2B5EF4-FFF2-40B4-BE49-F238E27FC236}">
+                <a16:creationId xmlns:a16="http://schemas.microsoft.com/office/drawing/2014/main" id="{7FB372A3-4957-4C4D-90EA-3524A2757AF9}"/>
+              </a:ext>
+            </a:extLst>
+          </p:cNvPr>
+          <p:cNvPicPr>
+            <a:picLocks noChangeAspect="1" noChangeArrowheads="1"/>
+          </p:cNvPicPr>
+          <p:nvPr/>
+        </p:nvPicPr>
+        <p:blipFill rotWithShape="1">
+          <a:blip r:embed="rId4">
+            <a:extLst>
+              <a:ext uri="{28A0092B-C50C-407E-A947-70E740481C1C}">
+                <a14:useLocalDpi xmlns:a14="http://schemas.microsoft.com/office/drawing/2010/main" val="0"/>
+              </a:ext>
+            </a:extLst>
+          </a:blip>
+          <a:srcRect l="2592" t="4862" r="8339"/>
+          <a:stretch/>
+        </p:blipFill>
+        <p:spPr bwMode="auto">
+          <a:xfrm>
+            <a:off x="944558" y="1911944"/>
+            <a:ext cx="3319350" cy="2646072"/>
+          </a:xfrm>
+          <a:prstGeom prst="rect">
+            <a:avLst/>
+          </a:prstGeom>
+          <a:noFill/>
+          <a:extLst>
+            <a:ext uri="{909E8E84-426E-40DD-AFC4-6F175D3DCCD1}">
+              <a14:hiddenFill xmlns:a14="http://schemas.microsoft.com/office/drawing/2010/main">
+                <a:solidFill>
+                  <a:srgbClr val="FFFFFF"/>
+                </a:solidFill>
+              </a14:hiddenFill>
+            </a:ext>
+          </a:extLst>
+        </p:spPr>
+      </p:pic>
+      <p:sp>
+        <p:nvSpPr>
+          <p:cNvPr id="4" name="Rectangle 7">
+            <a:extLst>
+              <a:ext uri="{FF2B5EF4-FFF2-40B4-BE49-F238E27FC236}">
+                <a16:creationId xmlns:a16="http://schemas.microsoft.com/office/drawing/2014/main" id="{4560BE71-E6FF-4DE9-8822-ACE70BDC8A9C}"/>
+              </a:ext>
+            </a:extLst>
+          </p:cNvPr>
+          <p:cNvSpPr>
+            <a:spLocks noChangeArrowheads="1"/>
+          </p:cNvSpPr>
+          <p:nvPr/>
+        </p:nvSpPr>
+        <p:spPr bwMode="auto">
+          <a:xfrm>
+            <a:off x="0" y="0"/>
+            <a:ext cx="12192000" cy="457200"/>
+          </a:xfrm>
+          <a:prstGeom prst="rect">
+            <a:avLst/>
+          </a:prstGeom>
+          <a:noFill/>
+          <a:ln>
+            <a:noFill/>
+          </a:ln>
+          <a:effectLst/>
+          <a:extLst>
+            <a:ext uri="{909E8E84-426E-40DD-AFC4-6F175D3DCCD1}">
+              <a14:hiddenFill xmlns:a14="http://schemas.microsoft.com/office/drawing/2010/main">
+                <a:solidFill>
+                  <a:schemeClr val="accent1"/>
+                </a:solidFill>
+              </a14:hiddenFill>
+            </a:ext>
+            <a:ext uri="{91240B29-F687-4F45-9708-019B960494DF}">
+              <a14:hiddenLine xmlns:a14="http://schemas.microsoft.com/office/drawing/2010/main" w="9525">
+                <a:solidFill>
+                  <a:schemeClr val="tx1"/>
+                </a:solidFill>
+                <a:miter lim="800000"/>
+                <a:headEnd/>
+                <a:tailEnd/>
+              </a14:hiddenLine>
+            </a:ext>
+            <a:ext uri="{AF507438-7753-43E0-B8FC-AC1667EBCBE1}">
+              <a14:hiddenEffects xmlns:a14="http://schemas.microsoft.com/office/drawing/2010/main">
+                <a:effectLst>
+                  <a:outerShdw dist="35921" dir="2700000" algn="ctr" rotWithShape="0">
+                    <a:schemeClr val="bg2"/>
+                  </a:outerShdw>
+                </a:effectLst>
+              </a14:hiddenEffects>
+            </a:ext>
+          </a:extLst>
+        </p:spPr>
+        <p:txBody>
+          <a:bodyPr vert="horz" wrap="none" lIns="91440" tIns="45720" rIns="91440" bIns="45720" numCol="1" anchor="ctr" anchorCtr="0" compatLnSpc="1">
+            <a:prstTxWarp prst="textNoShape">
+              <a:avLst/>
+            </a:prstTxWarp>
+            <a:spAutoFit/>
+          </a:bodyPr>
+          <a:lstStyle/>
+          <a:p>
+            <a:endParaRPr lang="zh-CN" altLang="en-US"/>
+          </a:p>
+        </p:txBody>
+      </p:sp>
+      <p:sp>
+        <p:nvSpPr>
+          <p:cNvPr id="5" name="Rectangle 8">
+            <a:extLst>
+              <a:ext uri="{FF2B5EF4-FFF2-40B4-BE49-F238E27FC236}">
+                <a16:creationId xmlns:a16="http://schemas.microsoft.com/office/drawing/2014/main" id="{969ECA10-38C3-47C5-8F89-56A168D96F6F}"/>
+              </a:ext>
+            </a:extLst>
+          </p:cNvPr>
+          <p:cNvSpPr>
+            <a:spLocks noChangeArrowheads="1"/>
+          </p:cNvSpPr>
+          <p:nvPr/>
+        </p:nvSpPr>
+        <p:spPr bwMode="auto">
+          <a:xfrm>
+            <a:off x="0" y="11836400"/>
+            <a:ext cx="12192000" cy="0"/>
+          </a:xfrm>
+          <a:prstGeom prst="rect">
+            <a:avLst/>
+          </a:prstGeom>
+          <a:noFill/>
+          <a:ln>
+            <a:noFill/>
+          </a:ln>
+          <a:effectLst/>
+          <a:extLst>
+            <a:ext uri="{909E8E84-426E-40DD-AFC4-6F175D3DCCD1}">
+              <a14:hiddenFill xmlns:a14="http://schemas.microsoft.com/office/drawing/2010/main">
+                <a:solidFill>
+                  <a:schemeClr val="accent1"/>
+                </a:solidFill>
+              </a14:hiddenFill>
+            </a:ext>
+            <a:ext uri="{91240B29-F687-4F45-9708-019B960494DF}">
+              <a14:hiddenLine xmlns:a14="http://schemas.microsoft.com/office/drawing/2010/main" w="9525">
+                <a:solidFill>
+                  <a:schemeClr val="tx1"/>
+                </a:solidFill>
+                <a:miter lim="800000"/>
+                <a:headEnd/>
+                <a:tailEnd/>
+              </a14:hiddenLine>
+            </a:ext>
+            <a:ext uri="{AF507438-7753-43E0-B8FC-AC1667EBCBE1}">
+              <a14:hiddenEffects xmlns:a14="http://schemas.microsoft.com/office/drawing/2010/main">
+                <a:effectLst>
+                  <a:outerShdw dist="35921" dir="2700000" algn="ctr" rotWithShape="0">
+                    <a:schemeClr val="bg2"/>
+                  </a:outerShdw>
+                </a:effectLst>
+              </a14:hiddenEffects>
+            </a:ext>
+          </a:extLst>
+        </p:spPr>
+        <p:txBody>
+          <a:bodyPr vert="horz" wrap="none" lIns="91440" tIns="45720" rIns="91440" bIns="45720" numCol="1" anchor="ctr" anchorCtr="0" compatLnSpc="1">
+            <a:prstTxWarp prst="textNoShape">
+              <a:avLst/>
+            </a:prstTxWarp>
+            <a:spAutoFit/>
+          </a:bodyPr>
+          <a:lstStyle/>
+          <a:p>
+            <a:endParaRPr lang="zh-CN" altLang="en-US"/>
+          </a:p>
+        </p:txBody>
+      </p:sp>
+      <p:sp>
+        <p:nvSpPr>
+          <p:cNvPr id="7" name="矩形: 圆角 6">
+            <a:extLst>
+              <a:ext uri="{FF2B5EF4-FFF2-40B4-BE49-F238E27FC236}">
+                <a16:creationId xmlns:a16="http://schemas.microsoft.com/office/drawing/2014/main" id="{943F1F39-4A95-44E8-A209-47A6B01193AE}"/>
+              </a:ext>
+            </a:extLst>
+          </p:cNvPr>
+          <p:cNvSpPr/>
+          <p:nvPr/>
+        </p:nvSpPr>
+        <p:spPr>
+          <a:xfrm>
+            <a:off x="3348086" y="5241826"/>
+            <a:ext cx="5495827" cy="904973"/>
+          </a:xfrm>
+          <a:prstGeom prst="roundRect">
+            <a:avLst/>
+          </a:prstGeom>
+          <a:solidFill>
+            <a:schemeClr val="accent1">
+              <a:lumMod val="60000"/>
+              <a:lumOff val="40000"/>
+            </a:schemeClr>
+          </a:solidFill>
+        </p:spPr>
+        <p:style>
+          <a:lnRef idx="2">
+            <a:schemeClr val="accent1">
+              <a:shade val="50000"/>
+            </a:schemeClr>
+          </a:lnRef>
+          <a:fillRef idx="1">
+            <a:schemeClr val="accent1"/>
+          </a:fillRef>
+          <a:effectRef idx="0">
+            <a:schemeClr val="accent1"/>
+          </a:effectRef>
+          <a:fontRef idx="minor">
+            <a:schemeClr val="lt1"/>
+          </a:fontRef>
+        </p:style>
+        <p:txBody>
+          <a:bodyPr rtlCol="0" anchor="ctr"/>
+          <a:lstStyle/>
+          <a:p>
+            <a:r>
+              <a:rPr lang="zh-CN" altLang="en-US" sz="1600" dirty="0"/>
+              <a:t>电池循环寿命和电池早期第</a:t>
+            </a:r>
+            <a:r>
+              <a:rPr lang="en-US" altLang="zh-CN" sz="1600" dirty="0"/>
+              <a:t>10</a:t>
+            </a:r>
+            <a:r>
+              <a:rPr lang="zh-CN" altLang="en-US" sz="1600" dirty="0"/>
+              <a:t>次循环和第</a:t>
+            </a:r>
+            <a:r>
+              <a:rPr lang="en-US" altLang="zh-CN" sz="1600" dirty="0"/>
+              <a:t>100</a:t>
+            </a:r>
+            <a:r>
+              <a:rPr lang="zh-CN" altLang="en-US" sz="1600" dirty="0"/>
+              <a:t>次循环的电压</a:t>
+            </a:r>
+            <a:r>
+              <a:rPr lang="en-US" altLang="zh-CN" sz="1600" dirty="0"/>
+              <a:t>-</a:t>
+            </a:r>
+            <a:r>
+              <a:rPr lang="zh-CN" altLang="en-US" sz="1600" dirty="0"/>
+              <a:t>放电容量曲线差图面积差有着较强的相关性</a:t>
+            </a:r>
+          </a:p>
+        </p:txBody>
+      </p:sp>
     </p:spTree>
     <p:extLst>
       <p:ext uri="{BB962C8B-B14F-4D97-AF65-F5344CB8AC3E}">
-        <p14:creationId xmlns:p14="http://schemas.microsoft.com/office/powerpoint/2010/main" val="1226402708"/>
+        <p14:creationId xmlns:p14="http://schemas.microsoft.com/office/powerpoint/2010/main" val="3951184097"/>
       </p:ext>
     </p:extLst>
   </p:cSld>
@@ -4648,10 +4990,460 @@
           <a:chExt cx="0" cy="0"/>
         </a:xfrm>
       </p:grpSpPr>
+      <p:sp>
+        <p:nvSpPr>
+          <p:cNvPr id="14" name="矩形: 圆角 13">
+            <a:extLst>
+              <a:ext uri="{FF2B5EF4-FFF2-40B4-BE49-F238E27FC236}">
+                <a16:creationId xmlns:a16="http://schemas.microsoft.com/office/drawing/2014/main" id="{8AA64128-6EFA-4CDE-8F98-3AC83B41C3F8}"/>
+              </a:ext>
+            </a:extLst>
+          </p:cNvPr>
+          <p:cNvSpPr/>
+          <p:nvPr/>
+        </p:nvSpPr>
+        <p:spPr>
+          <a:xfrm>
+            <a:off x="855133" y="1728392"/>
+            <a:ext cx="10356245" cy="3035386"/>
+          </a:xfrm>
+          <a:prstGeom prst="roundRect">
+            <a:avLst/>
+          </a:prstGeom>
+          <a:noFill/>
+        </p:spPr>
+        <p:style>
+          <a:lnRef idx="2">
+            <a:schemeClr val="accent1">
+              <a:shade val="50000"/>
+            </a:schemeClr>
+          </a:lnRef>
+          <a:fillRef idx="1">
+            <a:schemeClr val="accent1"/>
+          </a:fillRef>
+          <a:effectRef idx="0">
+            <a:schemeClr val="accent1"/>
+          </a:effectRef>
+          <a:fontRef idx="minor">
+            <a:schemeClr val="lt1"/>
+          </a:fontRef>
+        </p:style>
+        <p:txBody>
+          <a:bodyPr rtlCol="0" anchor="ctr"/>
+          <a:lstStyle/>
+          <a:p>
+            <a:pPr algn="ctr"/>
+            <a:endParaRPr lang="zh-CN" altLang="en-US"/>
+          </a:p>
+        </p:txBody>
+      </p:sp>
+      <p:sp>
+        <p:nvSpPr>
+          <p:cNvPr id="2" name="文本框 1"/>
+          <p:cNvSpPr txBox="1"/>
+          <p:nvPr/>
+        </p:nvSpPr>
+        <p:spPr>
+          <a:xfrm>
+            <a:off x="685800" y="455930"/>
+            <a:ext cx="8833485" cy="583565"/>
+          </a:xfrm>
+          <a:prstGeom prst="rect">
+            <a:avLst/>
+          </a:prstGeom>
+          <a:noFill/>
+        </p:spPr>
+        <p:txBody>
+          <a:bodyPr wrap="square" rtlCol="0" anchor="t">
+            <a:spAutoFit/>
+          </a:bodyPr>
+          <a:lstStyle/>
+          <a:p>
+            <a:r>
+              <a:rPr lang="en-US" altLang="zh-CN" sz="3200" dirty="0">
+                <a:effectLst/>
+                <a:latin typeface="Times New Roman" panose="02020603050405020304" charset="0"/>
+                <a:ea typeface="等线" panose="02010600030101010101" charset="-122"/>
+                <a:cs typeface="Times New Roman" panose="02020603050405020304" charset="0"/>
+                <a:sym typeface="+mn-ea"/>
+              </a:rPr>
+              <a:t>Voltage-Discharge Capacity     </a:t>
+            </a:r>
+            <a:r>
+              <a:rPr lang="en-US" altLang="zh-CN" sz="1400" dirty="0">
+                <a:effectLst/>
+                <a:latin typeface="Times New Roman" panose="02020603050405020304" charset="0"/>
+                <a:ea typeface="等线" panose="02010600030101010101" charset="-122"/>
+                <a:cs typeface="Times New Roman" panose="02020603050405020304" charset="0"/>
+                <a:sym typeface="+mn-ea"/>
+              </a:rPr>
+              <a:t>V100-150</a:t>
+            </a:r>
+            <a:endParaRPr lang="zh-CN" altLang="en-US" sz="1400" dirty="0">
+              <a:effectLst/>
+              <a:latin typeface="Times New Roman" panose="02020603050405020304" charset="0"/>
+              <a:ea typeface="等线" panose="02010600030101010101" charset="-122"/>
+              <a:cs typeface="Times New Roman" panose="02020603050405020304" charset="0"/>
+              <a:sym typeface="+mn-ea"/>
+            </a:endParaRPr>
+          </a:p>
+        </p:txBody>
+      </p:sp>
+      <p:sp>
+        <p:nvSpPr>
+          <p:cNvPr id="4" name="Rectangle 7">
+            <a:extLst>
+              <a:ext uri="{FF2B5EF4-FFF2-40B4-BE49-F238E27FC236}">
+                <a16:creationId xmlns:a16="http://schemas.microsoft.com/office/drawing/2014/main" id="{4560BE71-E6FF-4DE9-8822-ACE70BDC8A9C}"/>
+              </a:ext>
+            </a:extLst>
+          </p:cNvPr>
+          <p:cNvSpPr>
+            <a:spLocks noChangeArrowheads="1"/>
+          </p:cNvSpPr>
+          <p:nvPr/>
+        </p:nvSpPr>
+        <p:spPr bwMode="auto">
+          <a:xfrm>
+            <a:off x="0" y="0"/>
+            <a:ext cx="12192000" cy="457200"/>
+          </a:xfrm>
+          <a:prstGeom prst="rect">
+            <a:avLst/>
+          </a:prstGeom>
+          <a:noFill/>
+          <a:ln>
+            <a:noFill/>
+          </a:ln>
+          <a:effectLst/>
+          <a:extLst>
+            <a:ext uri="{909E8E84-426E-40DD-AFC4-6F175D3DCCD1}">
+              <a14:hiddenFill xmlns:a14="http://schemas.microsoft.com/office/drawing/2010/main">
+                <a:solidFill>
+                  <a:schemeClr val="accent1"/>
+                </a:solidFill>
+              </a14:hiddenFill>
+            </a:ext>
+            <a:ext uri="{91240B29-F687-4F45-9708-019B960494DF}">
+              <a14:hiddenLine xmlns:a14="http://schemas.microsoft.com/office/drawing/2010/main" w="9525">
+                <a:solidFill>
+                  <a:schemeClr val="tx1"/>
+                </a:solidFill>
+                <a:miter lim="800000"/>
+                <a:headEnd/>
+                <a:tailEnd/>
+              </a14:hiddenLine>
+            </a:ext>
+            <a:ext uri="{AF507438-7753-43E0-B8FC-AC1667EBCBE1}">
+              <a14:hiddenEffects xmlns:a14="http://schemas.microsoft.com/office/drawing/2010/main">
+                <a:effectLst>
+                  <a:outerShdw dist="35921" dir="2700000" algn="ctr" rotWithShape="0">
+                    <a:schemeClr val="bg2"/>
+                  </a:outerShdw>
+                </a:effectLst>
+              </a14:hiddenEffects>
+            </a:ext>
+          </a:extLst>
+        </p:spPr>
+        <p:txBody>
+          <a:bodyPr vert="horz" wrap="none" lIns="91440" tIns="45720" rIns="91440" bIns="45720" numCol="1" anchor="ctr" anchorCtr="0" compatLnSpc="1">
+            <a:prstTxWarp prst="textNoShape">
+              <a:avLst/>
+            </a:prstTxWarp>
+            <a:spAutoFit/>
+          </a:bodyPr>
+          <a:lstStyle/>
+          <a:p>
+            <a:endParaRPr lang="zh-CN" altLang="en-US"/>
+          </a:p>
+        </p:txBody>
+      </p:sp>
+      <p:sp>
+        <p:nvSpPr>
+          <p:cNvPr id="5" name="Rectangle 8">
+            <a:extLst>
+              <a:ext uri="{FF2B5EF4-FFF2-40B4-BE49-F238E27FC236}">
+                <a16:creationId xmlns:a16="http://schemas.microsoft.com/office/drawing/2014/main" id="{969ECA10-38C3-47C5-8F89-56A168D96F6F}"/>
+              </a:ext>
+            </a:extLst>
+          </p:cNvPr>
+          <p:cNvSpPr>
+            <a:spLocks noChangeArrowheads="1"/>
+          </p:cNvSpPr>
+          <p:nvPr/>
+        </p:nvSpPr>
+        <p:spPr bwMode="auto">
+          <a:xfrm>
+            <a:off x="0" y="11836400"/>
+            <a:ext cx="12192000" cy="0"/>
+          </a:xfrm>
+          <a:prstGeom prst="rect">
+            <a:avLst/>
+          </a:prstGeom>
+          <a:noFill/>
+          <a:ln>
+            <a:noFill/>
+          </a:ln>
+          <a:effectLst/>
+          <a:extLst>
+            <a:ext uri="{909E8E84-426E-40DD-AFC4-6F175D3DCCD1}">
+              <a14:hiddenFill xmlns:a14="http://schemas.microsoft.com/office/drawing/2010/main">
+                <a:solidFill>
+                  <a:schemeClr val="accent1"/>
+                </a:solidFill>
+              </a14:hiddenFill>
+            </a:ext>
+            <a:ext uri="{91240B29-F687-4F45-9708-019B960494DF}">
+              <a14:hiddenLine xmlns:a14="http://schemas.microsoft.com/office/drawing/2010/main" w="9525">
+                <a:solidFill>
+                  <a:schemeClr val="tx1"/>
+                </a:solidFill>
+                <a:miter lim="800000"/>
+                <a:headEnd/>
+                <a:tailEnd/>
+              </a14:hiddenLine>
+            </a:ext>
+            <a:ext uri="{AF507438-7753-43E0-B8FC-AC1667EBCBE1}">
+              <a14:hiddenEffects xmlns:a14="http://schemas.microsoft.com/office/drawing/2010/main">
+                <a:effectLst>
+                  <a:outerShdw dist="35921" dir="2700000" algn="ctr" rotWithShape="0">
+                    <a:schemeClr val="bg2"/>
+                  </a:outerShdw>
+                </a:effectLst>
+              </a14:hiddenEffects>
+            </a:ext>
+          </a:extLst>
+        </p:spPr>
+        <p:txBody>
+          <a:bodyPr vert="horz" wrap="none" lIns="91440" tIns="45720" rIns="91440" bIns="45720" numCol="1" anchor="ctr" anchorCtr="0" compatLnSpc="1">
+            <a:prstTxWarp prst="textNoShape">
+              <a:avLst/>
+            </a:prstTxWarp>
+            <a:spAutoFit/>
+          </a:bodyPr>
+          <a:lstStyle/>
+          <a:p>
+            <a:endParaRPr lang="zh-CN" altLang="en-US"/>
+          </a:p>
+        </p:txBody>
+      </p:sp>
+      <p:sp>
+        <p:nvSpPr>
+          <p:cNvPr id="7" name="矩形: 圆角 6">
+            <a:extLst>
+              <a:ext uri="{FF2B5EF4-FFF2-40B4-BE49-F238E27FC236}">
+                <a16:creationId xmlns:a16="http://schemas.microsoft.com/office/drawing/2014/main" id="{943F1F39-4A95-44E8-A209-47A6B01193AE}"/>
+              </a:ext>
+            </a:extLst>
+          </p:cNvPr>
+          <p:cNvSpPr/>
+          <p:nvPr/>
+        </p:nvSpPr>
+        <p:spPr>
+          <a:xfrm>
+            <a:off x="3348086" y="5241826"/>
+            <a:ext cx="5495827" cy="904973"/>
+          </a:xfrm>
+          <a:prstGeom prst="roundRect">
+            <a:avLst/>
+          </a:prstGeom>
+          <a:solidFill>
+            <a:schemeClr val="accent1">
+              <a:lumMod val="60000"/>
+              <a:lumOff val="40000"/>
+            </a:schemeClr>
+          </a:solidFill>
+        </p:spPr>
+        <p:style>
+          <a:lnRef idx="2">
+            <a:schemeClr val="accent1">
+              <a:shade val="50000"/>
+            </a:schemeClr>
+          </a:lnRef>
+          <a:fillRef idx="1">
+            <a:schemeClr val="accent1"/>
+          </a:fillRef>
+          <a:effectRef idx="0">
+            <a:schemeClr val="accent1"/>
+          </a:effectRef>
+          <a:fontRef idx="minor">
+            <a:schemeClr val="lt1"/>
+          </a:fontRef>
+        </p:style>
+        <p:txBody>
+          <a:bodyPr rtlCol="0" anchor="ctr"/>
+          <a:lstStyle/>
+          <a:p>
+            <a:r>
+              <a:rPr lang="zh-CN" altLang="en-US" sz="1600" dirty="0"/>
+              <a:t>电池循环寿命和电池早期第</a:t>
+            </a:r>
+            <a:r>
+              <a:rPr lang="en-US" altLang="zh-CN" sz="1600" dirty="0"/>
+              <a:t>100</a:t>
+            </a:r>
+            <a:r>
+              <a:rPr lang="zh-CN" altLang="en-US" sz="1600" dirty="0"/>
+              <a:t>次循环和第</a:t>
+            </a:r>
+            <a:r>
+              <a:rPr lang="en-US" altLang="zh-CN" sz="1600" dirty="0"/>
+              <a:t>150</a:t>
+            </a:r>
+            <a:r>
+              <a:rPr lang="zh-CN" altLang="en-US" sz="1600" dirty="0"/>
+              <a:t>次循环的电压</a:t>
+            </a:r>
+            <a:r>
+              <a:rPr lang="en-US" altLang="zh-CN" sz="1600" dirty="0"/>
+              <a:t>-</a:t>
+            </a:r>
+            <a:r>
+              <a:rPr lang="zh-CN" altLang="en-US" sz="1600" dirty="0"/>
+              <a:t>放电容量曲线差图面积差有着较强的相关性</a:t>
+            </a:r>
+          </a:p>
+        </p:txBody>
+      </p:sp>
+      <p:pic>
+        <p:nvPicPr>
+          <p:cNvPr id="10" name="图片 8">
+            <a:extLst>
+              <a:ext uri="{FF2B5EF4-FFF2-40B4-BE49-F238E27FC236}">
+                <a16:creationId xmlns:a16="http://schemas.microsoft.com/office/drawing/2014/main" id="{03B3E808-D74F-40E1-B731-F72642A32F37}"/>
+              </a:ext>
+            </a:extLst>
+          </p:cNvPr>
+          <p:cNvPicPr>
+            <a:picLocks noChangeAspect="1" noChangeArrowheads="1"/>
+          </p:cNvPicPr>
+          <p:nvPr/>
+        </p:nvPicPr>
+        <p:blipFill rotWithShape="1">
+          <a:blip r:embed="rId2">
+            <a:extLst>
+              <a:ext uri="{28A0092B-C50C-407E-A947-70E740481C1C}">
+                <a14:useLocalDpi xmlns:a14="http://schemas.microsoft.com/office/drawing/2010/main" val="0"/>
+              </a:ext>
+            </a:extLst>
+          </a:blip>
+          <a:srcRect l="3782" t="4896" r="7446"/>
+          <a:stretch/>
+        </p:blipFill>
+        <p:spPr bwMode="auto">
+          <a:xfrm>
+            <a:off x="7815178" y="1922210"/>
+            <a:ext cx="3179977" cy="2647751"/>
+          </a:xfrm>
+          <a:prstGeom prst="rect">
+            <a:avLst/>
+          </a:prstGeom>
+          <a:noFill/>
+          <a:extLst>
+            <a:ext uri="{909E8E84-426E-40DD-AFC4-6F175D3DCCD1}">
+              <a14:hiddenFill xmlns:a14="http://schemas.microsoft.com/office/drawing/2010/main">
+                <a:solidFill>
+                  <a:srgbClr val="FFFFFF"/>
+                </a:solidFill>
+              </a14:hiddenFill>
+            </a:ext>
+          </a:extLst>
+        </p:spPr>
+      </p:pic>
+      <p:pic>
+        <p:nvPicPr>
+          <p:cNvPr id="11" name="图片 6">
+            <a:extLst>
+              <a:ext uri="{FF2B5EF4-FFF2-40B4-BE49-F238E27FC236}">
+                <a16:creationId xmlns:a16="http://schemas.microsoft.com/office/drawing/2014/main" id="{EA6D0002-BD29-482B-8301-DCFA5E01752C}"/>
+              </a:ext>
+            </a:extLst>
+          </p:cNvPr>
+          <p:cNvPicPr>
+            <a:picLocks noChangeAspect="1" noChangeArrowheads="1"/>
+          </p:cNvPicPr>
+          <p:nvPr/>
+        </p:nvPicPr>
+        <p:blipFill rotWithShape="1">
+          <a:blip r:embed="rId3">
+            <a:extLst>
+              <a:ext uri="{28A0092B-C50C-407E-A947-70E740481C1C}">
+                <a14:useLocalDpi xmlns:a14="http://schemas.microsoft.com/office/drawing/2010/main" val="0"/>
+              </a:ext>
+            </a:extLst>
+          </a:blip>
+          <a:srcRect l="3120" t="5080" r="7737"/>
+          <a:stretch/>
+        </p:blipFill>
+        <p:spPr bwMode="auto">
+          <a:xfrm>
+            <a:off x="4397900" y="1922209"/>
+            <a:ext cx="3315442" cy="2647751"/>
+          </a:xfrm>
+          <a:prstGeom prst="rect">
+            <a:avLst/>
+          </a:prstGeom>
+          <a:noFill/>
+          <a:extLst>
+            <a:ext uri="{909E8E84-426E-40DD-AFC4-6F175D3DCCD1}">
+              <a14:hiddenFill xmlns:a14="http://schemas.microsoft.com/office/drawing/2010/main">
+                <a:solidFill>
+                  <a:srgbClr val="FFFFFF"/>
+                </a:solidFill>
+              </a14:hiddenFill>
+            </a:ext>
+          </a:extLst>
+        </p:spPr>
+      </p:pic>
+      <p:pic>
+        <p:nvPicPr>
+          <p:cNvPr id="12" name="图片 9">
+            <a:extLst>
+              <a:ext uri="{FF2B5EF4-FFF2-40B4-BE49-F238E27FC236}">
+                <a16:creationId xmlns:a16="http://schemas.microsoft.com/office/drawing/2014/main" id="{EA29B070-0C25-494F-9A1B-238E0F427C99}"/>
+              </a:ext>
+            </a:extLst>
+          </p:cNvPr>
+          <p:cNvPicPr>
+            <a:picLocks noChangeAspect="1" noChangeArrowheads="1"/>
+          </p:cNvPicPr>
+          <p:nvPr/>
+        </p:nvPicPr>
+        <p:blipFill rotWithShape="1">
+          <a:blip r:embed="rId4">
+            <a:extLst>
+              <a:ext uri="{28A0092B-C50C-407E-A947-70E740481C1C}">
+                <a14:useLocalDpi xmlns:a14="http://schemas.microsoft.com/office/drawing/2010/main" val="0"/>
+              </a:ext>
+            </a:extLst>
+          </a:blip>
+          <a:srcRect l="2598" t="5159" r="8260"/>
+          <a:stretch/>
+        </p:blipFill>
+        <p:spPr bwMode="auto">
+          <a:xfrm>
+            <a:off x="980622" y="1922228"/>
+            <a:ext cx="3315442" cy="2647751"/>
+          </a:xfrm>
+          <a:prstGeom prst="rect">
+            <a:avLst/>
+          </a:prstGeom>
+          <a:noFill/>
+          <a:extLst>
+            <a:ext uri="{909E8E84-426E-40DD-AFC4-6F175D3DCCD1}">
+              <a14:hiddenFill xmlns:a14="http://schemas.microsoft.com/office/drawing/2010/main">
+                <a:solidFill>
+                  <a:srgbClr val="FFFFFF"/>
+                </a:solidFill>
+              </a14:hiddenFill>
+            </a:ext>
+          </a:extLst>
+        </p:spPr>
+      </p:pic>
     </p:spTree>
     <p:extLst>
       <p:ext uri="{BB962C8B-B14F-4D97-AF65-F5344CB8AC3E}">
-        <p14:creationId xmlns:p14="http://schemas.microsoft.com/office/powerpoint/2010/main" val="3915692811"/>
+        <p14:creationId xmlns:p14="http://schemas.microsoft.com/office/powerpoint/2010/main" val="440674138"/>
       </p:ext>
     </p:extLst>
   </p:cSld>
@@ -4688,240 +5480,6 @@
       </p:grpSpPr>
       <p:sp>
         <p:nvSpPr>
-          <p:cNvPr id="6" name="矩形: 圆角 5">
-            <a:extLst>
-              <a:ext uri="{FF2B5EF4-FFF2-40B4-BE49-F238E27FC236}">
-                <a16:creationId xmlns:a16="http://schemas.microsoft.com/office/drawing/2014/main" id="{7DF825F3-884E-498E-A904-FE5F48D1E2CB}"/>
-              </a:ext>
-            </a:extLst>
-          </p:cNvPr>
-          <p:cNvSpPr/>
-          <p:nvPr/>
-        </p:nvSpPr>
-        <p:spPr>
-          <a:xfrm>
-            <a:off x="782425" y="1728391"/>
-            <a:ext cx="10546392" cy="3035392"/>
-          </a:xfrm>
-          <a:prstGeom prst="roundRect">
-            <a:avLst/>
-          </a:prstGeom>
-          <a:noFill/>
-        </p:spPr>
-        <p:style>
-          <a:lnRef idx="2">
-            <a:schemeClr val="accent1">
-              <a:shade val="50000"/>
-            </a:schemeClr>
-          </a:lnRef>
-          <a:fillRef idx="1">
-            <a:schemeClr val="accent1"/>
-          </a:fillRef>
-          <a:effectRef idx="0">
-            <a:schemeClr val="accent1"/>
-          </a:effectRef>
-          <a:fontRef idx="minor">
-            <a:schemeClr val="lt1"/>
-          </a:fontRef>
-        </p:style>
-        <p:txBody>
-          <a:bodyPr rtlCol="0" anchor="ctr"/>
-          <a:lstStyle/>
-          <a:p>
-            <a:pPr algn="ctr"/>
-            <a:endParaRPr lang="zh-CN" altLang="en-US"/>
-          </a:p>
-        </p:txBody>
-      </p:sp>
-      <p:sp>
-        <p:nvSpPr>
-          <p:cNvPr id="2" name="文本框 1"/>
-          <p:cNvSpPr txBox="1"/>
-          <p:nvPr/>
-        </p:nvSpPr>
-        <p:spPr>
-          <a:xfrm>
-            <a:off x="685800" y="455930"/>
-            <a:ext cx="8833485" cy="583565"/>
-          </a:xfrm>
-          <a:prstGeom prst="rect">
-            <a:avLst/>
-          </a:prstGeom>
-          <a:noFill/>
-        </p:spPr>
-        <p:txBody>
-          <a:bodyPr wrap="square" rtlCol="0" anchor="t">
-            <a:spAutoFit/>
-          </a:bodyPr>
-          <a:lstStyle/>
-          <a:p>
-            <a:r>
-              <a:rPr lang="en-US" altLang="zh-CN" sz="3200" dirty="0">
-                <a:effectLst/>
-                <a:latin typeface="Times New Roman" panose="02020603050405020304" charset="0"/>
-                <a:ea typeface="等线" panose="02010600030101010101" charset="-122"/>
-                <a:cs typeface="Times New Roman" panose="02020603050405020304" charset="0"/>
-                <a:sym typeface="+mn-ea"/>
-              </a:rPr>
-              <a:t>Voltage-Discharge Capacity     </a:t>
-            </a:r>
-            <a:r>
-              <a:rPr lang="en-US" altLang="zh-CN" sz="1400" dirty="0">
-                <a:effectLst/>
-                <a:latin typeface="Times New Roman" panose="02020603050405020304" charset="0"/>
-                <a:ea typeface="等线" panose="02010600030101010101" charset="-122"/>
-                <a:cs typeface="Times New Roman" panose="02020603050405020304" charset="0"/>
-                <a:sym typeface="+mn-ea"/>
-              </a:rPr>
-              <a:t>V10-100</a:t>
-            </a:r>
-            <a:endParaRPr lang="zh-CN" altLang="en-US" sz="1400" dirty="0">
-              <a:effectLst/>
-              <a:latin typeface="Times New Roman" panose="02020603050405020304" charset="0"/>
-              <a:ea typeface="等线" panose="02010600030101010101" charset="-122"/>
-              <a:cs typeface="Times New Roman" panose="02020603050405020304" charset="0"/>
-              <a:sym typeface="+mn-ea"/>
-            </a:endParaRPr>
-          </a:p>
-        </p:txBody>
-      </p:sp>
-      <p:pic>
-        <p:nvPicPr>
-          <p:cNvPr id="1029" name="图片 7">
-            <a:extLst>
-              <a:ext uri="{FF2B5EF4-FFF2-40B4-BE49-F238E27FC236}">
-                <a16:creationId xmlns:a16="http://schemas.microsoft.com/office/drawing/2014/main" id="{6E146F0E-4ABC-4140-A8CB-2D09CB4D41AF}"/>
-              </a:ext>
-            </a:extLst>
-          </p:cNvPr>
-          <p:cNvPicPr>
-            <a:picLocks noChangeAspect="1" noChangeArrowheads="1"/>
-          </p:cNvPicPr>
-          <p:nvPr/>
-        </p:nvPicPr>
-        <p:blipFill rotWithShape="1">
-          <a:blip r:embed="rId2">
-            <a:extLst>
-              <a:ext uri="{28A0092B-C50C-407E-A947-70E740481C1C}">
-                <a14:useLocalDpi xmlns:a14="http://schemas.microsoft.com/office/drawing/2010/main" val="0"/>
-              </a:ext>
-            </a:extLst>
-          </a:blip>
-          <a:srcRect l="2592" t="5160" r="8339"/>
-          <a:stretch/>
-        </p:blipFill>
-        <p:spPr bwMode="auto">
-          <a:xfrm>
-            <a:off x="7746006" y="1923068"/>
-            <a:ext cx="3319350" cy="2646072"/>
-          </a:xfrm>
-          <a:prstGeom prst="rect">
-            <a:avLst/>
-          </a:prstGeom>
-          <a:noFill/>
-          <a:extLst>
-            <a:ext uri="{909E8E84-426E-40DD-AFC4-6F175D3DCCD1}">
-              <a14:hiddenFill xmlns:a14="http://schemas.microsoft.com/office/drawing/2010/main">
-                <a:solidFill>
-                  <a:srgbClr val="FFFFFF"/>
-                </a:solidFill>
-              </a14:hiddenFill>
-            </a:ext>
-          </a:extLst>
-        </p:spPr>
-      </p:pic>
-      <p:pic>
-        <p:nvPicPr>
-          <p:cNvPr id="1027" name="图片 5">
-            <a:extLst>
-              <a:ext uri="{FF2B5EF4-FFF2-40B4-BE49-F238E27FC236}">
-                <a16:creationId xmlns:a16="http://schemas.microsoft.com/office/drawing/2014/main" id="{F3A46DA3-2824-4BBE-B067-4F556DE79B43}"/>
-              </a:ext>
-            </a:extLst>
-          </p:cNvPr>
-          <p:cNvPicPr>
-            <a:picLocks noChangeAspect="1" noChangeArrowheads="1"/>
-          </p:cNvPicPr>
-          <p:nvPr/>
-        </p:nvPicPr>
-        <p:blipFill rotWithShape="1">
-          <a:blip r:embed="rId3">
-            <a:extLst>
-              <a:ext uri="{28A0092B-C50C-407E-A947-70E740481C1C}">
-                <a14:useLocalDpi xmlns:a14="http://schemas.microsoft.com/office/drawing/2010/main" val="0"/>
-              </a:ext>
-            </a:extLst>
-          </a:blip>
-          <a:srcRect l="2592" t="5172" r="8339"/>
-          <a:stretch/>
-        </p:blipFill>
-        <p:spPr bwMode="auto">
-          <a:xfrm>
-            <a:off x="4345282" y="1923068"/>
-            <a:ext cx="3319350" cy="2646072"/>
-          </a:xfrm>
-          <a:prstGeom prst="rect">
-            <a:avLst/>
-          </a:prstGeom>
-          <a:noFill/>
-          <a:extLst>
-            <a:ext uri="{909E8E84-426E-40DD-AFC4-6F175D3DCCD1}">
-              <a14:hiddenFill xmlns:a14="http://schemas.microsoft.com/office/drawing/2010/main">
-                <a:solidFill>
-                  <a:srgbClr val="FFFFFF"/>
-                </a:solidFill>
-              </a14:hiddenFill>
-            </a:ext>
-          </a:extLst>
-        </p:spPr>
-      </p:pic>
-      <p:pic>
-        <p:nvPicPr>
-          <p:cNvPr id="1026" name="图片 3">
-            <a:extLst>
-              <a:ext uri="{FF2B5EF4-FFF2-40B4-BE49-F238E27FC236}">
-                <a16:creationId xmlns:a16="http://schemas.microsoft.com/office/drawing/2014/main" id="{7FB372A3-4957-4C4D-90EA-3524A2757AF9}"/>
-              </a:ext>
-            </a:extLst>
-          </p:cNvPr>
-          <p:cNvPicPr>
-            <a:picLocks noChangeAspect="1" noChangeArrowheads="1"/>
-          </p:cNvPicPr>
-          <p:nvPr/>
-        </p:nvPicPr>
-        <p:blipFill rotWithShape="1">
-          <a:blip r:embed="rId4">
-            <a:extLst>
-              <a:ext uri="{28A0092B-C50C-407E-A947-70E740481C1C}">
-                <a14:useLocalDpi xmlns:a14="http://schemas.microsoft.com/office/drawing/2010/main" val="0"/>
-              </a:ext>
-            </a:extLst>
-          </a:blip>
-          <a:srcRect l="2592" t="4862" r="8339"/>
-          <a:stretch/>
-        </p:blipFill>
-        <p:spPr bwMode="auto">
-          <a:xfrm>
-            <a:off x="944558" y="1911944"/>
-            <a:ext cx="3319350" cy="2646072"/>
-          </a:xfrm>
-          <a:prstGeom prst="rect">
-            <a:avLst/>
-          </a:prstGeom>
-          <a:noFill/>
-          <a:extLst>
-            <a:ext uri="{909E8E84-426E-40DD-AFC4-6F175D3DCCD1}">
-              <a14:hiddenFill xmlns:a14="http://schemas.microsoft.com/office/drawing/2010/main">
-                <a:solidFill>
-                  <a:srgbClr val="FFFFFF"/>
-                </a:solidFill>
-              </a14:hiddenFill>
-            </a:ext>
-          </a:extLst>
-        </p:spPr>
-      </p:pic>
-      <p:sp>
-        <p:nvSpPr>
           <p:cNvPr id="4" name="Rectangle 7">
             <a:extLst>
               <a:ext uri="{FF2B5EF4-FFF2-40B4-BE49-F238E27FC236}">
@@ -5060,10 +5618,62 @@
       </p:sp>
       <p:sp>
         <p:nvSpPr>
-          <p:cNvPr id="7" name="矩形: 圆角 6">
+          <p:cNvPr id="11" name="文本框 10">
             <a:extLst>
               <a:ext uri="{FF2B5EF4-FFF2-40B4-BE49-F238E27FC236}">
-                <a16:creationId xmlns:a16="http://schemas.microsoft.com/office/drawing/2014/main" id="{943F1F39-4A95-44E8-A209-47A6B01193AE}"/>
+                <a16:creationId xmlns:a16="http://schemas.microsoft.com/office/drawing/2014/main" id="{D45FA78F-46F4-4C9C-AF3B-1F67CCF7919D}"/>
+              </a:ext>
+            </a:extLst>
+          </p:cNvPr>
+          <p:cNvSpPr txBox="1"/>
+          <p:nvPr/>
+        </p:nvSpPr>
+        <p:spPr>
+          <a:xfrm>
+            <a:off x="685800" y="455930"/>
+            <a:ext cx="8833485" cy="584775"/>
+          </a:xfrm>
+          <a:prstGeom prst="rect">
+            <a:avLst/>
+          </a:prstGeom>
+          <a:noFill/>
+        </p:spPr>
+        <p:txBody>
+          <a:bodyPr wrap="square" rtlCol="0" anchor="t">
+            <a:spAutoFit/>
+          </a:bodyPr>
+          <a:lstStyle/>
+          <a:p>
+            <a:r>
+              <a:rPr lang="en-US" altLang="zh-CN" sz="3200" dirty="0">
+                <a:latin typeface="Times New Roman" panose="02020603050405020304" charset="0"/>
+                <a:ea typeface="等线" panose="02010600030101010101" charset="-122"/>
+                <a:cs typeface="Times New Roman" panose="02020603050405020304" charset="0"/>
+              </a:rPr>
+              <a:t>Spearman</a:t>
+            </a:r>
+            <a:r>
+              <a:rPr lang="zh-CN" altLang="en-US" sz="3200" dirty="0">
+                <a:latin typeface="Times New Roman" panose="02020603050405020304" charset="0"/>
+                <a:ea typeface="等线" panose="02010600030101010101" charset="-122"/>
+                <a:cs typeface="Times New Roman" panose="02020603050405020304" charset="0"/>
+              </a:rPr>
+              <a:t>：</a:t>
+            </a:r>
+            <a:endParaRPr lang="en-US" altLang="zh-CN" sz="3200" dirty="0">
+              <a:latin typeface="Times New Roman" panose="02020603050405020304" charset="0"/>
+              <a:ea typeface="等线" panose="02010600030101010101" charset="-122"/>
+              <a:cs typeface="Times New Roman" panose="02020603050405020304" charset="0"/>
+            </a:endParaRPr>
+          </a:p>
+        </p:txBody>
+      </p:sp>
+      <p:sp>
+        <p:nvSpPr>
+          <p:cNvPr id="3" name="矩形 2">
+            <a:extLst>
+              <a:ext uri="{FF2B5EF4-FFF2-40B4-BE49-F238E27FC236}">
+                <a16:creationId xmlns:a16="http://schemas.microsoft.com/office/drawing/2014/main" id="{0E374044-D056-415F-907E-ACFF82EE97F2}"/>
               </a:ext>
             </a:extLst>
           </p:cNvPr>
@@ -5072,18 +5682,13 @@
         </p:nvSpPr>
         <p:spPr>
           <a:xfrm>
-            <a:off x="3348086" y="5241826"/>
-            <a:ext cx="5495827" cy="904973"/>
-          </a:xfrm>
-          <a:prstGeom prst="roundRect">
+            <a:off x="1027522" y="1621409"/>
+            <a:ext cx="9973558" cy="4194853"/>
+          </a:xfrm>
+          <a:prstGeom prst="rect">
             <a:avLst/>
           </a:prstGeom>
-          <a:solidFill>
-            <a:schemeClr val="accent1">
-              <a:lumMod val="60000"/>
-              <a:lumOff val="40000"/>
-            </a:schemeClr>
-          </a:solidFill>
+          <a:noFill/>
         </p:spPr>
         <p:style>
           <a:lnRef idx="2">
@@ -5105,802 +5710,13 @@
           <a:bodyPr rtlCol="0" anchor="ctr"/>
           <a:lstStyle/>
           <a:p>
-            <a:r>
-              <a:rPr lang="zh-CN" altLang="en-US" sz="1600" dirty="0"/>
-              <a:t>电池循环寿命和电池早期第</a:t>
-            </a:r>
-            <a:r>
-              <a:rPr lang="en-US" altLang="zh-CN" sz="1600" dirty="0"/>
-              <a:t>10</a:t>
-            </a:r>
-            <a:r>
-              <a:rPr lang="zh-CN" altLang="en-US" sz="1600" dirty="0"/>
-              <a:t>次循环和第</a:t>
-            </a:r>
-            <a:r>
-              <a:rPr lang="en-US" altLang="zh-CN" sz="1600" dirty="0"/>
-              <a:t>100</a:t>
-            </a:r>
-            <a:r>
-              <a:rPr lang="zh-CN" altLang="en-US" sz="1600" dirty="0"/>
-              <a:t>次循环的电压</a:t>
-            </a:r>
-            <a:r>
-              <a:rPr lang="en-US" altLang="zh-CN" sz="1600" dirty="0"/>
-              <a:t>-</a:t>
-            </a:r>
-            <a:r>
-              <a:rPr lang="zh-CN" altLang="en-US" sz="1600" dirty="0"/>
-              <a:t>放电容量曲线差图面积差有着较强的相关性</a:t>
-            </a:r>
+            <a:pPr algn="ctr"/>
+            <a:endParaRPr lang="zh-CN" altLang="en-US" dirty="0"/>
           </a:p>
         </p:txBody>
       </p:sp>
-    </p:spTree>
-    <p:extLst>
-      <p:ext uri="{BB962C8B-B14F-4D97-AF65-F5344CB8AC3E}">
-        <p14:creationId xmlns:p14="http://schemas.microsoft.com/office/powerpoint/2010/main" val="3951184097"/>
-      </p:ext>
-    </p:extLst>
-  </p:cSld>
-  <p:clrMapOvr>
-    <a:masterClrMapping/>
-  </p:clrMapOvr>
-  <mc:AlternateContent xmlns:mc="http://schemas.openxmlformats.org/markup-compatibility/2006" xmlns:p14="http://schemas.microsoft.com/office/powerpoint/2010/main">
-    <mc:Choice Requires="p14">
-      <p:transition p14:dur="0"/>
-    </mc:Choice>
-    <mc:Fallback xmlns="">
-      <p:transition/>
-    </mc:Fallback>
-  </mc:AlternateContent>
-</p:sld>
-</file>
-
-<file path=ppt/slides/slide15.xml><?xml version="1.0" encoding="utf-8"?>
-<p:sld xmlns:a="http://schemas.openxmlformats.org/drawingml/2006/main" xmlns:r="http://schemas.openxmlformats.org/officeDocument/2006/relationships" xmlns:p="http://schemas.openxmlformats.org/presentationml/2006/main">
-  <p:cSld>
-    <p:spTree>
-      <p:nvGrpSpPr>
-        <p:cNvPr id="1" name=""/>
-        <p:cNvGrpSpPr/>
-        <p:nvPr/>
-      </p:nvGrpSpPr>
-      <p:grpSpPr>
-        <a:xfrm>
-          <a:off x="0" y="0"/>
-          <a:ext cx="0" cy="0"/>
-          <a:chOff x="0" y="0"/>
-          <a:chExt cx="0" cy="0"/>
-        </a:xfrm>
-      </p:grpSpPr>
-      <p:sp>
-        <p:nvSpPr>
-          <p:cNvPr id="14" name="矩形: 圆角 13">
-            <a:extLst>
-              <a:ext uri="{FF2B5EF4-FFF2-40B4-BE49-F238E27FC236}">
-                <a16:creationId xmlns:a16="http://schemas.microsoft.com/office/drawing/2014/main" id="{8AA64128-6EFA-4CDE-8F98-3AC83B41C3F8}"/>
-              </a:ext>
-            </a:extLst>
-          </p:cNvPr>
-          <p:cNvSpPr/>
-          <p:nvPr/>
-        </p:nvSpPr>
-        <p:spPr>
-          <a:xfrm>
-            <a:off x="855133" y="1728392"/>
-            <a:ext cx="10356245" cy="3035386"/>
-          </a:xfrm>
-          <a:prstGeom prst="roundRect">
-            <a:avLst/>
-          </a:prstGeom>
-          <a:noFill/>
-        </p:spPr>
-        <p:style>
-          <a:lnRef idx="2">
-            <a:schemeClr val="accent1">
-              <a:shade val="50000"/>
-            </a:schemeClr>
-          </a:lnRef>
-          <a:fillRef idx="1">
-            <a:schemeClr val="accent1"/>
-          </a:fillRef>
-          <a:effectRef idx="0">
-            <a:schemeClr val="accent1"/>
-          </a:effectRef>
-          <a:fontRef idx="minor">
-            <a:schemeClr val="lt1"/>
-          </a:fontRef>
-        </p:style>
-        <p:txBody>
-          <a:bodyPr rtlCol="0" anchor="ctr"/>
-          <a:lstStyle/>
-          <a:p>
-            <a:pPr algn="ctr"/>
-            <a:endParaRPr lang="zh-CN" altLang="en-US"/>
-          </a:p>
-        </p:txBody>
-      </p:sp>
-      <p:sp>
-        <p:nvSpPr>
-          <p:cNvPr id="2" name="文本框 1"/>
-          <p:cNvSpPr txBox="1"/>
-          <p:nvPr/>
-        </p:nvSpPr>
-        <p:spPr>
-          <a:xfrm>
-            <a:off x="685800" y="455930"/>
-            <a:ext cx="8833485" cy="583565"/>
-          </a:xfrm>
-          <a:prstGeom prst="rect">
-            <a:avLst/>
-          </a:prstGeom>
-          <a:noFill/>
-        </p:spPr>
-        <p:txBody>
-          <a:bodyPr wrap="square" rtlCol="0" anchor="t">
-            <a:spAutoFit/>
-          </a:bodyPr>
-          <a:lstStyle/>
-          <a:p>
-            <a:r>
-              <a:rPr lang="en-US" altLang="zh-CN" sz="3200" dirty="0">
-                <a:effectLst/>
-                <a:latin typeface="Times New Roman" panose="02020603050405020304" charset="0"/>
-                <a:ea typeface="等线" panose="02010600030101010101" charset="-122"/>
-                <a:cs typeface="Times New Roman" panose="02020603050405020304" charset="0"/>
-                <a:sym typeface="+mn-ea"/>
-              </a:rPr>
-              <a:t>Voltage-Discharge Capacity     </a:t>
-            </a:r>
-            <a:r>
-              <a:rPr lang="en-US" altLang="zh-CN" sz="1400" dirty="0">
-                <a:effectLst/>
-                <a:latin typeface="Times New Roman" panose="02020603050405020304" charset="0"/>
-                <a:ea typeface="等线" panose="02010600030101010101" charset="-122"/>
-                <a:cs typeface="Times New Roman" panose="02020603050405020304" charset="0"/>
-                <a:sym typeface="+mn-ea"/>
-              </a:rPr>
-              <a:t>V100-150</a:t>
-            </a:r>
-            <a:endParaRPr lang="zh-CN" altLang="en-US" sz="1400" dirty="0">
-              <a:effectLst/>
-              <a:latin typeface="Times New Roman" panose="02020603050405020304" charset="0"/>
-              <a:ea typeface="等线" panose="02010600030101010101" charset="-122"/>
-              <a:cs typeface="Times New Roman" panose="02020603050405020304" charset="0"/>
-              <a:sym typeface="+mn-ea"/>
-            </a:endParaRPr>
-          </a:p>
-        </p:txBody>
-      </p:sp>
-      <p:sp>
-        <p:nvSpPr>
-          <p:cNvPr id="4" name="Rectangle 7">
-            <a:extLst>
-              <a:ext uri="{FF2B5EF4-FFF2-40B4-BE49-F238E27FC236}">
-                <a16:creationId xmlns:a16="http://schemas.microsoft.com/office/drawing/2014/main" id="{4560BE71-E6FF-4DE9-8822-ACE70BDC8A9C}"/>
-              </a:ext>
-            </a:extLst>
-          </p:cNvPr>
-          <p:cNvSpPr>
-            <a:spLocks noChangeArrowheads="1"/>
-          </p:cNvSpPr>
-          <p:nvPr/>
-        </p:nvSpPr>
-        <p:spPr bwMode="auto">
-          <a:xfrm>
-            <a:off x="0" y="0"/>
-            <a:ext cx="12192000" cy="457200"/>
-          </a:xfrm>
-          <a:prstGeom prst="rect">
-            <a:avLst/>
-          </a:prstGeom>
-          <a:noFill/>
-          <a:ln>
-            <a:noFill/>
-          </a:ln>
-          <a:effectLst/>
-          <a:extLst>
-            <a:ext uri="{909E8E84-426E-40DD-AFC4-6F175D3DCCD1}">
-              <a14:hiddenFill xmlns:a14="http://schemas.microsoft.com/office/drawing/2010/main">
-                <a:solidFill>
-                  <a:schemeClr val="accent1"/>
-                </a:solidFill>
-              </a14:hiddenFill>
-            </a:ext>
-            <a:ext uri="{91240B29-F687-4F45-9708-019B960494DF}">
-              <a14:hiddenLine xmlns:a14="http://schemas.microsoft.com/office/drawing/2010/main" w="9525">
-                <a:solidFill>
-                  <a:schemeClr val="tx1"/>
-                </a:solidFill>
-                <a:miter lim="800000"/>
-                <a:headEnd/>
-                <a:tailEnd/>
-              </a14:hiddenLine>
-            </a:ext>
-            <a:ext uri="{AF507438-7753-43E0-B8FC-AC1667EBCBE1}">
-              <a14:hiddenEffects xmlns:a14="http://schemas.microsoft.com/office/drawing/2010/main">
-                <a:effectLst>
-                  <a:outerShdw dist="35921" dir="2700000" algn="ctr" rotWithShape="0">
-                    <a:schemeClr val="bg2"/>
-                  </a:outerShdw>
-                </a:effectLst>
-              </a14:hiddenEffects>
-            </a:ext>
-          </a:extLst>
-        </p:spPr>
-        <p:txBody>
-          <a:bodyPr vert="horz" wrap="none" lIns="91440" tIns="45720" rIns="91440" bIns="45720" numCol="1" anchor="ctr" anchorCtr="0" compatLnSpc="1">
-            <a:prstTxWarp prst="textNoShape">
-              <a:avLst/>
-            </a:prstTxWarp>
-            <a:spAutoFit/>
-          </a:bodyPr>
-          <a:lstStyle/>
-          <a:p>
-            <a:endParaRPr lang="zh-CN" altLang="en-US"/>
-          </a:p>
-        </p:txBody>
-      </p:sp>
-      <p:sp>
-        <p:nvSpPr>
-          <p:cNvPr id="5" name="Rectangle 8">
-            <a:extLst>
-              <a:ext uri="{FF2B5EF4-FFF2-40B4-BE49-F238E27FC236}">
-                <a16:creationId xmlns:a16="http://schemas.microsoft.com/office/drawing/2014/main" id="{969ECA10-38C3-47C5-8F89-56A168D96F6F}"/>
-              </a:ext>
-            </a:extLst>
-          </p:cNvPr>
-          <p:cNvSpPr>
-            <a:spLocks noChangeArrowheads="1"/>
-          </p:cNvSpPr>
-          <p:nvPr/>
-        </p:nvSpPr>
-        <p:spPr bwMode="auto">
-          <a:xfrm>
-            <a:off x="0" y="11836400"/>
-            <a:ext cx="12192000" cy="0"/>
-          </a:xfrm>
-          <a:prstGeom prst="rect">
-            <a:avLst/>
-          </a:prstGeom>
-          <a:noFill/>
-          <a:ln>
-            <a:noFill/>
-          </a:ln>
-          <a:effectLst/>
-          <a:extLst>
-            <a:ext uri="{909E8E84-426E-40DD-AFC4-6F175D3DCCD1}">
-              <a14:hiddenFill xmlns:a14="http://schemas.microsoft.com/office/drawing/2010/main">
-                <a:solidFill>
-                  <a:schemeClr val="accent1"/>
-                </a:solidFill>
-              </a14:hiddenFill>
-            </a:ext>
-            <a:ext uri="{91240B29-F687-4F45-9708-019B960494DF}">
-              <a14:hiddenLine xmlns:a14="http://schemas.microsoft.com/office/drawing/2010/main" w="9525">
-                <a:solidFill>
-                  <a:schemeClr val="tx1"/>
-                </a:solidFill>
-                <a:miter lim="800000"/>
-                <a:headEnd/>
-                <a:tailEnd/>
-              </a14:hiddenLine>
-            </a:ext>
-            <a:ext uri="{AF507438-7753-43E0-B8FC-AC1667EBCBE1}">
-              <a14:hiddenEffects xmlns:a14="http://schemas.microsoft.com/office/drawing/2010/main">
-                <a:effectLst>
-                  <a:outerShdw dist="35921" dir="2700000" algn="ctr" rotWithShape="0">
-                    <a:schemeClr val="bg2"/>
-                  </a:outerShdw>
-                </a:effectLst>
-              </a14:hiddenEffects>
-            </a:ext>
-          </a:extLst>
-        </p:spPr>
-        <p:txBody>
-          <a:bodyPr vert="horz" wrap="none" lIns="91440" tIns="45720" rIns="91440" bIns="45720" numCol="1" anchor="ctr" anchorCtr="0" compatLnSpc="1">
-            <a:prstTxWarp prst="textNoShape">
-              <a:avLst/>
-            </a:prstTxWarp>
-            <a:spAutoFit/>
-          </a:bodyPr>
-          <a:lstStyle/>
-          <a:p>
-            <a:endParaRPr lang="zh-CN" altLang="en-US"/>
-          </a:p>
-        </p:txBody>
-      </p:sp>
-      <p:sp>
-        <p:nvSpPr>
-          <p:cNvPr id="7" name="矩形: 圆角 6">
-            <a:extLst>
-              <a:ext uri="{FF2B5EF4-FFF2-40B4-BE49-F238E27FC236}">
-                <a16:creationId xmlns:a16="http://schemas.microsoft.com/office/drawing/2014/main" id="{943F1F39-4A95-44E8-A209-47A6B01193AE}"/>
-              </a:ext>
-            </a:extLst>
-          </p:cNvPr>
-          <p:cNvSpPr/>
-          <p:nvPr/>
-        </p:nvSpPr>
-        <p:spPr>
-          <a:xfrm>
-            <a:off x="3348086" y="5241826"/>
-            <a:ext cx="5495827" cy="904973"/>
-          </a:xfrm>
-          <a:prstGeom prst="roundRect">
-            <a:avLst/>
-          </a:prstGeom>
-          <a:solidFill>
-            <a:schemeClr val="accent1">
-              <a:lumMod val="60000"/>
-              <a:lumOff val="40000"/>
-            </a:schemeClr>
-          </a:solidFill>
-        </p:spPr>
-        <p:style>
-          <a:lnRef idx="2">
-            <a:schemeClr val="accent1">
-              <a:shade val="50000"/>
-            </a:schemeClr>
-          </a:lnRef>
-          <a:fillRef idx="1">
-            <a:schemeClr val="accent1"/>
-          </a:fillRef>
-          <a:effectRef idx="0">
-            <a:schemeClr val="accent1"/>
-          </a:effectRef>
-          <a:fontRef idx="minor">
-            <a:schemeClr val="lt1"/>
-          </a:fontRef>
-        </p:style>
-        <p:txBody>
-          <a:bodyPr rtlCol="0" anchor="ctr"/>
-          <a:lstStyle/>
-          <a:p>
-            <a:r>
-              <a:rPr lang="zh-CN" altLang="en-US" sz="1600" dirty="0"/>
-              <a:t>电池循环寿命和电池早期第</a:t>
-            </a:r>
-            <a:r>
-              <a:rPr lang="en-US" altLang="zh-CN" sz="1600" dirty="0"/>
-              <a:t>100</a:t>
-            </a:r>
-            <a:r>
-              <a:rPr lang="zh-CN" altLang="en-US" sz="1600" dirty="0"/>
-              <a:t>次循环和第</a:t>
-            </a:r>
-            <a:r>
-              <a:rPr lang="en-US" altLang="zh-CN" sz="1600" dirty="0"/>
-              <a:t>150</a:t>
-            </a:r>
-            <a:r>
-              <a:rPr lang="zh-CN" altLang="en-US" sz="1600" dirty="0"/>
-              <a:t>次循环的电压</a:t>
-            </a:r>
-            <a:r>
-              <a:rPr lang="en-US" altLang="zh-CN" sz="1600" dirty="0"/>
-              <a:t>-</a:t>
-            </a:r>
-            <a:r>
-              <a:rPr lang="zh-CN" altLang="en-US" sz="1600" dirty="0"/>
-              <a:t>放电容量曲线差图面积差有着较强的相关性</a:t>
-            </a:r>
-          </a:p>
-        </p:txBody>
-      </p:sp>
-      <p:pic>
-        <p:nvPicPr>
-          <p:cNvPr id="10" name="图片 8">
-            <a:extLst>
-              <a:ext uri="{FF2B5EF4-FFF2-40B4-BE49-F238E27FC236}">
-                <a16:creationId xmlns:a16="http://schemas.microsoft.com/office/drawing/2014/main" id="{03B3E808-D74F-40E1-B731-F72642A32F37}"/>
-              </a:ext>
-            </a:extLst>
-          </p:cNvPr>
-          <p:cNvPicPr>
-            <a:picLocks noChangeAspect="1" noChangeArrowheads="1"/>
-          </p:cNvPicPr>
-          <p:nvPr/>
-        </p:nvPicPr>
-        <p:blipFill rotWithShape="1">
-          <a:blip r:embed="rId2">
-            <a:extLst>
-              <a:ext uri="{28A0092B-C50C-407E-A947-70E740481C1C}">
-                <a14:useLocalDpi xmlns:a14="http://schemas.microsoft.com/office/drawing/2010/main" val="0"/>
-              </a:ext>
-            </a:extLst>
-          </a:blip>
-          <a:srcRect l="3782" t="4896" r="7446"/>
-          <a:stretch/>
-        </p:blipFill>
-        <p:spPr bwMode="auto">
-          <a:xfrm>
-            <a:off x="7815178" y="1922210"/>
-            <a:ext cx="3179977" cy="2647751"/>
-          </a:xfrm>
-          <a:prstGeom prst="rect">
-            <a:avLst/>
-          </a:prstGeom>
-          <a:noFill/>
-          <a:extLst>
-            <a:ext uri="{909E8E84-426E-40DD-AFC4-6F175D3DCCD1}">
-              <a14:hiddenFill xmlns:a14="http://schemas.microsoft.com/office/drawing/2010/main">
-                <a:solidFill>
-                  <a:srgbClr val="FFFFFF"/>
-                </a:solidFill>
-              </a14:hiddenFill>
-            </a:ext>
-          </a:extLst>
-        </p:spPr>
-      </p:pic>
-      <p:pic>
-        <p:nvPicPr>
-          <p:cNvPr id="11" name="图片 6">
-            <a:extLst>
-              <a:ext uri="{FF2B5EF4-FFF2-40B4-BE49-F238E27FC236}">
-                <a16:creationId xmlns:a16="http://schemas.microsoft.com/office/drawing/2014/main" id="{EA6D0002-BD29-482B-8301-DCFA5E01752C}"/>
-              </a:ext>
-            </a:extLst>
-          </p:cNvPr>
-          <p:cNvPicPr>
-            <a:picLocks noChangeAspect="1" noChangeArrowheads="1"/>
-          </p:cNvPicPr>
-          <p:nvPr/>
-        </p:nvPicPr>
-        <p:blipFill rotWithShape="1">
-          <a:blip r:embed="rId3">
-            <a:extLst>
-              <a:ext uri="{28A0092B-C50C-407E-A947-70E740481C1C}">
-                <a14:useLocalDpi xmlns:a14="http://schemas.microsoft.com/office/drawing/2010/main" val="0"/>
-              </a:ext>
-            </a:extLst>
-          </a:blip>
-          <a:srcRect l="3120" t="5080" r="7737"/>
-          <a:stretch/>
-        </p:blipFill>
-        <p:spPr bwMode="auto">
-          <a:xfrm>
-            <a:off x="4397900" y="1922209"/>
-            <a:ext cx="3315442" cy="2647751"/>
-          </a:xfrm>
-          <a:prstGeom prst="rect">
-            <a:avLst/>
-          </a:prstGeom>
-          <a:noFill/>
-          <a:extLst>
-            <a:ext uri="{909E8E84-426E-40DD-AFC4-6F175D3DCCD1}">
-              <a14:hiddenFill xmlns:a14="http://schemas.microsoft.com/office/drawing/2010/main">
-                <a:solidFill>
-                  <a:srgbClr val="FFFFFF"/>
-                </a:solidFill>
-              </a14:hiddenFill>
-            </a:ext>
-          </a:extLst>
-        </p:spPr>
-      </p:pic>
-      <p:pic>
-        <p:nvPicPr>
-          <p:cNvPr id="12" name="图片 9">
-            <a:extLst>
-              <a:ext uri="{FF2B5EF4-FFF2-40B4-BE49-F238E27FC236}">
-                <a16:creationId xmlns:a16="http://schemas.microsoft.com/office/drawing/2014/main" id="{EA29B070-0C25-494F-9A1B-238E0F427C99}"/>
-              </a:ext>
-            </a:extLst>
-          </p:cNvPr>
-          <p:cNvPicPr>
-            <a:picLocks noChangeAspect="1" noChangeArrowheads="1"/>
-          </p:cNvPicPr>
-          <p:nvPr/>
-        </p:nvPicPr>
-        <p:blipFill rotWithShape="1">
-          <a:blip r:embed="rId4">
-            <a:extLst>
-              <a:ext uri="{28A0092B-C50C-407E-A947-70E740481C1C}">
-                <a14:useLocalDpi xmlns:a14="http://schemas.microsoft.com/office/drawing/2010/main" val="0"/>
-              </a:ext>
-            </a:extLst>
-          </a:blip>
-          <a:srcRect l="2598" t="5159" r="8260"/>
-          <a:stretch/>
-        </p:blipFill>
-        <p:spPr bwMode="auto">
-          <a:xfrm>
-            <a:off x="980622" y="1922228"/>
-            <a:ext cx="3315442" cy="2647751"/>
-          </a:xfrm>
-          <a:prstGeom prst="rect">
-            <a:avLst/>
-          </a:prstGeom>
-          <a:noFill/>
-          <a:extLst>
-            <a:ext uri="{909E8E84-426E-40DD-AFC4-6F175D3DCCD1}">
-              <a14:hiddenFill xmlns:a14="http://schemas.microsoft.com/office/drawing/2010/main">
-                <a:solidFill>
-                  <a:srgbClr val="FFFFFF"/>
-                </a:solidFill>
-              </a14:hiddenFill>
-            </a:ext>
-          </a:extLst>
-        </p:spPr>
-      </p:pic>
-    </p:spTree>
-    <p:extLst>
-      <p:ext uri="{BB962C8B-B14F-4D97-AF65-F5344CB8AC3E}">
-        <p14:creationId xmlns:p14="http://schemas.microsoft.com/office/powerpoint/2010/main" val="440674138"/>
-      </p:ext>
-    </p:extLst>
-  </p:cSld>
-  <p:clrMapOvr>
-    <a:masterClrMapping/>
-  </p:clrMapOvr>
-  <mc:AlternateContent xmlns:mc="http://schemas.openxmlformats.org/markup-compatibility/2006" xmlns:p14="http://schemas.microsoft.com/office/powerpoint/2010/main">
-    <mc:Choice Requires="p14">
-      <p:transition p14:dur="0"/>
-    </mc:Choice>
-    <mc:Fallback xmlns="">
-      <p:transition/>
-    </mc:Fallback>
-  </mc:AlternateContent>
-</p:sld>
-</file>
-
-<file path=ppt/slides/slide16.xml><?xml version="1.0" encoding="utf-8"?>
-<p:sld xmlns:a="http://schemas.openxmlformats.org/drawingml/2006/main" xmlns:r="http://schemas.openxmlformats.org/officeDocument/2006/relationships" xmlns:p="http://schemas.openxmlformats.org/presentationml/2006/main">
-  <p:cSld>
-    <p:spTree>
-      <p:nvGrpSpPr>
-        <p:cNvPr id="1" name=""/>
-        <p:cNvGrpSpPr/>
-        <p:nvPr/>
-      </p:nvGrpSpPr>
-      <p:grpSpPr>
-        <a:xfrm>
-          <a:off x="0" y="0"/>
-          <a:ext cx="0" cy="0"/>
-          <a:chOff x="0" y="0"/>
-          <a:chExt cx="0" cy="0"/>
-        </a:xfrm>
-      </p:grpSpPr>
-      <p:sp>
-        <p:nvSpPr>
-          <p:cNvPr id="4" name="Rectangle 7">
-            <a:extLst>
-              <a:ext uri="{FF2B5EF4-FFF2-40B4-BE49-F238E27FC236}">
-                <a16:creationId xmlns:a16="http://schemas.microsoft.com/office/drawing/2014/main" id="{4560BE71-E6FF-4DE9-8822-ACE70BDC8A9C}"/>
-              </a:ext>
-            </a:extLst>
-          </p:cNvPr>
-          <p:cNvSpPr>
-            <a:spLocks noChangeArrowheads="1"/>
-          </p:cNvSpPr>
-          <p:nvPr/>
-        </p:nvSpPr>
-        <p:spPr bwMode="auto">
-          <a:xfrm>
-            <a:off x="0" y="0"/>
-            <a:ext cx="12192000" cy="457200"/>
-          </a:xfrm>
-          <a:prstGeom prst="rect">
-            <a:avLst/>
-          </a:prstGeom>
-          <a:noFill/>
-          <a:ln>
-            <a:noFill/>
-          </a:ln>
-          <a:effectLst/>
-          <a:extLst>
-            <a:ext uri="{909E8E84-426E-40DD-AFC4-6F175D3DCCD1}">
-              <a14:hiddenFill xmlns:a14="http://schemas.microsoft.com/office/drawing/2010/main">
-                <a:solidFill>
-                  <a:schemeClr val="accent1"/>
-                </a:solidFill>
-              </a14:hiddenFill>
-            </a:ext>
-            <a:ext uri="{91240B29-F687-4F45-9708-019B960494DF}">
-              <a14:hiddenLine xmlns:a14="http://schemas.microsoft.com/office/drawing/2010/main" w="9525">
-                <a:solidFill>
-                  <a:schemeClr val="tx1"/>
-                </a:solidFill>
-                <a:miter lim="800000"/>
-                <a:headEnd/>
-                <a:tailEnd/>
-              </a14:hiddenLine>
-            </a:ext>
-            <a:ext uri="{AF507438-7753-43E0-B8FC-AC1667EBCBE1}">
-              <a14:hiddenEffects xmlns:a14="http://schemas.microsoft.com/office/drawing/2010/main">
-                <a:effectLst>
-                  <a:outerShdw dist="35921" dir="2700000" algn="ctr" rotWithShape="0">
-                    <a:schemeClr val="bg2"/>
-                  </a:outerShdw>
-                </a:effectLst>
-              </a14:hiddenEffects>
-            </a:ext>
-          </a:extLst>
-        </p:spPr>
-        <p:txBody>
-          <a:bodyPr vert="horz" wrap="none" lIns="91440" tIns="45720" rIns="91440" bIns="45720" numCol="1" anchor="ctr" anchorCtr="0" compatLnSpc="1">
-            <a:prstTxWarp prst="textNoShape">
-              <a:avLst/>
-            </a:prstTxWarp>
-            <a:spAutoFit/>
-          </a:bodyPr>
-          <a:lstStyle/>
-          <a:p>
-            <a:endParaRPr lang="zh-CN" altLang="en-US"/>
-          </a:p>
-        </p:txBody>
-      </p:sp>
-      <p:sp>
-        <p:nvSpPr>
-          <p:cNvPr id="5" name="Rectangle 8">
-            <a:extLst>
-              <a:ext uri="{FF2B5EF4-FFF2-40B4-BE49-F238E27FC236}">
-                <a16:creationId xmlns:a16="http://schemas.microsoft.com/office/drawing/2014/main" id="{969ECA10-38C3-47C5-8F89-56A168D96F6F}"/>
-              </a:ext>
-            </a:extLst>
-          </p:cNvPr>
-          <p:cNvSpPr>
-            <a:spLocks noChangeArrowheads="1"/>
-          </p:cNvSpPr>
-          <p:nvPr/>
-        </p:nvSpPr>
-        <p:spPr bwMode="auto">
-          <a:xfrm>
-            <a:off x="0" y="11836400"/>
-            <a:ext cx="12192000" cy="0"/>
-          </a:xfrm>
-          <a:prstGeom prst="rect">
-            <a:avLst/>
-          </a:prstGeom>
-          <a:noFill/>
-          <a:ln>
-            <a:noFill/>
-          </a:ln>
-          <a:effectLst/>
-          <a:extLst>
-            <a:ext uri="{909E8E84-426E-40DD-AFC4-6F175D3DCCD1}">
-              <a14:hiddenFill xmlns:a14="http://schemas.microsoft.com/office/drawing/2010/main">
-                <a:solidFill>
-                  <a:schemeClr val="accent1"/>
-                </a:solidFill>
-              </a14:hiddenFill>
-            </a:ext>
-            <a:ext uri="{91240B29-F687-4F45-9708-019B960494DF}">
-              <a14:hiddenLine xmlns:a14="http://schemas.microsoft.com/office/drawing/2010/main" w="9525">
-                <a:solidFill>
-                  <a:schemeClr val="tx1"/>
-                </a:solidFill>
-                <a:miter lim="800000"/>
-                <a:headEnd/>
-                <a:tailEnd/>
-              </a14:hiddenLine>
-            </a:ext>
-            <a:ext uri="{AF507438-7753-43E0-B8FC-AC1667EBCBE1}">
-              <a14:hiddenEffects xmlns:a14="http://schemas.microsoft.com/office/drawing/2010/main">
-                <a:effectLst>
-                  <a:outerShdw dist="35921" dir="2700000" algn="ctr" rotWithShape="0">
-                    <a:schemeClr val="bg2"/>
-                  </a:outerShdw>
-                </a:effectLst>
-              </a14:hiddenEffects>
-            </a:ext>
-          </a:extLst>
-        </p:spPr>
-        <p:txBody>
-          <a:bodyPr vert="horz" wrap="none" lIns="91440" tIns="45720" rIns="91440" bIns="45720" numCol="1" anchor="ctr" anchorCtr="0" compatLnSpc="1">
-            <a:prstTxWarp prst="textNoShape">
-              <a:avLst/>
-            </a:prstTxWarp>
-            <a:spAutoFit/>
-          </a:bodyPr>
-          <a:lstStyle/>
-          <a:p>
-            <a:endParaRPr lang="zh-CN" altLang="en-US"/>
-          </a:p>
-        </p:txBody>
-      </p:sp>
-      <p:sp>
-        <p:nvSpPr>
-          <p:cNvPr id="11" name="文本框 10">
-            <a:extLst>
-              <a:ext uri="{FF2B5EF4-FFF2-40B4-BE49-F238E27FC236}">
-                <a16:creationId xmlns:a16="http://schemas.microsoft.com/office/drawing/2014/main" id="{D45FA78F-46F4-4C9C-AF3B-1F67CCF7919D}"/>
-              </a:ext>
-            </a:extLst>
-          </p:cNvPr>
-          <p:cNvSpPr txBox="1"/>
-          <p:nvPr/>
-        </p:nvSpPr>
-        <p:spPr>
-          <a:xfrm>
-            <a:off x="685800" y="455930"/>
-            <a:ext cx="8833485" cy="584775"/>
-          </a:xfrm>
-          <a:prstGeom prst="rect">
-            <a:avLst/>
-          </a:prstGeom>
-          <a:noFill/>
-        </p:spPr>
-        <p:txBody>
-          <a:bodyPr wrap="square" rtlCol="0" anchor="t">
-            <a:spAutoFit/>
-          </a:bodyPr>
-          <a:lstStyle/>
-          <a:p>
-            <a:r>
-              <a:rPr lang="en-US" altLang="zh-CN" sz="3200" dirty="0">
-                <a:latin typeface="Times New Roman" panose="02020603050405020304" charset="0"/>
-                <a:ea typeface="等线" panose="02010600030101010101" charset="-122"/>
-                <a:cs typeface="Times New Roman" panose="02020603050405020304" charset="0"/>
-              </a:rPr>
-              <a:t>Spearman</a:t>
-            </a:r>
-            <a:r>
-              <a:rPr lang="zh-CN" altLang="en-US" sz="3200" dirty="0">
-                <a:latin typeface="Times New Roman" panose="02020603050405020304" charset="0"/>
-                <a:ea typeface="等线" panose="02010600030101010101" charset="-122"/>
-                <a:cs typeface="Times New Roman" panose="02020603050405020304" charset="0"/>
-              </a:rPr>
-              <a:t>：</a:t>
-            </a:r>
-            <a:endParaRPr lang="en-US" altLang="zh-CN" sz="3200" dirty="0">
-              <a:latin typeface="Times New Roman" panose="02020603050405020304" charset="0"/>
-              <a:ea typeface="等线" panose="02010600030101010101" charset="-122"/>
-              <a:cs typeface="Times New Roman" panose="02020603050405020304" charset="0"/>
-            </a:endParaRPr>
-          </a:p>
-        </p:txBody>
-      </p:sp>
-      <p:sp>
-        <p:nvSpPr>
-          <p:cNvPr id="3" name="矩形 2">
-            <a:extLst>
-              <a:ext uri="{FF2B5EF4-FFF2-40B4-BE49-F238E27FC236}">
-                <a16:creationId xmlns:a16="http://schemas.microsoft.com/office/drawing/2014/main" id="{0E374044-D056-415F-907E-ACFF82EE97F2}"/>
-              </a:ext>
-            </a:extLst>
-          </p:cNvPr>
-          <p:cNvSpPr/>
-          <p:nvPr/>
-        </p:nvSpPr>
-        <p:spPr>
-          <a:xfrm>
-            <a:off x="1027522" y="1621409"/>
-            <a:ext cx="9973558" cy="4194853"/>
-          </a:xfrm>
-          <a:prstGeom prst="rect">
-            <a:avLst/>
-          </a:prstGeom>
-          <a:noFill/>
-        </p:spPr>
-        <p:style>
-          <a:lnRef idx="2">
-            <a:schemeClr val="accent1">
-              <a:shade val="50000"/>
-            </a:schemeClr>
-          </a:lnRef>
-          <a:fillRef idx="1">
-            <a:schemeClr val="accent1"/>
-          </a:fillRef>
-          <a:effectRef idx="0">
-            <a:schemeClr val="accent1"/>
-          </a:effectRef>
-          <a:fontRef idx="minor">
-            <a:schemeClr val="lt1"/>
-          </a:fontRef>
-        </p:style>
-        <p:txBody>
-          <a:bodyPr rtlCol="0" anchor="ctr"/>
-          <a:lstStyle/>
-          <a:p>
-            <a:pPr algn="ctr"/>
-            <a:endParaRPr lang="zh-CN" altLang="en-US" dirty="0"/>
-          </a:p>
-        </p:txBody>
-      </p:sp>
-      <mc:AlternateContent xmlns:mc="http://schemas.openxmlformats.org/markup-compatibility/2006">
-        <mc:Choice xmlns:a14="http://schemas.microsoft.com/office/drawing/2010/main" Requires="a14">
+      <mc:AlternateContent xmlns:mc="http://schemas.openxmlformats.org/markup-compatibility/2006" xmlns:a14="http://schemas.microsoft.com/office/drawing/2010/main">
+        <mc:Choice Requires="a14">
           <p:sp>
             <p:nvSpPr>
               <p:cNvPr id="7" name="文本框 6">
@@ -6390,7 +6206,7 @@
             </p:txBody>
           </p:sp>
         </mc:Choice>
-        <mc:Fallback>
+        <mc:Fallback xmlns="">
           <p:sp>
             <p:nvSpPr>
               <p:cNvPr id="7" name="文本框 6">
@@ -6740,7 +6556,7 @@
 </p:sld>
 </file>
 
-<file path=ppt/slides/slide17.xml><?xml version="1.0" encoding="utf-8"?>
+<file path=ppt/slides/slide15.xml><?xml version="1.0" encoding="utf-8"?>
 <p:sld xmlns:a="http://schemas.openxmlformats.org/drawingml/2006/main" xmlns:r="http://schemas.openxmlformats.org/officeDocument/2006/relationships" xmlns:p="http://schemas.openxmlformats.org/presentationml/2006/main">
   <p:cSld>
     <p:spTree>
@@ -7305,7 +7121,7 @@
 </p:sld>
 </file>
 
-<file path=ppt/slides/slide18.xml><?xml version="1.0" encoding="utf-8"?>
+<file path=ppt/slides/slide16.xml><?xml version="1.0" encoding="utf-8"?>
 <p:sld xmlns:a="http://schemas.openxmlformats.org/drawingml/2006/main" xmlns:r="http://schemas.openxmlformats.org/officeDocument/2006/relationships" xmlns:p="http://schemas.openxmlformats.org/presentationml/2006/main">
   <p:cSld>
     <p:spTree>
@@ -8088,7 +7904,7 @@
 </p:sld>
 </file>
 
-<file path=ppt/slides/slide19.xml><?xml version="1.0" encoding="utf-8"?>
+<file path=ppt/slides/slide17.xml><?xml version="1.0" encoding="utf-8"?>
 <p:sld xmlns:a="http://schemas.openxmlformats.org/drawingml/2006/main" xmlns:r="http://schemas.openxmlformats.org/officeDocument/2006/relationships" xmlns:p="http://schemas.openxmlformats.org/presentationml/2006/main">
   <p:cSld>
     <p:spTree>
@@ -8635,199 +8451,7 @@
 </p:sld>
 </file>
 
-<file path=ppt/slides/slide2.xml><?xml version="1.0" encoding="utf-8"?>
-<p:sld xmlns:a="http://schemas.openxmlformats.org/drawingml/2006/main" xmlns:r="http://schemas.openxmlformats.org/officeDocument/2006/relationships" xmlns:p="http://schemas.openxmlformats.org/presentationml/2006/main">
-  <p:cSld>
-    <p:spTree>
-      <p:nvGrpSpPr>
-        <p:cNvPr id="1" name=""/>
-        <p:cNvGrpSpPr/>
-        <p:nvPr/>
-      </p:nvGrpSpPr>
-      <p:grpSpPr>
-        <a:xfrm>
-          <a:off x="0" y="0"/>
-          <a:ext cx="0" cy="0"/>
-          <a:chOff x="0" y="0"/>
-          <a:chExt cx="0" cy="0"/>
-        </a:xfrm>
-      </p:grpSpPr>
-      <p:sp>
-        <p:nvSpPr>
-          <p:cNvPr id="2" name="文本框 1"/>
-          <p:cNvSpPr txBox="1"/>
-          <p:nvPr/>
-        </p:nvSpPr>
-        <p:spPr>
-          <a:xfrm>
-            <a:off x="685800" y="455930"/>
-            <a:ext cx="8833485" cy="583565"/>
-          </a:xfrm>
-          <a:prstGeom prst="rect">
-            <a:avLst/>
-          </a:prstGeom>
-          <a:noFill/>
-        </p:spPr>
-        <p:txBody>
-          <a:bodyPr wrap="square" rtlCol="0" anchor="t">
-            <a:spAutoFit/>
-          </a:bodyPr>
-          <a:lstStyle/>
-          <a:p>
-            <a:r>
-              <a:rPr lang="en-US" altLang="zh-CN" sz="3200" dirty="0">
-                <a:effectLst/>
-                <a:latin typeface="Times New Roman" panose="02020603050405020304" charset="0"/>
-                <a:ea typeface="等线" panose="02010600030101010101" charset="-122"/>
-                <a:cs typeface="Times New Roman" panose="02020603050405020304" charset="0"/>
-                <a:sym typeface="+mn-ea"/>
-              </a:rPr>
-              <a:t>Performance of early prediction models</a:t>
-            </a:r>
-            <a:r>
-              <a:rPr lang="zh-CN" altLang="en-US" sz="3200" dirty="0">
-                <a:effectLst/>
-                <a:latin typeface="Times New Roman" panose="02020603050405020304" charset="0"/>
-                <a:ea typeface="等线" panose="02010600030101010101" charset="-122"/>
-                <a:cs typeface="Times New Roman" panose="02020603050405020304" charset="0"/>
-                <a:sym typeface="+mn-ea"/>
-              </a:rPr>
-              <a:t>：</a:t>
-            </a:r>
-          </a:p>
-        </p:txBody>
-      </p:sp>
-      <p:pic>
-        <p:nvPicPr>
-          <p:cNvPr id="7" name="图片 6"/>
-          <p:cNvPicPr>
-            <a:picLocks noChangeAspect="1"/>
-          </p:cNvPicPr>
-          <p:nvPr/>
-        </p:nvPicPr>
-        <p:blipFill>
-          <a:blip r:embed="rId2"/>
-          <a:stretch>
-            <a:fillRect/>
-          </a:stretch>
-        </p:blipFill>
-        <p:spPr>
-          <a:xfrm>
-            <a:off x="994935" y="1846580"/>
-            <a:ext cx="5615305" cy="4045585"/>
-          </a:xfrm>
-          <a:prstGeom prst="rect">
-            <a:avLst/>
-          </a:prstGeom>
-        </p:spPr>
-      </p:pic>
-      <p:pic>
-        <p:nvPicPr>
-          <p:cNvPr id="8" name="图片 7"/>
-          <p:cNvPicPr>
-            <a:picLocks noChangeAspect="1"/>
-          </p:cNvPicPr>
-          <p:nvPr/>
-        </p:nvPicPr>
-        <p:blipFill>
-          <a:blip r:embed="rId3"/>
-          <a:stretch>
-            <a:fillRect/>
-          </a:stretch>
-        </p:blipFill>
-        <p:spPr>
-          <a:xfrm>
-            <a:off x="6864985" y="2403171"/>
-            <a:ext cx="5327015" cy="1248410"/>
-          </a:xfrm>
-          <a:prstGeom prst="rect">
-            <a:avLst/>
-          </a:prstGeom>
-        </p:spPr>
-      </p:pic>
-      <p:pic>
-        <p:nvPicPr>
-          <p:cNvPr id="9" name="图片 8"/>
-          <p:cNvPicPr>
-            <a:picLocks noChangeAspect="1"/>
-          </p:cNvPicPr>
-          <p:nvPr/>
-        </p:nvPicPr>
-        <p:blipFill>
-          <a:blip r:embed="rId4"/>
-          <a:stretch>
-            <a:fillRect/>
-          </a:stretch>
-        </p:blipFill>
-        <p:spPr>
-          <a:xfrm>
-            <a:off x="6850062" y="3639819"/>
-            <a:ext cx="5338445" cy="796925"/>
-          </a:xfrm>
-          <a:prstGeom prst="rect">
-            <a:avLst/>
-          </a:prstGeom>
-        </p:spPr>
-      </p:pic>
-      <p:sp>
-        <p:nvSpPr>
-          <p:cNvPr id="3" name="文本框 2">
-            <a:extLst>
-              <a:ext uri="{FF2B5EF4-FFF2-40B4-BE49-F238E27FC236}">
-                <a16:creationId xmlns:a16="http://schemas.microsoft.com/office/drawing/2014/main" id="{3DEC215A-A717-0568-62EA-29ED9352DC72}"/>
-              </a:ext>
-            </a:extLst>
-          </p:cNvPr>
-          <p:cNvSpPr txBox="1"/>
-          <p:nvPr/>
-        </p:nvSpPr>
-        <p:spPr>
-          <a:xfrm>
-            <a:off x="2487304" y="6217404"/>
-            <a:ext cx="7217391" cy="369332"/>
-          </a:xfrm>
-          <a:prstGeom prst="rect">
-            <a:avLst/>
-          </a:prstGeom>
-          <a:noFill/>
-        </p:spPr>
-        <p:txBody>
-          <a:bodyPr wrap="square">
-            <a:spAutoFit/>
-          </a:bodyPr>
-          <a:lstStyle/>
-          <a:p>
-            <a:pPr algn="ctr"/>
-            <a:r>
-              <a:rPr lang="zh-CN" altLang="en-US" dirty="0">
-                <a:solidFill>
-                  <a:schemeClr val="bg2">
-                    <a:lumMod val="75000"/>
-                  </a:schemeClr>
-                </a:solidFill>
-              </a:rPr>
-              <a:t>Data-driven prediction of battery cycle life before capacity degradation</a:t>
-            </a:r>
-          </a:p>
-        </p:txBody>
-      </p:sp>
-    </p:spTree>
-  </p:cSld>
-  <p:clrMapOvr>
-    <a:masterClrMapping/>
-  </p:clrMapOvr>
-  <mc:AlternateContent xmlns:mc="http://schemas.openxmlformats.org/markup-compatibility/2006" xmlns:p14="http://schemas.microsoft.com/office/powerpoint/2010/main">
-    <mc:Choice Requires="p14">
-      <p:transition p14:dur="0"/>
-    </mc:Choice>
-    <mc:Fallback xmlns="">
-      <p:transition/>
-    </mc:Fallback>
-  </mc:AlternateContent>
-</p:sld>
-</file>
-
-<file path=ppt/slides/slide20.xml><?xml version="1.0" encoding="utf-8"?>
+<file path=ppt/slides/slide18.xml><?xml version="1.0" encoding="utf-8"?>
 <p:sld xmlns:a="http://schemas.openxmlformats.org/drawingml/2006/main" xmlns:r="http://schemas.openxmlformats.org/officeDocument/2006/relationships" xmlns:p="http://schemas.openxmlformats.org/presentationml/2006/main">
   <p:cSld>
     <p:spTree>
@@ -9145,8 +8769,8 @@
           </a:p>
         </p:txBody>
       </p:sp>
-      <mc:AlternateContent xmlns:mc="http://schemas.openxmlformats.org/markup-compatibility/2006">
-        <mc:Choice xmlns:a14="http://schemas.microsoft.com/office/drawing/2010/main" Requires="a14">
+      <mc:AlternateContent xmlns:mc="http://schemas.openxmlformats.org/markup-compatibility/2006" xmlns:a14="http://schemas.microsoft.com/office/drawing/2010/main">
+        <mc:Choice Requires="a14">
           <p:sp>
             <p:nvSpPr>
               <p:cNvPr id="10" name="文本框 9">
@@ -9611,7 +9235,7 @@
             </p:txBody>
           </p:sp>
         </mc:Choice>
-        <mc:Fallback>
+        <mc:Fallback xmlns="">
           <p:sp>
             <p:nvSpPr>
               <p:cNvPr id="10" name="文本框 9">
@@ -9677,7 +9301,7 @@
 </p:sld>
 </file>
 
-<file path=ppt/slides/slide21.xml><?xml version="1.0" encoding="utf-8"?>
+<file path=ppt/slides/slide19.xml><?xml version="1.0" encoding="utf-8"?>
 <p:sld xmlns:a="http://schemas.openxmlformats.org/drawingml/2006/main" xmlns:r="http://schemas.openxmlformats.org/officeDocument/2006/relationships" xmlns:p="http://schemas.openxmlformats.org/presentationml/2006/main">
   <p:cSld>
     <p:spTree>
@@ -10003,8 +9627,8 @@
           </a:p>
         </p:txBody>
       </p:sp>
-      <mc:AlternateContent xmlns:mc="http://schemas.openxmlformats.org/markup-compatibility/2006">
-        <mc:Choice xmlns:a14="http://schemas.microsoft.com/office/drawing/2010/main" Requires="a14">
+      <mc:AlternateContent xmlns:mc="http://schemas.openxmlformats.org/markup-compatibility/2006" xmlns:a14="http://schemas.microsoft.com/office/drawing/2010/main">
+        <mc:Choice Requires="a14">
           <p:sp>
             <p:nvSpPr>
               <p:cNvPr id="10" name="文本框 9">
@@ -11343,7 +10967,7 @@
             </p:txBody>
           </p:sp>
         </mc:Choice>
-        <mc:Fallback>
+        <mc:Fallback xmlns="">
           <p:sp>
             <p:nvSpPr>
               <p:cNvPr id="10" name="文本框 9">
@@ -11409,7 +11033,199 @@
 </p:sld>
 </file>
 
-<file path=ppt/slides/slide22.xml><?xml version="1.0" encoding="utf-8"?>
+<file path=ppt/slides/slide2.xml><?xml version="1.0" encoding="utf-8"?>
+<p:sld xmlns:a="http://schemas.openxmlformats.org/drawingml/2006/main" xmlns:r="http://schemas.openxmlformats.org/officeDocument/2006/relationships" xmlns:p="http://schemas.openxmlformats.org/presentationml/2006/main">
+  <p:cSld>
+    <p:spTree>
+      <p:nvGrpSpPr>
+        <p:cNvPr id="1" name=""/>
+        <p:cNvGrpSpPr/>
+        <p:nvPr/>
+      </p:nvGrpSpPr>
+      <p:grpSpPr>
+        <a:xfrm>
+          <a:off x="0" y="0"/>
+          <a:ext cx="0" cy="0"/>
+          <a:chOff x="0" y="0"/>
+          <a:chExt cx="0" cy="0"/>
+        </a:xfrm>
+      </p:grpSpPr>
+      <p:sp>
+        <p:nvSpPr>
+          <p:cNvPr id="2" name="文本框 1"/>
+          <p:cNvSpPr txBox="1"/>
+          <p:nvPr/>
+        </p:nvSpPr>
+        <p:spPr>
+          <a:xfrm>
+            <a:off x="685800" y="455930"/>
+            <a:ext cx="8833485" cy="583565"/>
+          </a:xfrm>
+          <a:prstGeom prst="rect">
+            <a:avLst/>
+          </a:prstGeom>
+          <a:noFill/>
+        </p:spPr>
+        <p:txBody>
+          <a:bodyPr wrap="square" rtlCol="0" anchor="t">
+            <a:spAutoFit/>
+          </a:bodyPr>
+          <a:lstStyle/>
+          <a:p>
+            <a:r>
+              <a:rPr lang="en-US" altLang="zh-CN" sz="3200" dirty="0">
+                <a:effectLst/>
+                <a:latin typeface="Times New Roman" panose="02020603050405020304" charset="0"/>
+                <a:ea typeface="等线" panose="02010600030101010101" charset="-122"/>
+                <a:cs typeface="Times New Roman" panose="02020603050405020304" charset="0"/>
+                <a:sym typeface="+mn-ea"/>
+              </a:rPr>
+              <a:t>Performance of early prediction models</a:t>
+            </a:r>
+            <a:r>
+              <a:rPr lang="zh-CN" altLang="en-US" sz="3200" dirty="0">
+                <a:effectLst/>
+                <a:latin typeface="Times New Roman" panose="02020603050405020304" charset="0"/>
+                <a:ea typeface="等线" panose="02010600030101010101" charset="-122"/>
+                <a:cs typeface="Times New Roman" panose="02020603050405020304" charset="0"/>
+                <a:sym typeface="+mn-ea"/>
+              </a:rPr>
+              <a:t>：</a:t>
+            </a:r>
+          </a:p>
+        </p:txBody>
+      </p:sp>
+      <p:pic>
+        <p:nvPicPr>
+          <p:cNvPr id="7" name="图片 6"/>
+          <p:cNvPicPr>
+            <a:picLocks noChangeAspect="1"/>
+          </p:cNvPicPr>
+          <p:nvPr/>
+        </p:nvPicPr>
+        <p:blipFill>
+          <a:blip r:embed="rId2"/>
+          <a:stretch>
+            <a:fillRect/>
+          </a:stretch>
+        </p:blipFill>
+        <p:spPr>
+          <a:xfrm>
+            <a:off x="994935" y="1846580"/>
+            <a:ext cx="5615305" cy="4045585"/>
+          </a:xfrm>
+          <a:prstGeom prst="rect">
+            <a:avLst/>
+          </a:prstGeom>
+        </p:spPr>
+      </p:pic>
+      <p:pic>
+        <p:nvPicPr>
+          <p:cNvPr id="8" name="图片 7"/>
+          <p:cNvPicPr>
+            <a:picLocks noChangeAspect="1"/>
+          </p:cNvPicPr>
+          <p:nvPr/>
+        </p:nvPicPr>
+        <p:blipFill>
+          <a:blip r:embed="rId3"/>
+          <a:stretch>
+            <a:fillRect/>
+          </a:stretch>
+        </p:blipFill>
+        <p:spPr>
+          <a:xfrm>
+            <a:off x="6864985" y="2403171"/>
+            <a:ext cx="5327015" cy="1248410"/>
+          </a:xfrm>
+          <a:prstGeom prst="rect">
+            <a:avLst/>
+          </a:prstGeom>
+        </p:spPr>
+      </p:pic>
+      <p:pic>
+        <p:nvPicPr>
+          <p:cNvPr id="9" name="图片 8"/>
+          <p:cNvPicPr>
+            <a:picLocks noChangeAspect="1"/>
+          </p:cNvPicPr>
+          <p:nvPr/>
+        </p:nvPicPr>
+        <p:blipFill>
+          <a:blip r:embed="rId4"/>
+          <a:stretch>
+            <a:fillRect/>
+          </a:stretch>
+        </p:blipFill>
+        <p:spPr>
+          <a:xfrm>
+            <a:off x="6850062" y="3639819"/>
+            <a:ext cx="5338445" cy="796925"/>
+          </a:xfrm>
+          <a:prstGeom prst="rect">
+            <a:avLst/>
+          </a:prstGeom>
+        </p:spPr>
+      </p:pic>
+      <p:sp>
+        <p:nvSpPr>
+          <p:cNvPr id="3" name="文本框 2">
+            <a:extLst>
+              <a:ext uri="{FF2B5EF4-FFF2-40B4-BE49-F238E27FC236}">
+                <a16:creationId xmlns:a16="http://schemas.microsoft.com/office/drawing/2014/main" id="{3DEC215A-A717-0568-62EA-29ED9352DC72}"/>
+              </a:ext>
+            </a:extLst>
+          </p:cNvPr>
+          <p:cNvSpPr txBox="1"/>
+          <p:nvPr/>
+        </p:nvSpPr>
+        <p:spPr>
+          <a:xfrm>
+            <a:off x="2487304" y="6217404"/>
+            <a:ext cx="7217391" cy="369332"/>
+          </a:xfrm>
+          <a:prstGeom prst="rect">
+            <a:avLst/>
+          </a:prstGeom>
+          <a:noFill/>
+        </p:spPr>
+        <p:txBody>
+          <a:bodyPr wrap="square">
+            <a:spAutoFit/>
+          </a:bodyPr>
+          <a:lstStyle/>
+          <a:p>
+            <a:pPr algn="ctr"/>
+            <a:r>
+              <a:rPr lang="zh-CN" altLang="en-US" dirty="0">
+                <a:solidFill>
+                  <a:schemeClr val="bg2">
+                    <a:lumMod val="75000"/>
+                  </a:schemeClr>
+                </a:solidFill>
+              </a:rPr>
+              <a:t>Data-driven prediction of battery cycle life before capacity degradation</a:t>
+            </a:r>
+          </a:p>
+        </p:txBody>
+      </p:sp>
+    </p:spTree>
+  </p:cSld>
+  <p:clrMapOvr>
+    <a:masterClrMapping/>
+  </p:clrMapOvr>
+  <mc:AlternateContent xmlns:mc="http://schemas.openxmlformats.org/markup-compatibility/2006" xmlns:p14="http://schemas.microsoft.com/office/powerpoint/2010/main">
+    <mc:Choice Requires="p14">
+      <p:transition p14:dur="0"/>
+    </mc:Choice>
+    <mc:Fallback xmlns="">
+      <p:transition/>
+    </mc:Fallback>
+  </mc:AlternateContent>
+</p:sld>
+</file>
+
+<file path=ppt/slides/slide20.xml><?xml version="1.0" encoding="utf-8"?>
 <p:sld xmlns:a="http://schemas.openxmlformats.org/drawingml/2006/main" xmlns:r="http://schemas.openxmlformats.org/officeDocument/2006/relationships" xmlns:p="http://schemas.openxmlformats.org/presentationml/2006/main">
   <p:cSld>
     <p:spTree>
@@ -12995,7 +12811,7 @@
 </p:sld>
 </file>
 
-<file path=ppt/slides/slide23.xml><?xml version="1.0" encoding="utf-8"?>
+<file path=ppt/slides/slide21.xml><?xml version="1.0" encoding="utf-8"?>
 <p:sld xmlns:a="http://schemas.openxmlformats.org/drawingml/2006/main" xmlns:r="http://schemas.openxmlformats.org/officeDocument/2006/relationships" xmlns:p="http://schemas.openxmlformats.org/presentationml/2006/main">
   <p:cSld>
     <p:spTree>
@@ -13422,7 +13238,7 @@
 </p:sld>
 </file>
 
-<file path=ppt/slides/slide24.xml><?xml version="1.0" encoding="utf-8"?>
+<file path=ppt/slides/slide22.xml><?xml version="1.0" encoding="utf-8"?>
 <p:sld xmlns:a="http://schemas.openxmlformats.org/drawingml/2006/main" xmlns:r="http://schemas.openxmlformats.org/officeDocument/2006/relationships" xmlns:p="http://schemas.openxmlformats.org/presentationml/2006/main">
   <p:cSld>
     <p:spTree>
@@ -14075,7 +13891,7 @@
 </p:sld>
 </file>
 
-<file path=ppt/slides/slide25.xml><?xml version="1.0" encoding="utf-8"?>
+<file path=ppt/slides/slide23.xml><?xml version="1.0" encoding="utf-8"?>
 <p:sld xmlns:a="http://schemas.openxmlformats.org/drawingml/2006/main" xmlns:r="http://schemas.openxmlformats.org/officeDocument/2006/relationships" xmlns:p="http://schemas.openxmlformats.org/presentationml/2006/main">
   <p:cSld>
     <p:spTree>
@@ -14919,12 +14735,108 @@
           <a:chExt cx="0" cy="0"/>
         </a:xfrm>
       </p:grpSpPr>
+      <p:sp>
+        <p:nvSpPr>
+          <p:cNvPr id="8" name="文本框 7">
+            <a:extLst>
+              <a:ext uri="{FF2B5EF4-FFF2-40B4-BE49-F238E27FC236}">
+                <a16:creationId xmlns:a16="http://schemas.microsoft.com/office/drawing/2014/main" id="{71062AC2-64A6-A285-A745-24EDB3EF285C}"/>
+              </a:ext>
+            </a:extLst>
+          </p:cNvPr>
+          <p:cNvSpPr txBox="1"/>
+          <p:nvPr/>
+        </p:nvSpPr>
+        <p:spPr>
+          <a:xfrm>
+            <a:off x="685800" y="455930"/>
+            <a:ext cx="10363200" cy="584775"/>
+          </a:xfrm>
+          <a:prstGeom prst="rect">
+            <a:avLst/>
+          </a:prstGeom>
+          <a:noFill/>
+        </p:spPr>
+        <p:txBody>
+          <a:bodyPr wrap="square" rtlCol="0" anchor="t">
+            <a:spAutoFit/>
+          </a:bodyPr>
+          <a:lstStyle/>
+          <a:p>
+            <a:r>
+              <a:rPr lang="en-US" altLang="zh-CN" sz="3200" dirty="0">
+                <a:effectLst/>
+                <a:latin typeface="Times New Roman" panose="02020603050405020304" charset="0"/>
+                <a:ea typeface="等线" panose="02010600030101010101" charset="-122"/>
+                <a:cs typeface="Times New Roman" panose="02020603050405020304" charset="0"/>
+                <a:sym typeface="+mn-ea"/>
+              </a:rPr>
+              <a:t>NASA Dataset</a:t>
+            </a:r>
+            <a:r>
+              <a:rPr lang="zh-CN" altLang="en-US" sz="3200" dirty="0">
+                <a:effectLst/>
+                <a:latin typeface="Times New Roman" panose="02020603050405020304" charset="0"/>
+                <a:ea typeface="等线" panose="02010600030101010101" charset="-122"/>
+                <a:cs typeface="Times New Roman" panose="02020603050405020304" charset="0"/>
+                <a:sym typeface="+mn-ea"/>
+              </a:rPr>
+              <a:t>：</a:t>
+            </a:r>
+          </a:p>
+        </p:txBody>
+      </p:sp>
+      <p:sp>
+        <p:nvSpPr>
+          <p:cNvPr id="11" name="文本框 10">
+            <a:extLst>
+              <a:ext uri="{FF2B5EF4-FFF2-40B4-BE49-F238E27FC236}">
+                <a16:creationId xmlns:a16="http://schemas.microsoft.com/office/drawing/2014/main" id="{F610235B-A35D-BC47-E257-F1853B715000}"/>
+              </a:ext>
+            </a:extLst>
+          </p:cNvPr>
+          <p:cNvSpPr txBox="1"/>
+          <p:nvPr/>
+        </p:nvSpPr>
+        <p:spPr>
+          <a:xfrm>
+            <a:off x="157843" y="6315375"/>
+            <a:ext cx="11419114" cy="369332"/>
+          </a:xfrm>
+          <a:prstGeom prst="rect">
+            <a:avLst/>
+          </a:prstGeom>
+          <a:noFill/>
+        </p:spPr>
+        <p:txBody>
+          <a:bodyPr wrap="square">
+            <a:spAutoFit/>
+          </a:bodyPr>
+          <a:lstStyle/>
+          <a:p>
+            <a:pPr algn="ctr"/>
+            <a:r>
+              <a:rPr lang="en-US" altLang="zh-CN" dirty="0">
+                <a:solidFill>
+                  <a:schemeClr val="bg2">
+                    <a:lumMod val="75000"/>
+                  </a:schemeClr>
+                </a:solidFill>
+                <a:latin typeface="Times New Roman" panose="02020603050405020304" charset="0"/>
+                <a:ea typeface="等线" panose="02010600030101010101" charset="-122"/>
+                <a:cs typeface="Times New Roman" panose="02020603050405020304" charset="0"/>
+              </a:rPr>
+              <a:t>useful life Prediction for lithium-ion battery based on CEEMDAN and SVR</a:t>
+            </a:r>
+          </a:p>
+        </p:txBody>
+      </p:sp>
       <p:pic>
         <p:nvPicPr>
-          <p:cNvPr id="6" name="图片 5">
+          <p:cNvPr id="2" name="图片 1">
             <a:extLst>
               <a:ext uri="{FF2B5EF4-FFF2-40B4-BE49-F238E27FC236}">
-                <a16:creationId xmlns:a16="http://schemas.microsoft.com/office/drawing/2014/main" id="{9B0892AB-AD63-1B09-1359-29BA9D01BAB5}"/>
+                <a16:creationId xmlns:a16="http://schemas.microsoft.com/office/drawing/2014/main" id="{F1CFE517-C44A-289D-5A55-1DACCD590DBB}"/>
               </a:ext>
             </a:extLst>
           </p:cNvPr>
@@ -14941,8 +14853,8 @@
         </p:blipFill>
         <p:spPr>
           <a:xfrm>
-            <a:off x="873577" y="1387929"/>
-            <a:ext cx="3209925" cy="2751364"/>
+            <a:off x="1068173" y="1545771"/>
+            <a:ext cx="4143235" cy="3276599"/>
           </a:xfrm>
           <a:prstGeom prst="rect">
             <a:avLst/>
@@ -14951,10 +14863,10 @@
       </p:pic>
       <p:sp>
         <p:nvSpPr>
-          <p:cNvPr id="7" name="文本框 6">
+          <p:cNvPr id="3" name="文本框 2">
             <a:extLst>
               <a:ext uri="{FF2B5EF4-FFF2-40B4-BE49-F238E27FC236}">
-                <a16:creationId xmlns:a16="http://schemas.microsoft.com/office/drawing/2014/main" id="{E0ADAFB0-BF6D-DC15-F393-9E813B0ED47B}"/>
+                <a16:creationId xmlns:a16="http://schemas.microsoft.com/office/drawing/2014/main" id="{0D752656-BA94-62BC-DB79-CAB1C99F4CF4}"/>
               </a:ext>
             </a:extLst>
           </p:cNvPr>
@@ -14963,98 +14875,8 @@
         </p:nvSpPr>
         <p:spPr>
           <a:xfrm>
-            <a:off x="4083502" y="1676400"/>
-            <a:ext cx="6647974" cy="369332"/>
-          </a:xfrm>
-          <a:prstGeom prst="rect">
-            <a:avLst/>
-          </a:prstGeom>
-          <a:noFill/>
-        </p:spPr>
-        <p:txBody>
-          <a:bodyPr wrap="none" rtlCol="0">
-            <a:spAutoFit/>
-          </a:bodyPr>
-          <a:lstStyle/>
-          <a:p>
-            <a:r>
-              <a:rPr lang="zh-CN" altLang="en-US" dirty="0">
-                <a:latin typeface="宋体" panose="02010600030101010101" pitchFamily="2" charset="-122"/>
-                <a:ea typeface="宋体" panose="02010600030101010101" pitchFamily="2" charset="-122"/>
-                <a:cs typeface="Times New Roman" panose="02020603050405020304" charset="0"/>
-              </a:rPr>
-              <a:t>等压降时间与电池寿命高度相关，作为电池寿命预测的健康因子</a:t>
-            </a:r>
-          </a:p>
-        </p:txBody>
-      </p:sp>
-      <p:sp>
-        <p:nvSpPr>
-          <p:cNvPr id="8" name="文本框 7">
-            <a:extLst>
-              <a:ext uri="{FF2B5EF4-FFF2-40B4-BE49-F238E27FC236}">
-                <a16:creationId xmlns:a16="http://schemas.microsoft.com/office/drawing/2014/main" id="{71062AC2-64A6-A285-A745-24EDB3EF285C}"/>
-              </a:ext>
-            </a:extLst>
-          </p:cNvPr>
-          <p:cNvSpPr txBox="1"/>
-          <p:nvPr/>
-        </p:nvSpPr>
-        <p:spPr>
-          <a:xfrm>
-            <a:off x="685800" y="455930"/>
-            <a:ext cx="10363200" cy="584775"/>
-          </a:xfrm>
-          <a:prstGeom prst="rect">
-            <a:avLst/>
-          </a:prstGeom>
-          <a:noFill/>
-        </p:spPr>
-        <p:txBody>
-          <a:bodyPr wrap="square" rtlCol="0" anchor="t">
-            <a:spAutoFit/>
-          </a:bodyPr>
-          <a:lstStyle/>
-          <a:p>
-            <a:r>
-              <a:rPr lang="en-US" altLang="zh-CN" sz="3200" dirty="0">
-                <a:effectLst/>
-                <a:latin typeface="Times New Roman" panose="02020603050405020304" charset="0"/>
-                <a:ea typeface="等线" panose="02010600030101010101" charset="-122"/>
-                <a:cs typeface="Times New Roman" panose="02020603050405020304" charset="0"/>
-                <a:sym typeface="+mn-ea"/>
-              </a:rPr>
-              <a:t>NASA Dataset</a:t>
-            </a:r>
-            <a:r>
-              <a:rPr lang="zh-CN" altLang="en-US" sz="3200" dirty="0">
-                <a:effectLst/>
-                <a:latin typeface="Times New Roman" panose="02020603050405020304" charset="0"/>
-                <a:ea typeface="等线" panose="02010600030101010101" charset="-122"/>
-                <a:cs typeface="Times New Roman" panose="02020603050405020304" charset="0"/>
-                <a:sym typeface="+mn-ea"/>
-              </a:rPr>
-              <a:t>：</a:t>
-            </a:r>
-          </a:p>
-        </p:txBody>
-      </p:sp>
-      <p:sp>
-        <p:nvSpPr>
-          <p:cNvPr id="11" name="文本框 10">
-            <a:extLst>
-              <a:ext uri="{FF2B5EF4-FFF2-40B4-BE49-F238E27FC236}">
-                <a16:creationId xmlns:a16="http://schemas.microsoft.com/office/drawing/2014/main" id="{F610235B-A35D-BC47-E257-F1853B715000}"/>
-              </a:ext>
-            </a:extLst>
-          </p:cNvPr>
-          <p:cNvSpPr txBox="1"/>
-          <p:nvPr/>
-        </p:nvSpPr>
-        <p:spPr>
-          <a:xfrm>
-            <a:off x="2487304" y="6217404"/>
-            <a:ext cx="7217391" cy="369332"/>
+            <a:off x="5948030" y="2215115"/>
+            <a:ext cx="5013883" cy="584775"/>
           </a:xfrm>
           <a:prstGeom prst="rect">
             <a:avLst/>
@@ -15067,27 +14889,29 @@
           </a:bodyPr>
           <a:lstStyle/>
           <a:p>
-            <a:pPr algn="ctr"/>
-            <a:r>
-              <a:rPr lang="en-US" altLang="zh-CN" dirty="0">
+            <a:r>
+              <a:rPr lang="zh-CN" altLang="en-US" sz="1600" dirty="0">
                 <a:solidFill>
-                  <a:schemeClr val="bg2">
-                    <a:lumMod val="75000"/>
-                  </a:schemeClr>
+                  <a:srgbClr val="000000"/>
                 </a:solidFill>
-                <a:latin typeface="Times New Roman" panose="02020603050405020304" charset="0"/>
-                <a:ea typeface="等线" panose="02010600030101010101" charset="-122"/>
-                <a:cs typeface="Times New Roman" panose="02020603050405020304" charset="0"/>
-                <a:sym typeface="+mn-ea"/>
+                <a:latin typeface="+mn-ea"/>
               </a:rPr>
-              <a:t>Remaining useful life of Lithium-ion batteries based on EMD-GSA-ELM</a:t>
-            </a:r>
-            <a:endParaRPr lang="zh-CN" altLang="en-US" dirty="0">
+              <a:t>随着充放电周期的增加，电压达到最低点的时间在减少。因此本文选取放电电压达到最低点的时间为</a:t>
+            </a:r>
+            <a:r>
+              <a:rPr lang="en-US" altLang="zh-CN" sz="1600" dirty="0">
+                <a:solidFill>
+                  <a:srgbClr val="000000"/>
+                </a:solidFill>
+                <a:latin typeface="+mn-ea"/>
+              </a:rPr>
+              <a:t>HI</a:t>
+            </a:r>
+            <a:endParaRPr lang="zh-CN" altLang="en-US" sz="1600" dirty="0">
               <a:solidFill>
-                <a:schemeClr val="bg2">
-                  <a:lumMod val="75000"/>
-                </a:schemeClr>
+                <a:srgbClr val="000000"/>
               </a:solidFill>
+              <a:latin typeface="+mn-ea"/>
             </a:endParaRPr>
           </a:p>
         </p:txBody>
@@ -15132,10 +14956,217 @@
       </p:grpSpPr>
       <p:sp>
         <p:nvSpPr>
-          <p:cNvPr id="5" name="文本框 4">
+          <p:cNvPr id="4" name="Rectangle 7">
             <a:extLst>
               <a:ext uri="{FF2B5EF4-FFF2-40B4-BE49-F238E27FC236}">
-                <a16:creationId xmlns:a16="http://schemas.microsoft.com/office/drawing/2014/main" id="{B24A4DBE-3D8F-3D42-9870-D3F6B96F7472}"/>
+                <a16:creationId xmlns:a16="http://schemas.microsoft.com/office/drawing/2014/main" id="{4560BE71-E6FF-4DE9-8822-ACE70BDC8A9C}"/>
+              </a:ext>
+            </a:extLst>
+          </p:cNvPr>
+          <p:cNvSpPr>
+            <a:spLocks noChangeArrowheads="1"/>
+          </p:cNvSpPr>
+          <p:nvPr/>
+        </p:nvSpPr>
+        <p:spPr bwMode="auto">
+          <a:xfrm>
+            <a:off x="0" y="0"/>
+            <a:ext cx="12192000" cy="457200"/>
+          </a:xfrm>
+          <a:prstGeom prst="rect">
+            <a:avLst/>
+          </a:prstGeom>
+          <a:noFill/>
+          <a:ln>
+            <a:noFill/>
+          </a:ln>
+          <a:effectLst/>
+          <a:extLst>
+            <a:ext uri="{909E8E84-426E-40DD-AFC4-6F175D3DCCD1}">
+              <a14:hiddenFill xmlns:a14="http://schemas.microsoft.com/office/drawing/2010/main">
+                <a:solidFill>
+                  <a:schemeClr val="accent1"/>
+                </a:solidFill>
+              </a14:hiddenFill>
+            </a:ext>
+            <a:ext uri="{91240B29-F687-4F45-9708-019B960494DF}">
+              <a14:hiddenLine xmlns:a14="http://schemas.microsoft.com/office/drawing/2010/main" w="9525">
+                <a:solidFill>
+                  <a:schemeClr val="tx1"/>
+                </a:solidFill>
+                <a:miter lim="800000"/>
+                <a:headEnd/>
+                <a:tailEnd/>
+              </a14:hiddenLine>
+            </a:ext>
+            <a:ext uri="{AF507438-7753-43E0-B8FC-AC1667EBCBE1}">
+              <a14:hiddenEffects xmlns:a14="http://schemas.microsoft.com/office/drawing/2010/main">
+                <a:effectLst>
+                  <a:outerShdw dist="35921" dir="2700000" algn="ctr" rotWithShape="0">
+                    <a:schemeClr val="bg2"/>
+                  </a:outerShdw>
+                </a:effectLst>
+              </a14:hiddenEffects>
+            </a:ext>
+          </a:extLst>
+        </p:spPr>
+        <p:txBody>
+          <a:bodyPr vert="horz" wrap="none" lIns="91440" tIns="45720" rIns="91440" bIns="45720" numCol="1" anchor="ctr" anchorCtr="0" compatLnSpc="1">
+            <a:prstTxWarp prst="textNoShape">
+              <a:avLst/>
+            </a:prstTxWarp>
+            <a:spAutoFit/>
+          </a:bodyPr>
+          <a:lstStyle/>
+          <a:p>
+            <a:endParaRPr lang="zh-CN" altLang="en-US"/>
+          </a:p>
+        </p:txBody>
+      </p:sp>
+      <p:sp>
+        <p:nvSpPr>
+          <p:cNvPr id="5" name="Rectangle 8">
+            <a:extLst>
+              <a:ext uri="{FF2B5EF4-FFF2-40B4-BE49-F238E27FC236}">
+                <a16:creationId xmlns:a16="http://schemas.microsoft.com/office/drawing/2014/main" id="{969ECA10-38C3-47C5-8F89-56A168D96F6F}"/>
+              </a:ext>
+            </a:extLst>
+          </p:cNvPr>
+          <p:cNvSpPr>
+            <a:spLocks noChangeArrowheads="1"/>
+          </p:cNvSpPr>
+          <p:nvPr/>
+        </p:nvSpPr>
+        <p:spPr bwMode="auto">
+          <a:xfrm>
+            <a:off x="0" y="11836400"/>
+            <a:ext cx="12192000" cy="0"/>
+          </a:xfrm>
+          <a:prstGeom prst="rect">
+            <a:avLst/>
+          </a:prstGeom>
+          <a:noFill/>
+          <a:ln>
+            <a:noFill/>
+          </a:ln>
+          <a:effectLst/>
+          <a:extLst>
+            <a:ext uri="{909E8E84-426E-40DD-AFC4-6F175D3DCCD1}">
+              <a14:hiddenFill xmlns:a14="http://schemas.microsoft.com/office/drawing/2010/main">
+                <a:solidFill>
+                  <a:schemeClr val="accent1"/>
+                </a:solidFill>
+              </a14:hiddenFill>
+            </a:ext>
+            <a:ext uri="{91240B29-F687-4F45-9708-019B960494DF}">
+              <a14:hiddenLine xmlns:a14="http://schemas.microsoft.com/office/drawing/2010/main" w="9525">
+                <a:solidFill>
+                  <a:schemeClr val="tx1"/>
+                </a:solidFill>
+                <a:miter lim="800000"/>
+                <a:headEnd/>
+                <a:tailEnd/>
+              </a14:hiddenLine>
+            </a:ext>
+            <a:ext uri="{AF507438-7753-43E0-B8FC-AC1667EBCBE1}">
+              <a14:hiddenEffects xmlns:a14="http://schemas.microsoft.com/office/drawing/2010/main">
+                <a:effectLst>
+                  <a:outerShdw dist="35921" dir="2700000" algn="ctr" rotWithShape="0">
+                    <a:schemeClr val="bg2"/>
+                  </a:outerShdw>
+                </a:effectLst>
+              </a14:hiddenEffects>
+            </a:ext>
+          </a:extLst>
+        </p:spPr>
+        <p:txBody>
+          <a:bodyPr vert="horz" wrap="none" lIns="91440" tIns="45720" rIns="91440" bIns="45720" numCol="1" anchor="ctr" anchorCtr="0" compatLnSpc="1">
+            <a:prstTxWarp prst="textNoShape">
+              <a:avLst/>
+            </a:prstTxWarp>
+            <a:spAutoFit/>
+          </a:bodyPr>
+          <a:lstStyle/>
+          <a:p>
+            <a:endParaRPr lang="zh-CN" altLang="en-US"/>
+          </a:p>
+        </p:txBody>
+      </p:sp>
+      <p:sp>
+        <p:nvSpPr>
+          <p:cNvPr id="6" name="Rectangle 4">
+            <a:extLst>
+              <a:ext uri="{FF2B5EF4-FFF2-40B4-BE49-F238E27FC236}">
+                <a16:creationId xmlns:a16="http://schemas.microsoft.com/office/drawing/2014/main" id="{BDE2F2FC-FE40-404D-B781-17F8C63F1582}"/>
+              </a:ext>
+            </a:extLst>
+          </p:cNvPr>
+          <p:cNvSpPr>
+            <a:spLocks noChangeArrowheads="1"/>
+          </p:cNvSpPr>
+          <p:nvPr/>
+        </p:nvSpPr>
+        <p:spPr bwMode="auto">
+          <a:xfrm>
+            <a:off x="0" y="3752850"/>
+            <a:ext cx="12192000" cy="0"/>
+          </a:xfrm>
+          <a:prstGeom prst="rect">
+            <a:avLst/>
+          </a:prstGeom>
+          <a:noFill/>
+          <a:ln>
+            <a:noFill/>
+          </a:ln>
+          <a:effectLst/>
+          <a:extLst>
+            <a:ext uri="{909E8E84-426E-40DD-AFC4-6F175D3DCCD1}">
+              <a14:hiddenFill xmlns:a14="http://schemas.microsoft.com/office/drawing/2010/main">
+                <a:solidFill>
+                  <a:schemeClr val="accent1"/>
+                </a:solidFill>
+              </a14:hiddenFill>
+            </a:ext>
+            <a:ext uri="{91240B29-F687-4F45-9708-019B960494DF}">
+              <a14:hiddenLine xmlns:a14="http://schemas.microsoft.com/office/drawing/2010/main" w="9525">
+                <a:solidFill>
+                  <a:schemeClr val="tx1"/>
+                </a:solidFill>
+                <a:miter lim="800000"/>
+                <a:headEnd/>
+                <a:tailEnd/>
+              </a14:hiddenLine>
+            </a:ext>
+            <a:ext uri="{AF507438-7753-43E0-B8FC-AC1667EBCBE1}">
+              <a14:hiddenEffects xmlns:a14="http://schemas.microsoft.com/office/drawing/2010/main">
+                <a:effectLst>
+                  <a:outerShdw dist="35921" dir="2700000" algn="ctr" rotWithShape="0">
+                    <a:schemeClr val="bg2"/>
+                  </a:outerShdw>
+                </a:effectLst>
+              </a14:hiddenEffects>
+            </a:ext>
+          </a:extLst>
+        </p:spPr>
+        <p:txBody>
+          <a:bodyPr vert="horz" wrap="none" lIns="91440" tIns="45720" rIns="91440" bIns="45720" numCol="1" anchor="ctr" anchorCtr="0" compatLnSpc="1">
+            <a:prstTxWarp prst="textNoShape">
+              <a:avLst/>
+            </a:prstTxWarp>
+            <a:spAutoFit/>
+          </a:bodyPr>
+          <a:lstStyle/>
+          <a:p>
+            <a:endParaRPr lang="zh-CN" altLang="en-US"/>
+          </a:p>
+        </p:txBody>
+      </p:sp>
+      <p:sp>
+        <p:nvSpPr>
+          <p:cNvPr id="2" name="文本框 1">
+            <a:extLst>
+              <a:ext uri="{FF2B5EF4-FFF2-40B4-BE49-F238E27FC236}">
+                <a16:creationId xmlns:a16="http://schemas.microsoft.com/office/drawing/2014/main" id="{195B2061-7945-4B38-A2DD-A51E497F926A}"/>
               </a:ext>
             </a:extLst>
           </p:cNvPr>
@@ -15144,8 +15175,8 @@
         </p:nvSpPr>
         <p:spPr>
           <a:xfrm>
-            <a:off x="903513" y="1398814"/>
-            <a:ext cx="10444843" cy="646331"/>
+            <a:off x="736600" y="541867"/>
+            <a:ext cx="9533467" cy="584775"/>
           </a:xfrm>
           <a:prstGeom prst="rect">
             <a:avLst/>
@@ -15153,53 +15184,44 @@
           <a:noFill/>
         </p:spPr>
         <p:txBody>
-          <a:bodyPr wrap="square">
+          <a:bodyPr wrap="square" rtlCol="0">
             <a:spAutoFit/>
           </a:bodyPr>
           <a:lstStyle/>
           <a:p>
             <a:r>
-              <a:rPr lang="zh-CN" altLang="en-US" dirty="0"/>
-              <a:t>极限学习机由于其输入权值和阈值在训练和预测过程中是随机给定的，导致输出存在波动，预测结果不可靠，因此，提出利用引力搜索算法对ELM进行优化，以获得更稳定可靠的预测结果。</a:t>
+              <a:rPr lang="en-US" altLang="zh-CN" sz="3200" dirty="0">
+                <a:latin typeface="Times New Roman" panose="02020603050405020304" charset="0"/>
+                <a:ea typeface="等线" panose="02010600030101010101" charset="-122"/>
+                <a:cs typeface="Times New Roman" panose="02020603050405020304" charset="0"/>
+              </a:rPr>
+              <a:t>EMD</a:t>
+            </a:r>
+            <a:r>
+              <a:rPr lang="zh-CN" altLang="en-US" sz="3200" dirty="0">
+                <a:latin typeface="Times New Roman" panose="02020603050405020304" charset="0"/>
+                <a:ea typeface="等线" panose="02010600030101010101" charset="-122"/>
+                <a:cs typeface="Times New Roman" panose="02020603050405020304" charset="0"/>
+              </a:rPr>
+              <a:t>（模态分解）</a:t>
+            </a:r>
+            <a:r>
+              <a:rPr lang="zh-CN" altLang="en-US" sz="2400" dirty="0">
+                <a:latin typeface="宋体" panose="02010600030101010101" pitchFamily="2" charset="-122"/>
+                <a:ea typeface="宋体" panose="02010600030101010101" pitchFamily="2" charset="-122"/>
+                <a:cs typeface="Times New Roman" panose="02020603050405020304" charset="0"/>
+              </a:rPr>
+              <a:t>：</a:t>
             </a:r>
           </a:p>
         </p:txBody>
       </p:sp>
-      <p:pic>
-        <p:nvPicPr>
-          <p:cNvPr id="8" name="图片 7">
+      <p:sp>
+        <p:nvSpPr>
+          <p:cNvPr id="7" name="文本框 6">
             <a:extLst>
               <a:ext uri="{FF2B5EF4-FFF2-40B4-BE49-F238E27FC236}">
-                <a16:creationId xmlns:a16="http://schemas.microsoft.com/office/drawing/2014/main" id="{9C0C6128-4005-39D7-73C6-2ECA2578C239}"/>
-              </a:ext>
-            </a:extLst>
-          </p:cNvPr>
-          <p:cNvPicPr>
-            <a:picLocks noChangeAspect="1"/>
-          </p:cNvPicPr>
-          <p:nvPr/>
-        </p:nvPicPr>
-        <p:blipFill rotWithShape="1">
-          <a:blip r:embed="rId2"/>
-          <a:srcRect b="3774"/>
-          <a:stretch/>
-        </p:blipFill>
-        <p:spPr>
-          <a:xfrm>
-            <a:off x="2046515" y="2417265"/>
-            <a:ext cx="7010400" cy="971550"/>
-          </a:xfrm>
-          <a:prstGeom prst="rect">
-            <a:avLst/>
-          </a:prstGeom>
-        </p:spPr>
-      </p:pic>
-      <p:sp>
-        <p:nvSpPr>
-          <p:cNvPr id="10" name="文本框 9">
-            <a:extLst>
-              <a:ext uri="{FF2B5EF4-FFF2-40B4-BE49-F238E27FC236}">
-                <a16:creationId xmlns:a16="http://schemas.microsoft.com/office/drawing/2014/main" id="{197A9297-5AAF-D5A5-9C31-709BF528B9A8}"/>
+                <a16:creationId xmlns:a16="http://schemas.microsoft.com/office/drawing/2014/main" id="{FA15779E-193E-4B8F-BD71-DA6FFA07E08B}"/>
               </a:ext>
             </a:extLst>
           </p:cNvPr>
@@ -15208,8 +15230,8 @@
         </p:nvSpPr>
         <p:spPr>
           <a:xfrm>
-            <a:off x="903513" y="3776627"/>
-            <a:ext cx="10444843" cy="1754326"/>
+            <a:off x="1141422" y="1713755"/>
+            <a:ext cx="9831378" cy="4507388"/>
           </a:xfrm>
           <a:prstGeom prst="rect">
             <a:avLst/>
@@ -15217,33 +15239,224 @@
           <a:noFill/>
         </p:spPr>
         <p:txBody>
-          <a:bodyPr wrap="square">
+          <a:bodyPr wrap="square" rtlCol="0">
             <a:spAutoFit/>
           </a:bodyPr>
           <a:lstStyle/>
           <a:p>
-            <a:r>
-              <a:rPr lang="zh-CN" altLang="en-US" dirty="0"/>
-              <a:t>种群优化算法GSA：与遗传算法、模拟退化算法、人工免疫系统算法、蚁群算法等优化算法相比。粒子通过引力相互“交流”，质量越大的粒子(对应于更好的解)比质量较轻的粒子移动得慢，每个粒子包含四个属性:位置、惯性质量、主动引力质量和被动引力质量。</a:t>
-            </a:r>
-          </a:p>
-          <a:p>
-            <a:endParaRPr lang="zh-CN" altLang="en-US" dirty="0"/>
-          </a:p>
-          <a:p>
-            <a:r>
-              <a:rPr lang="zh-CN" altLang="en-US" dirty="0"/>
-              <a:t>粒子的位置对应待优化问题的解，随着时间的推移，每个粒子根据适应度调整自身的引力质量和惯性质量进行导航，最终在搜索空间中呈现出最优解</a:t>
-            </a:r>
+            <a:pPr>
+              <a:lnSpc>
+                <a:spcPct val="150000"/>
+              </a:lnSpc>
+            </a:pPr>
+            <a:r>
+              <a:rPr lang="zh-CN" altLang="en-US" sz="2000" b="1" dirty="0">
+                <a:solidFill>
+                  <a:srgbClr val="121212"/>
+                </a:solidFill>
+                <a:latin typeface="-apple-system"/>
+              </a:rPr>
+              <a:t>时频域信号处理方法</a:t>
+            </a:r>
+            <a:r>
+              <a:rPr lang="zh-CN" altLang="en-US" sz="2000" dirty="0">
+                <a:latin typeface="宋体" panose="02010600030101010101" pitchFamily="2" charset="-122"/>
+                <a:ea typeface="宋体" panose="02010600030101010101" pitchFamily="2" charset="-122"/>
+                <a:cs typeface="Times New Roman" panose="02020603050405020304" charset="0"/>
+              </a:rPr>
+              <a:t>：</a:t>
+            </a:r>
+            <a:endParaRPr lang="en-US" altLang="zh-CN" sz="2000" dirty="0">
+              <a:latin typeface="宋体" panose="02010600030101010101" pitchFamily="2" charset="-122"/>
+              <a:ea typeface="宋体" panose="02010600030101010101" pitchFamily="2" charset="-122"/>
+              <a:cs typeface="Times New Roman" panose="02020603050405020304" charset="0"/>
+            </a:endParaRPr>
+          </a:p>
+          <a:p>
+            <a:pPr>
+              <a:lnSpc>
+                <a:spcPct val="150000"/>
+              </a:lnSpc>
+            </a:pPr>
+            <a:r>
+              <a:rPr lang="en-US" altLang="zh-CN" sz="2000" dirty="0">
+                <a:latin typeface="宋体" panose="02010600030101010101" pitchFamily="2" charset="-122"/>
+                <a:ea typeface="宋体" panose="02010600030101010101" pitchFamily="2" charset="-122"/>
+                <a:cs typeface="Times New Roman" panose="02020603050405020304" charset="0"/>
+              </a:rPr>
+              <a:t>    </a:t>
+            </a:r>
+            <a:r>
+              <a:rPr lang="zh-CN" altLang="en-US" sz="2000" b="1" dirty="0">
+                <a:solidFill>
+                  <a:srgbClr val="121212"/>
+                </a:solidFill>
+                <a:latin typeface="-apple-system"/>
+              </a:rPr>
+              <a:t>小波分析</a:t>
+            </a:r>
+            <a:r>
+              <a:rPr lang="zh-CN" altLang="en-US" sz="2000" dirty="0">
+                <a:solidFill>
+                  <a:srgbClr val="121212"/>
+                </a:solidFill>
+                <a:latin typeface="-apple-system"/>
+              </a:rPr>
+              <a:t>：全局最优的小波基在局部未必是最优，其基函数缺乏适应性</a:t>
+            </a:r>
+            <a:endParaRPr lang="en-US" altLang="zh-CN" sz="2000" dirty="0">
+              <a:solidFill>
+                <a:srgbClr val="121212"/>
+              </a:solidFill>
+              <a:latin typeface="-apple-system"/>
+            </a:endParaRPr>
+          </a:p>
+          <a:p>
+            <a:pPr>
+              <a:lnSpc>
+                <a:spcPct val="150000"/>
+              </a:lnSpc>
+            </a:pPr>
+            <a:r>
+              <a:rPr lang="en-US" altLang="zh-CN" sz="2000" dirty="0">
+                <a:solidFill>
+                  <a:srgbClr val="121212"/>
+                </a:solidFill>
+                <a:latin typeface="-apple-system"/>
+              </a:rPr>
+              <a:t>         </a:t>
+            </a:r>
+            <a:r>
+              <a:rPr lang="en-US" altLang="zh-CN" sz="2000" b="1" dirty="0">
+                <a:solidFill>
+                  <a:srgbClr val="121212"/>
+                </a:solidFill>
+                <a:latin typeface="-apple-system"/>
+              </a:rPr>
+              <a:t>EMD</a:t>
+            </a:r>
+            <a:r>
+              <a:rPr lang="zh-CN" altLang="en-US" sz="2000" dirty="0">
+                <a:solidFill>
+                  <a:srgbClr val="121212"/>
+                </a:solidFill>
+                <a:latin typeface="-apple-system"/>
+              </a:rPr>
+              <a:t>：不用预先分析与研究，就可以直接开始分解，克服了基函数无自适应性的问题</a:t>
+            </a:r>
+            <a:endParaRPr lang="en-US" altLang="zh-CN" sz="2000" dirty="0">
+              <a:solidFill>
+                <a:srgbClr val="121212"/>
+              </a:solidFill>
+              <a:latin typeface="-apple-system"/>
+            </a:endParaRPr>
+          </a:p>
+          <a:p>
+            <a:pPr>
+              <a:lnSpc>
+                <a:spcPct val="150000"/>
+              </a:lnSpc>
+            </a:pPr>
+            <a:endParaRPr lang="en-US" altLang="zh-CN" sz="2000" dirty="0">
+              <a:solidFill>
+                <a:srgbClr val="121212"/>
+              </a:solidFill>
+              <a:latin typeface="-apple-system"/>
+            </a:endParaRPr>
+          </a:p>
+          <a:p>
+            <a:pPr algn="l"/>
+            <a:r>
+              <a:rPr lang="zh-CN" altLang="en-US" sz="2000" b="1" i="0" dirty="0">
+                <a:solidFill>
+                  <a:srgbClr val="121212"/>
+                </a:solidFill>
+                <a:effectLst/>
+                <a:latin typeface="-apple-system"/>
+              </a:rPr>
+              <a:t>两个</a:t>
+            </a:r>
+            <a:r>
+              <a:rPr lang="zh-CN" altLang="en-US" sz="2000" b="1" dirty="0">
+                <a:solidFill>
+                  <a:srgbClr val="121212"/>
+                </a:solidFill>
+                <a:latin typeface="-apple-system"/>
+              </a:rPr>
+              <a:t>约束条件：</a:t>
+            </a:r>
+          </a:p>
+          <a:p>
+            <a:pPr>
+              <a:lnSpc>
+                <a:spcPct val="150000"/>
+              </a:lnSpc>
+            </a:pPr>
+            <a:r>
+              <a:rPr lang="en-US" altLang="zh-CN" sz="2000" dirty="0">
+                <a:solidFill>
+                  <a:srgbClr val="121212"/>
+                </a:solidFill>
+                <a:latin typeface="-apple-system"/>
+              </a:rPr>
+              <a:t>1</a:t>
+            </a:r>
+            <a:r>
+              <a:rPr lang="zh-CN" altLang="en-US" sz="2000" dirty="0">
+                <a:solidFill>
+                  <a:srgbClr val="121212"/>
+                </a:solidFill>
+                <a:latin typeface="-apple-system"/>
+              </a:rPr>
+              <a:t>）在整个数据段内，极值点的个数和过零点的个数必须相等或相差最多不能超过一个</a:t>
+            </a:r>
+          </a:p>
+          <a:p>
+            <a:pPr>
+              <a:lnSpc>
+                <a:spcPct val="150000"/>
+              </a:lnSpc>
+            </a:pPr>
+            <a:r>
+              <a:rPr lang="en-US" altLang="zh-CN" sz="2000" dirty="0">
+                <a:solidFill>
+                  <a:srgbClr val="121212"/>
+                </a:solidFill>
+                <a:latin typeface="-apple-system"/>
+              </a:rPr>
+              <a:t>2</a:t>
+            </a:r>
+            <a:r>
+              <a:rPr lang="zh-CN" altLang="en-US" sz="2000" dirty="0">
+                <a:solidFill>
+                  <a:srgbClr val="121212"/>
+                </a:solidFill>
+                <a:latin typeface="-apple-system"/>
+              </a:rPr>
+              <a:t>）在任意时刻，由局部极大值点形成的上包络线和由局部极小值点形成的下包络线的平均值为零，即上、下包络线相对于时间轴局部对称</a:t>
+            </a:r>
+          </a:p>
+          <a:p>
+            <a:pPr>
+              <a:lnSpc>
+                <a:spcPct val="150000"/>
+              </a:lnSpc>
+            </a:pPr>
+            <a:endParaRPr lang="en-US" altLang="zh-CN" sz="2000" dirty="0">
+              <a:solidFill>
+                <a:srgbClr val="121212"/>
+              </a:solidFill>
+              <a:latin typeface="-apple-system"/>
+            </a:endParaRPr>
           </a:p>
         </p:txBody>
       </p:sp>
       <p:sp>
         <p:nvSpPr>
-          <p:cNvPr id="11" name="文本框 10">
+          <p:cNvPr id="3" name="文本框 2">
             <a:extLst>
               <a:ext uri="{FF2B5EF4-FFF2-40B4-BE49-F238E27FC236}">
-                <a16:creationId xmlns:a16="http://schemas.microsoft.com/office/drawing/2014/main" id="{EA23F6DB-1B0F-9799-5B22-170200C466AF}"/>
+                <a16:creationId xmlns:a16="http://schemas.microsoft.com/office/drawing/2014/main" id="{CBB022A1-E6CE-B0AB-7034-FA86BDA82DF4}"/>
               </a:ext>
             </a:extLst>
           </p:cNvPr>
@@ -15252,59 +15465,8 @@
         </p:nvSpPr>
         <p:spPr>
           <a:xfrm>
-            <a:off x="685800" y="455930"/>
-            <a:ext cx="10363200" cy="584775"/>
-          </a:xfrm>
-          <a:prstGeom prst="rect">
-            <a:avLst/>
-          </a:prstGeom>
-          <a:noFill/>
-        </p:spPr>
-        <p:txBody>
-          <a:bodyPr wrap="square" rtlCol="0" anchor="t">
-            <a:spAutoFit/>
-          </a:bodyPr>
-          <a:lstStyle/>
-          <a:p>
-            <a:r>
-              <a:rPr lang="en-US" altLang="zh-CN" sz="3200" dirty="0">
-                <a:effectLst/>
-                <a:latin typeface="Times New Roman" panose="02020603050405020304" charset="0"/>
-                <a:ea typeface="等线" panose="02010600030101010101" charset="-122"/>
-                <a:cs typeface="Times New Roman" panose="02020603050405020304" charset="0"/>
-                <a:sym typeface="+mn-ea"/>
-              </a:rPr>
-              <a:t>ELM&amp;GSA</a:t>
-            </a:r>
-            <a:r>
-              <a:rPr lang="zh-CN" altLang="en-US" sz="3200" dirty="0">
-                <a:effectLst/>
-                <a:latin typeface="Times New Roman" panose="02020603050405020304" charset="0"/>
-                <a:ea typeface="等线" panose="02010600030101010101" charset="-122"/>
-                <a:cs typeface="Times New Roman" panose="02020603050405020304" charset="0"/>
-                <a:sym typeface="+mn-ea"/>
-              </a:rPr>
-              <a:t>：</a:t>
-            </a:r>
-          </a:p>
-        </p:txBody>
-      </p:sp>
-      <p:sp>
-        <p:nvSpPr>
-          <p:cNvPr id="12" name="文本框 11">
-            <a:extLst>
-              <a:ext uri="{FF2B5EF4-FFF2-40B4-BE49-F238E27FC236}">
-                <a16:creationId xmlns:a16="http://schemas.microsoft.com/office/drawing/2014/main" id="{96493207-A722-5227-07CB-A092CF85520B}"/>
-              </a:ext>
-            </a:extLst>
-          </p:cNvPr>
-          <p:cNvSpPr txBox="1"/>
-          <p:nvPr/>
-        </p:nvSpPr>
-        <p:spPr>
-          <a:xfrm>
-            <a:off x="2487304" y="6217404"/>
-            <a:ext cx="7217391" cy="369332"/>
+            <a:off x="157843" y="6315375"/>
+            <a:ext cx="11419114" cy="369332"/>
           </a:xfrm>
           <a:prstGeom prst="rect">
             <a:avLst/>
@@ -15328,24 +15490,16 @@
                 <a:latin typeface="Times New Roman" panose="02020603050405020304" charset="0"/>
                 <a:ea typeface="等线" panose="02010600030101010101" charset="-122"/>
                 <a:cs typeface="Times New Roman" panose="02020603050405020304" charset="0"/>
-                <a:sym typeface="+mn-ea"/>
               </a:rPr>
-              <a:t>Remaining useful life of Lithium-ion batteries based on EMD-GSA-ELM</a:t>
-            </a:r>
-            <a:endParaRPr lang="zh-CN" altLang="en-US" dirty="0">
-              <a:solidFill>
-                <a:schemeClr val="bg2">
-                  <a:lumMod val="75000"/>
-                </a:schemeClr>
-              </a:solidFill>
-            </a:endParaRPr>
+              <a:t>useful life Prediction for lithium-ion battery based on CEEMDAN and SVR</a:t>
+            </a:r>
           </a:p>
         </p:txBody>
       </p:sp>
     </p:spTree>
     <p:extLst>
       <p:ext uri="{BB962C8B-B14F-4D97-AF65-F5344CB8AC3E}">
-        <p14:creationId xmlns:p14="http://schemas.microsoft.com/office/powerpoint/2010/main" val="3331170430"/>
+        <p14:creationId xmlns:p14="http://schemas.microsoft.com/office/powerpoint/2010/main" val="569999234"/>
       </p:ext>
     </p:extLst>
   </p:cSld>
@@ -15624,594 +15778,6 @@
               <a:t>EMD</a:t>
             </a:r>
             <a:r>
-              <a:rPr lang="zh-CN" altLang="en-US" sz="3200" dirty="0">
-                <a:latin typeface="Times New Roman" panose="02020603050405020304" charset="0"/>
-                <a:ea typeface="等线" panose="02010600030101010101" charset="-122"/>
-                <a:cs typeface="Times New Roman" panose="02020603050405020304" charset="0"/>
-              </a:rPr>
-              <a:t>（模态分解）</a:t>
-            </a:r>
-            <a:r>
-              <a:rPr lang="zh-CN" altLang="en-US" sz="2400" dirty="0">
-                <a:latin typeface="宋体" panose="02010600030101010101" pitchFamily="2" charset="-122"/>
-                <a:ea typeface="宋体" panose="02010600030101010101" pitchFamily="2" charset="-122"/>
-                <a:cs typeface="Times New Roman" panose="02020603050405020304" charset="0"/>
-              </a:rPr>
-              <a:t>：</a:t>
-            </a:r>
-          </a:p>
-        </p:txBody>
-      </p:sp>
-      <p:sp>
-        <p:nvSpPr>
-          <p:cNvPr id="7" name="文本框 6">
-            <a:extLst>
-              <a:ext uri="{FF2B5EF4-FFF2-40B4-BE49-F238E27FC236}">
-                <a16:creationId xmlns:a16="http://schemas.microsoft.com/office/drawing/2014/main" id="{FA15779E-193E-4B8F-BD71-DA6FFA07E08B}"/>
-              </a:ext>
-            </a:extLst>
-          </p:cNvPr>
-          <p:cNvSpPr txBox="1"/>
-          <p:nvPr/>
-        </p:nvSpPr>
-        <p:spPr>
-          <a:xfrm>
-            <a:off x="1141422" y="1713755"/>
-            <a:ext cx="9831378" cy="4507388"/>
-          </a:xfrm>
-          <a:prstGeom prst="rect">
-            <a:avLst/>
-          </a:prstGeom>
-          <a:noFill/>
-        </p:spPr>
-        <p:txBody>
-          <a:bodyPr wrap="square" rtlCol="0">
-            <a:spAutoFit/>
-          </a:bodyPr>
-          <a:lstStyle/>
-          <a:p>
-            <a:pPr>
-              <a:lnSpc>
-                <a:spcPct val="150000"/>
-              </a:lnSpc>
-            </a:pPr>
-            <a:r>
-              <a:rPr lang="zh-CN" altLang="en-US" sz="2000" b="1" dirty="0">
-                <a:solidFill>
-                  <a:srgbClr val="121212"/>
-                </a:solidFill>
-                <a:latin typeface="-apple-system"/>
-              </a:rPr>
-              <a:t>时频域信号处理方法</a:t>
-            </a:r>
-            <a:r>
-              <a:rPr lang="zh-CN" altLang="en-US" sz="2000" dirty="0">
-                <a:latin typeface="宋体" panose="02010600030101010101" pitchFamily="2" charset="-122"/>
-                <a:ea typeface="宋体" panose="02010600030101010101" pitchFamily="2" charset="-122"/>
-                <a:cs typeface="Times New Roman" panose="02020603050405020304" charset="0"/>
-              </a:rPr>
-              <a:t>：</a:t>
-            </a:r>
-            <a:endParaRPr lang="en-US" altLang="zh-CN" sz="2000" dirty="0">
-              <a:latin typeface="宋体" panose="02010600030101010101" pitchFamily="2" charset="-122"/>
-              <a:ea typeface="宋体" panose="02010600030101010101" pitchFamily="2" charset="-122"/>
-              <a:cs typeface="Times New Roman" panose="02020603050405020304" charset="0"/>
-            </a:endParaRPr>
-          </a:p>
-          <a:p>
-            <a:pPr>
-              <a:lnSpc>
-                <a:spcPct val="150000"/>
-              </a:lnSpc>
-            </a:pPr>
-            <a:r>
-              <a:rPr lang="en-US" altLang="zh-CN" sz="2000" dirty="0">
-                <a:latin typeface="宋体" panose="02010600030101010101" pitchFamily="2" charset="-122"/>
-                <a:ea typeface="宋体" panose="02010600030101010101" pitchFamily="2" charset="-122"/>
-                <a:cs typeface="Times New Roman" panose="02020603050405020304" charset="0"/>
-              </a:rPr>
-              <a:t>    </a:t>
-            </a:r>
-            <a:r>
-              <a:rPr lang="zh-CN" altLang="en-US" sz="2000" b="1" dirty="0">
-                <a:solidFill>
-                  <a:srgbClr val="121212"/>
-                </a:solidFill>
-                <a:latin typeface="-apple-system"/>
-              </a:rPr>
-              <a:t>小波分析</a:t>
-            </a:r>
-            <a:r>
-              <a:rPr lang="zh-CN" altLang="en-US" sz="2000" dirty="0">
-                <a:solidFill>
-                  <a:srgbClr val="121212"/>
-                </a:solidFill>
-                <a:latin typeface="-apple-system"/>
-              </a:rPr>
-              <a:t>：全局最优的小波基在局部未必是最优，其基函数缺乏适应性</a:t>
-            </a:r>
-            <a:endParaRPr lang="en-US" altLang="zh-CN" sz="2000" dirty="0">
-              <a:solidFill>
-                <a:srgbClr val="121212"/>
-              </a:solidFill>
-              <a:latin typeface="-apple-system"/>
-            </a:endParaRPr>
-          </a:p>
-          <a:p>
-            <a:pPr>
-              <a:lnSpc>
-                <a:spcPct val="150000"/>
-              </a:lnSpc>
-            </a:pPr>
-            <a:r>
-              <a:rPr lang="en-US" altLang="zh-CN" sz="2000" dirty="0">
-                <a:solidFill>
-                  <a:srgbClr val="121212"/>
-                </a:solidFill>
-                <a:latin typeface="-apple-system"/>
-              </a:rPr>
-              <a:t>         </a:t>
-            </a:r>
-            <a:r>
-              <a:rPr lang="en-US" altLang="zh-CN" sz="2000" b="1" dirty="0">
-                <a:solidFill>
-                  <a:srgbClr val="121212"/>
-                </a:solidFill>
-                <a:latin typeface="-apple-system"/>
-              </a:rPr>
-              <a:t>EMD</a:t>
-            </a:r>
-            <a:r>
-              <a:rPr lang="zh-CN" altLang="en-US" sz="2000" dirty="0">
-                <a:solidFill>
-                  <a:srgbClr val="121212"/>
-                </a:solidFill>
-                <a:latin typeface="-apple-system"/>
-              </a:rPr>
-              <a:t>：不用预先分析与研究，就可以直接开始分解，克服了基函数无自适应性的问题</a:t>
-            </a:r>
-            <a:endParaRPr lang="en-US" altLang="zh-CN" sz="2000" dirty="0">
-              <a:solidFill>
-                <a:srgbClr val="121212"/>
-              </a:solidFill>
-              <a:latin typeface="-apple-system"/>
-            </a:endParaRPr>
-          </a:p>
-          <a:p>
-            <a:pPr>
-              <a:lnSpc>
-                <a:spcPct val="150000"/>
-              </a:lnSpc>
-            </a:pPr>
-            <a:endParaRPr lang="en-US" altLang="zh-CN" sz="2000" dirty="0">
-              <a:solidFill>
-                <a:srgbClr val="121212"/>
-              </a:solidFill>
-              <a:latin typeface="-apple-system"/>
-            </a:endParaRPr>
-          </a:p>
-          <a:p>
-            <a:pPr algn="l"/>
-            <a:r>
-              <a:rPr lang="zh-CN" altLang="en-US" sz="2000" b="1" i="0" dirty="0">
-                <a:solidFill>
-                  <a:srgbClr val="121212"/>
-                </a:solidFill>
-                <a:effectLst/>
-                <a:latin typeface="-apple-system"/>
-              </a:rPr>
-              <a:t>两个</a:t>
-            </a:r>
-            <a:r>
-              <a:rPr lang="zh-CN" altLang="en-US" sz="2000" b="1" dirty="0">
-                <a:solidFill>
-                  <a:srgbClr val="121212"/>
-                </a:solidFill>
-                <a:latin typeface="-apple-system"/>
-              </a:rPr>
-              <a:t>约束条件：</a:t>
-            </a:r>
-          </a:p>
-          <a:p>
-            <a:pPr>
-              <a:lnSpc>
-                <a:spcPct val="150000"/>
-              </a:lnSpc>
-            </a:pPr>
-            <a:r>
-              <a:rPr lang="en-US" altLang="zh-CN" sz="2000" dirty="0">
-                <a:solidFill>
-                  <a:srgbClr val="121212"/>
-                </a:solidFill>
-                <a:latin typeface="-apple-system"/>
-              </a:rPr>
-              <a:t>1</a:t>
-            </a:r>
-            <a:r>
-              <a:rPr lang="zh-CN" altLang="en-US" sz="2000" dirty="0">
-                <a:solidFill>
-                  <a:srgbClr val="121212"/>
-                </a:solidFill>
-                <a:latin typeface="-apple-system"/>
-              </a:rPr>
-              <a:t>）在整个数据段内，极值点的个数和过零点的个数必须相等或相差最多不能超过一个</a:t>
-            </a:r>
-          </a:p>
-          <a:p>
-            <a:pPr>
-              <a:lnSpc>
-                <a:spcPct val="150000"/>
-              </a:lnSpc>
-            </a:pPr>
-            <a:r>
-              <a:rPr lang="en-US" altLang="zh-CN" sz="2000" dirty="0">
-                <a:solidFill>
-                  <a:srgbClr val="121212"/>
-                </a:solidFill>
-                <a:latin typeface="-apple-system"/>
-              </a:rPr>
-              <a:t>2</a:t>
-            </a:r>
-            <a:r>
-              <a:rPr lang="zh-CN" altLang="en-US" sz="2000" dirty="0">
-                <a:solidFill>
-                  <a:srgbClr val="121212"/>
-                </a:solidFill>
-                <a:latin typeface="-apple-system"/>
-              </a:rPr>
-              <a:t>）在任意时刻，由局部极大值点形成的上包络线和由局部极小值点形成的下包络线的平均值为零，即上、下包络线相对于时间轴局部对称</a:t>
-            </a:r>
-          </a:p>
-          <a:p>
-            <a:pPr>
-              <a:lnSpc>
-                <a:spcPct val="150000"/>
-              </a:lnSpc>
-            </a:pPr>
-            <a:endParaRPr lang="en-US" altLang="zh-CN" sz="2000" dirty="0">
-              <a:solidFill>
-                <a:srgbClr val="121212"/>
-              </a:solidFill>
-              <a:latin typeface="-apple-system"/>
-            </a:endParaRPr>
-          </a:p>
-        </p:txBody>
-      </p:sp>
-      <p:sp>
-        <p:nvSpPr>
-          <p:cNvPr id="8" name="文本框 7">
-            <a:extLst>
-              <a:ext uri="{FF2B5EF4-FFF2-40B4-BE49-F238E27FC236}">
-                <a16:creationId xmlns:a16="http://schemas.microsoft.com/office/drawing/2014/main" id="{BC67651A-CE9C-C9E9-B1A3-6823E8ADBC57}"/>
-              </a:ext>
-            </a:extLst>
-          </p:cNvPr>
-          <p:cNvSpPr txBox="1"/>
-          <p:nvPr/>
-        </p:nvSpPr>
-        <p:spPr>
-          <a:xfrm>
-            <a:off x="2487304" y="6217404"/>
-            <a:ext cx="7217391" cy="369332"/>
-          </a:xfrm>
-          <a:prstGeom prst="rect">
-            <a:avLst/>
-          </a:prstGeom>
-          <a:noFill/>
-        </p:spPr>
-        <p:txBody>
-          <a:bodyPr wrap="square">
-            <a:spAutoFit/>
-          </a:bodyPr>
-          <a:lstStyle/>
-          <a:p>
-            <a:pPr algn="ctr"/>
-            <a:r>
-              <a:rPr lang="en-US" altLang="zh-CN" dirty="0">
-                <a:solidFill>
-                  <a:schemeClr val="bg2">
-                    <a:lumMod val="75000"/>
-                  </a:schemeClr>
-                </a:solidFill>
-                <a:latin typeface="Times New Roman" panose="02020603050405020304" charset="0"/>
-                <a:ea typeface="等线" panose="02010600030101010101" charset="-122"/>
-                <a:cs typeface="Times New Roman" panose="02020603050405020304" charset="0"/>
-                <a:sym typeface="+mn-ea"/>
-              </a:rPr>
-              <a:t>Remaining useful life of Lithium-ion batteries based on EMD-GSA-ELM</a:t>
-            </a:r>
-            <a:endParaRPr lang="zh-CN" altLang="en-US" dirty="0">
-              <a:solidFill>
-                <a:schemeClr val="bg2">
-                  <a:lumMod val="75000"/>
-                </a:schemeClr>
-              </a:solidFill>
-            </a:endParaRPr>
-          </a:p>
-        </p:txBody>
-      </p:sp>
-    </p:spTree>
-    <p:extLst>
-      <p:ext uri="{BB962C8B-B14F-4D97-AF65-F5344CB8AC3E}">
-        <p14:creationId xmlns:p14="http://schemas.microsoft.com/office/powerpoint/2010/main" val="569999234"/>
-      </p:ext>
-    </p:extLst>
-  </p:cSld>
-  <p:clrMapOvr>
-    <a:masterClrMapping/>
-  </p:clrMapOvr>
-  <mc:AlternateContent xmlns:mc="http://schemas.openxmlformats.org/markup-compatibility/2006" xmlns:p14="http://schemas.microsoft.com/office/powerpoint/2010/main">
-    <mc:Choice Requires="p14">
-      <p:transition p14:dur="0"/>
-    </mc:Choice>
-    <mc:Fallback xmlns="">
-      <p:transition/>
-    </mc:Fallback>
-  </mc:AlternateContent>
-</p:sld>
-</file>
-
-<file path=ppt/slides/slide7.xml><?xml version="1.0" encoding="utf-8"?>
-<p:sld xmlns:a="http://schemas.openxmlformats.org/drawingml/2006/main" xmlns:r="http://schemas.openxmlformats.org/officeDocument/2006/relationships" xmlns:p="http://schemas.openxmlformats.org/presentationml/2006/main">
-  <p:cSld>
-    <p:spTree>
-      <p:nvGrpSpPr>
-        <p:cNvPr id="1" name=""/>
-        <p:cNvGrpSpPr/>
-        <p:nvPr/>
-      </p:nvGrpSpPr>
-      <p:grpSpPr>
-        <a:xfrm>
-          <a:off x="0" y="0"/>
-          <a:ext cx="0" cy="0"/>
-          <a:chOff x="0" y="0"/>
-          <a:chExt cx="0" cy="0"/>
-        </a:xfrm>
-      </p:grpSpPr>
-      <p:sp>
-        <p:nvSpPr>
-          <p:cNvPr id="4" name="Rectangle 7">
-            <a:extLst>
-              <a:ext uri="{FF2B5EF4-FFF2-40B4-BE49-F238E27FC236}">
-                <a16:creationId xmlns:a16="http://schemas.microsoft.com/office/drawing/2014/main" id="{4560BE71-E6FF-4DE9-8822-ACE70BDC8A9C}"/>
-              </a:ext>
-            </a:extLst>
-          </p:cNvPr>
-          <p:cNvSpPr>
-            <a:spLocks noChangeArrowheads="1"/>
-          </p:cNvSpPr>
-          <p:nvPr/>
-        </p:nvSpPr>
-        <p:spPr bwMode="auto">
-          <a:xfrm>
-            <a:off x="0" y="0"/>
-            <a:ext cx="12192000" cy="457200"/>
-          </a:xfrm>
-          <a:prstGeom prst="rect">
-            <a:avLst/>
-          </a:prstGeom>
-          <a:noFill/>
-          <a:ln>
-            <a:noFill/>
-          </a:ln>
-          <a:effectLst/>
-          <a:extLst>
-            <a:ext uri="{909E8E84-426E-40DD-AFC4-6F175D3DCCD1}">
-              <a14:hiddenFill xmlns:a14="http://schemas.microsoft.com/office/drawing/2010/main">
-                <a:solidFill>
-                  <a:schemeClr val="accent1"/>
-                </a:solidFill>
-              </a14:hiddenFill>
-            </a:ext>
-            <a:ext uri="{91240B29-F687-4F45-9708-019B960494DF}">
-              <a14:hiddenLine xmlns:a14="http://schemas.microsoft.com/office/drawing/2010/main" w="9525">
-                <a:solidFill>
-                  <a:schemeClr val="tx1"/>
-                </a:solidFill>
-                <a:miter lim="800000"/>
-                <a:headEnd/>
-                <a:tailEnd/>
-              </a14:hiddenLine>
-            </a:ext>
-            <a:ext uri="{AF507438-7753-43E0-B8FC-AC1667EBCBE1}">
-              <a14:hiddenEffects xmlns:a14="http://schemas.microsoft.com/office/drawing/2010/main">
-                <a:effectLst>
-                  <a:outerShdw dist="35921" dir="2700000" algn="ctr" rotWithShape="0">
-                    <a:schemeClr val="bg2"/>
-                  </a:outerShdw>
-                </a:effectLst>
-              </a14:hiddenEffects>
-            </a:ext>
-          </a:extLst>
-        </p:spPr>
-        <p:txBody>
-          <a:bodyPr vert="horz" wrap="none" lIns="91440" tIns="45720" rIns="91440" bIns="45720" numCol="1" anchor="ctr" anchorCtr="0" compatLnSpc="1">
-            <a:prstTxWarp prst="textNoShape">
-              <a:avLst/>
-            </a:prstTxWarp>
-            <a:spAutoFit/>
-          </a:bodyPr>
-          <a:lstStyle/>
-          <a:p>
-            <a:endParaRPr lang="zh-CN" altLang="en-US"/>
-          </a:p>
-        </p:txBody>
-      </p:sp>
-      <p:sp>
-        <p:nvSpPr>
-          <p:cNvPr id="5" name="Rectangle 8">
-            <a:extLst>
-              <a:ext uri="{FF2B5EF4-FFF2-40B4-BE49-F238E27FC236}">
-                <a16:creationId xmlns:a16="http://schemas.microsoft.com/office/drawing/2014/main" id="{969ECA10-38C3-47C5-8F89-56A168D96F6F}"/>
-              </a:ext>
-            </a:extLst>
-          </p:cNvPr>
-          <p:cNvSpPr>
-            <a:spLocks noChangeArrowheads="1"/>
-          </p:cNvSpPr>
-          <p:nvPr/>
-        </p:nvSpPr>
-        <p:spPr bwMode="auto">
-          <a:xfrm>
-            <a:off x="0" y="11836400"/>
-            <a:ext cx="12192000" cy="0"/>
-          </a:xfrm>
-          <a:prstGeom prst="rect">
-            <a:avLst/>
-          </a:prstGeom>
-          <a:noFill/>
-          <a:ln>
-            <a:noFill/>
-          </a:ln>
-          <a:effectLst/>
-          <a:extLst>
-            <a:ext uri="{909E8E84-426E-40DD-AFC4-6F175D3DCCD1}">
-              <a14:hiddenFill xmlns:a14="http://schemas.microsoft.com/office/drawing/2010/main">
-                <a:solidFill>
-                  <a:schemeClr val="accent1"/>
-                </a:solidFill>
-              </a14:hiddenFill>
-            </a:ext>
-            <a:ext uri="{91240B29-F687-4F45-9708-019B960494DF}">
-              <a14:hiddenLine xmlns:a14="http://schemas.microsoft.com/office/drawing/2010/main" w="9525">
-                <a:solidFill>
-                  <a:schemeClr val="tx1"/>
-                </a:solidFill>
-                <a:miter lim="800000"/>
-                <a:headEnd/>
-                <a:tailEnd/>
-              </a14:hiddenLine>
-            </a:ext>
-            <a:ext uri="{AF507438-7753-43E0-B8FC-AC1667EBCBE1}">
-              <a14:hiddenEffects xmlns:a14="http://schemas.microsoft.com/office/drawing/2010/main">
-                <a:effectLst>
-                  <a:outerShdw dist="35921" dir="2700000" algn="ctr" rotWithShape="0">
-                    <a:schemeClr val="bg2"/>
-                  </a:outerShdw>
-                </a:effectLst>
-              </a14:hiddenEffects>
-            </a:ext>
-          </a:extLst>
-        </p:spPr>
-        <p:txBody>
-          <a:bodyPr vert="horz" wrap="none" lIns="91440" tIns="45720" rIns="91440" bIns="45720" numCol="1" anchor="ctr" anchorCtr="0" compatLnSpc="1">
-            <a:prstTxWarp prst="textNoShape">
-              <a:avLst/>
-            </a:prstTxWarp>
-            <a:spAutoFit/>
-          </a:bodyPr>
-          <a:lstStyle/>
-          <a:p>
-            <a:endParaRPr lang="zh-CN" altLang="en-US"/>
-          </a:p>
-        </p:txBody>
-      </p:sp>
-      <p:sp>
-        <p:nvSpPr>
-          <p:cNvPr id="6" name="Rectangle 4">
-            <a:extLst>
-              <a:ext uri="{FF2B5EF4-FFF2-40B4-BE49-F238E27FC236}">
-                <a16:creationId xmlns:a16="http://schemas.microsoft.com/office/drawing/2014/main" id="{BDE2F2FC-FE40-404D-B781-17F8C63F1582}"/>
-              </a:ext>
-            </a:extLst>
-          </p:cNvPr>
-          <p:cNvSpPr>
-            <a:spLocks noChangeArrowheads="1"/>
-          </p:cNvSpPr>
-          <p:nvPr/>
-        </p:nvSpPr>
-        <p:spPr bwMode="auto">
-          <a:xfrm>
-            <a:off x="0" y="3752850"/>
-            <a:ext cx="12192000" cy="0"/>
-          </a:xfrm>
-          <a:prstGeom prst="rect">
-            <a:avLst/>
-          </a:prstGeom>
-          <a:noFill/>
-          <a:ln>
-            <a:noFill/>
-          </a:ln>
-          <a:effectLst/>
-          <a:extLst>
-            <a:ext uri="{909E8E84-426E-40DD-AFC4-6F175D3DCCD1}">
-              <a14:hiddenFill xmlns:a14="http://schemas.microsoft.com/office/drawing/2010/main">
-                <a:solidFill>
-                  <a:schemeClr val="accent1"/>
-                </a:solidFill>
-              </a14:hiddenFill>
-            </a:ext>
-            <a:ext uri="{91240B29-F687-4F45-9708-019B960494DF}">
-              <a14:hiddenLine xmlns:a14="http://schemas.microsoft.com/office/drawing/2010/main" w="9525">
-                <a:solidFill>
-                  <a:schemeClr val="tx1"/>
-                </a:solidFill>
-                <a:miter lim="800000"/>
-                <a:headEnd/>
-                <a:tailEnd/>
-              </a14:hiddenLine>
-            </a:ext>
-            <a:ext uri="{AF507438-7753-43E0-B8FC-AC1667EBCBE1}">
-              <a14:hiddenEffects xmlns:a14="http://schemas.microsoft.com/office/drawing/2010/main">
-                <a:effectLst>
-                  <a:outerShdw dist="35921" dir="2700000" algn="ctr" rotWithShape="0">
-                    <a:schemeClr val="bg2"/>
-                  </a:outerShdw>
-                </a:effectLst>
-              </a14:hiddenEffects>
-            </a:ext>
-          </a:extLst>
-        </p:spPr>
-        <p:txBody>
-          <a:bodyPr vert="horz" wrap="none" lIns="91440" tIns="45720" rIns="91440" bIns="45720" numCol="1" anchor="ctr" anchorCtr="0" compatLnSpc="1">
-            <a:prstTxWarp prst="textNoShape">
-              <a:avLst/>
-            </a:prstTxWarp>
-            <a:spAutoFit/>
-          </a:bodyPr>
-          <a:lstStyle/>
-          <a:p>
-            <a:endParaRPr lang="zh-CN" altLang="en-US"/>
-          </a:p>
-        </p:txBody>
-      </p:sp>
-      <p:sp>
-        <p:nvSpPr>
-          <p:cNvPr id="2" name="文本框 1">
-            <a:extLst>
-              <a:ext uri="{FF2B5EF4-FFF2-40B4-BE49-F238E27FC236}">
-                <a16:creationId xmlns:a16="http://schemas.microsoft.com/office/drawing/2014/main" id="{195B2061-7945-4B38-A2DD-A51E497F926A}"/>
-              </a:ext>
-            </a:extLst>
-          </p:cNvPr>
-          <p:cNvSpPr txBox="1"/>
-          <p:nvPr/>
-        </p:nvSpPr>
-        <p:spPr>
-          <a:xfrm>
-            <a:off x="736600" y="541867"/>
-            <a:ext cx="9533467" cy="584775"/>
-          </a:xfrm>
-          <a:prstGeom prst="rect">
-            <a:avLst/>
-          </a:prstGeom>
-          <a:noFill/>
-        </p:spPr>
-        <p:txBody>
-          <a:bodyPr wrap="square" rtlCol="0">
-            <a:spAutoFit/>
-          </a:bodyPr>
-          <a:lstStyle/>
-          <a:p>
-            <a:r>
-              <a:rPr lang="en-US" altLang="zh-CN" sz="3200" dirty="0">
-                <a:latin typeface="Times New Roman" panose="02020603050405020304" charset="0"/>
-                <a:ea typeface="等线" panose="02010600030101010101" charset="-122"/>
-                <a:cs typeface="Times New Roman" panose="02020603050405020304" charset="0"/>
-              </a:rPr>
-              <a:t>EMD</a:t>
-            </a:r>
-            <a:r>
               <a:rPr lang="zh-CN" altLang="en-US" sz="2400" dirty="0">
                 <a:latin typeface="宋体" panose="02010600030101010101" pitchFamily="2" charset="-122"/>
                 <a:ea typeface="宋体" panose="02010600030101010101" pitchFamily="2" charset="-122"/>
@@ -16269,8 +15835,8 @@
           </a:p>
         </p:txBody>
       </p:sp>
-      <mc:AlternateContent xmlns:mc="http://schemas.openxmlformats.org/markup-compatibility/2006">
-        <mc:Choice xmlns:a14="http://schemas.microsoft.com/office/drawing/2010/main" Requires="a14">
+      <mc:AlternateContent xmlns:mc="http://schemas.openxmlformats.org/markup-compatibility/2006" xmlns:a14="http://schemas.microsoft.com/office/drawing/2010/main">
+        <mc:Choice Requires="a14">
           <p:sp>
             <p:nvSpPr>
               <p:cNvPr id="10" name="文本框 9">
@@ -16715,7 +16281,7 @@
             </p:txBody>
           </p:sp>
         </mc:Choice>
-        <mc:Fallback>
+        <mc:Fallback xmlns="">
           <p:sp>
             <p:nvSpPr>
               <p:cNvPr id="10" name="文本框 9">
@@ -16762,10 +16328,10 @@
       </mc:AlternateContent>
       <p:sp>
         <p:nvSpPr>
-          <p:cNvPr id="7" name="文本框 6">
+          <p:cNvPr id="8" name="文本框 7">
             <a:extLst>
               <a:ext uri="{FF2B5EF4-FFF2-40B4-BE49-F238E27FC236}">
-                <a16:creationId xmlns:a16="http://schemas.microsoft.com/office/drawing/2014/main" id="{39707173-C484-DD1E-84E3-51B00AFF2DF8}"/>
+                <a16:creationId xmlns:a16="http://schemas.microsoft.com/office/drawing/2014/main" id="{5B31AE64-818D-5760-95B5-7C865095DDE1}"/>
               </a:ext>
             </a:extLst>
           </p:cNvPr>
@@ -16774,8 +16340,8 @@
         </p:nvSpPr>
         <p:spPr>
           <a:xfrm>
-            <a:off x="2487304" y="6217404"/>
-            <a:ext cx="7217391" cy="369332"/>
+            <a:off x="157843" y="6315375"/>
+            <a:ext cx="11419114" cy="369332"/>
           </a:xfrm>
           <a:prstGeom prst="rect">
             <a:avLst/>
@@ -16799,17 +16365,9 @@
                 <a:latin typeface="Times New Roman" panose="02020603050405020304" charset="0"/>
                 <a:ea typeface="等线" panose="02010600030101010101" charset="-122"/>
                 <a:cs typeface="Times New Roman" panose="02020603050405020304" charset="0"/>
-                <a:sym typeface="+mn-ea"/>
               </a:rPr>
-              <a:t>Remaining useful life of Lithium-ion batteries based on EMD-GSA-ELM</a:t>
-            </a:r>
-            <a:endParaRPr lang="zh-CN" altLang="en-US" dirty="0">
-              <a:solidFill>
-                <a:schemeClr val="bg2">
-                  <a:lumMod val="75000"/>
-                </a:schemeClr>
-              </a:solidFill>
-            </a:endParaRPr>
+              <a:t>useful life Prediction for lithium-ion battery based on CEEMDAN and SVR</a:t>
+            </a:r>
           </a:p>
         </p:txBody>
       </p:sp>
@@ -16817,6 +16375,581 @@
     <p:extLst>
       <p:ext uri="{BB962C8B-B14F-4D97-AF65-F5344CB8AC3E}">
         <p14:creationId xmlns:p14="http://schemas.microsoft.com/office/powerpoint/2010/main" val="293571441"/>
+      </p:ext>
+    </p:extLst>
+  </p:cSld>
+  <p:clrMapOvr>
+    <a:masterClrMapping/>
+  </p:clrMapOvr>
+  <mc:AlternateContent xmlns:mc="http://schemas.openxmlformats.org/markup-compatibility/2006" xmlns:p14="http://schemas.microsoft.com/office/powerpoint/2010/main">
+    <mc:Choice Requires="p14">
+      <p:transition p14:dur="0"/>
+    </mc:Choice>
+    <mc:Fallback xmlns="">
+      <p:transition/>
+    </mc:Fallback>
+  </mc:AlternateContent>
+</p:sld>
+</file>
+
+<file path=ppt/slides/slide7.xml><?xml version="1.0" encoding="utf-8"?>
+<p:sld xmlns:a="http://schemas.openxmlformats.org/drawingml/2006/main" xmlns:r="http://schemas.openxmlformats.org/officeDocument/2006/relationships" xmlns:p="http://schemas.openxmlformats.org/presentationml/2006/main">
+  <p:cSld>
+    <p:spTree>
+      <p:nvGrpSpPr>
+        <p:cNvPr id="1" name=""/>
+        <p:cNvGrpSpPr/>
+        <p:nvPr/>
+      </p:nvGrpSpPr>
+      <p:grpSpPr>
+        <a:xfrm>
+          <a:off x="0" y="0"/>
+          <a:ext cx="0" cy="0"/>
+          <a:chOff x="0" y="0"/>
+          <a:chExt cx="0" cy="0"/>
+        </a:xfrm>
+      </p:grpSpPr>
+      <p:sp>
+        <p:nvSpPr>
+          <p:cNvPr id="2" name="文本框 1">
+            <a:extLst>
+              <a:ext uri="{FF2B5EF4-FFF2-40B4-BE49-F238E27FC236}">
+                <a16:creationId xmlns:a16="http://schemas.microsoft.com/office/drawing/2014/main" id="{B7529CC4-809B-2A99-D6B8-378B7E38CF01}"/>
+              </a:ext>
+            </a:extLst>
+          </p:cNvPr>
+          <p:cNvSpPr txBox="1"/>
+          <p:nvPr/>
+        </p:nvSpPr>
+        <p:spPr>
+          <a:xfrm>
+            <a:off x="736600" y="541867"/>
+            <a:ext cx="9533467" cy="584775"/>
+          </a:xfrm>
+          <a:prstGeom prst="rect">
+            <a:avLst/>
+          </a:prstGeom>
+          <a:noFill/>
+        </p:spPr>
+        <p:txBody>
+          <a:bodyPr wrap="square" rtlCol="0">
+            <a:spAutoFit/>
+          </a:bodyPr>
+          <a:lstStyle/>
+          <a:p>
+            <a:r>
+              <a:rPr lang="zh-CN" altLang="en-US" sz="3200" dirty="0">
+                <a:latin typeface="Times New Roman" panose="02020603050405020304" charset="0"/>
+                <a:ea typeface="等线" panose="02010600030101010101" charset="-122"/>
+                <a:cs typeface="Times New Roman" panose="02020603050405020304" charset="0"/>
+              </a:rPr>
+              <a:t>流程图</a:t>
+            </a:r>
+            <a:r>
+              <a:rPr lang="zh-CN" altLang="en-US" sz="2400" dirty="0">
+                <a:latin typeface="宋体" panose="02010600030101010101" pitchFamily="2" charset="-122"/>
+                <a:ea typeface="宋体" panose="02010600030101010101" pitchFamily="2" charset="-122"/>
+                <a:cs typeface="Times New Roman" panose="02020603050405020304" charset="0"/>
+              </a:rPr>
+              <a:t>：</a:t>
+            </a:r>
+          </a:p>
+        </p:txBody>
+      </p:sp>
+      <p:sp>
+        <p:nvSpPr>
+          <p:cNvPr id="7" name="文本框 6">
+            <a:extLst>
+              <a:ext uri="{FF2B5EF4-FFF2-40B4-BE49-F238E27FC236}">
+                <a16:creationId xmlns:a16="http://schemas.microsoft.com/office/drawing/2014/main" id="{5E01D6DA-C4E3-3205-19D7-4CC2084FC856}"/>
+              </a:ext>
+            </a:extLst>
+          </p:cNvPr>
+          <p:cNvSpPr txBox="1"/>
+          <p:nvPr/>
+        </p:nvSpPr>
+        <p:spPr>
+          <a:xfrm>
+            <a:off x="157843" y="6315375"/>
+            <a:ext cx="11419114" cy="369332"/>
+          </a:xfrm>
+          <a:prstGeom prst="rect">
+            <a:avLst/>
+          </a:prstGeom>
+          <a:noFill/>
+        </p:spPr>
+        <p:txBody>
+          <a:bodyPr wrap="square">
+            <a:spAutoFit/>
+          </a:bodyPr>
+          <a:lstStyle/>
+          <a:p>
+            <a:pPr algn="ctr"/>
+            <a:r>
+              <a:rPr lang="en-US" altLang="zh-CN" dirty="0">
+                <a:solidFill>
+                  <a:schemeClr val="bg2">
+                    <a:lumMod val="75000"/>
+                  </a:schemeClr>
+                </a:solidFill>
+                <a:latin typeface="Times New Roman" panose="02020603050405020304" charset="0"/>
+                <a:ea typeface="等线" panose="02010600030101010101" charset="-122"/>
+                <a:cs typeface="Times New Roman" panose="02020603050405020304" charset="0"/>
+              </a:rPr>
+              <a:t>useful life Prediction for lithium-ion battery based on CEEMDAN and SVR</a:t>
+            </a:r>
+          </a:p>
+        </p:txBody>
+      </p:sp>
+      <p:sp>
+        <p:nvSpPr>
+          <p:cNvPr id="8" name="矩形: 圆角 7">
+            <a:extLst>
+              <a:ext uri="{FF2B5EF4-FFF2-40B4-BE49-F238E27FC236}">
+                <a16:creationId xmlns:a16="http://schemas.microsoft.com/office/drawing/2014/main" id="{E9232295-599A-5F84-C46B-B6E675DADC17}"/>
+              </a:ext>
+            </a:extLst>
+          </p:cNvPr>
+          <p:cNvSpPr/>
+          <p:nvPr/>
+        </p:nvSpPr>
+        <p:spPr>
+          <a:xfrm>
+            <a:off x="753837" y="2026376"/>
+            <a:ext cx="1371600" cy="583565"/>
+          </a:xfrm>
+          <a:prstGeom prst="roundRect">
+            <a:avLst/>
+          </a:prstGeom>
+          <a:solidFill>
+            <a:schemeClr val="accent1">
+              <a:lumMod val="60000"/>
+              <a:lumOff val="40000"/>
+            </a:schemeClr>
+          </a:solidFill>
+        </p:spPr>
+        <p:style>
+          <a:lnRef idx="2">
+            <a:schemeClr val="accent1">
+              <a:shade val="15000"/>
+            </a:schemeClr>
+          </a:lnRef>
+          <a:fillRef idx="1">
+            <a:schemeClr val="accent1"/>
+          </a:fillRef>
+          <a:effectRef idx="0">
+            <a:schemeClr val="accent1"/>
+          </a:effectRef>
+          <a:fontRef idx="minor">
+            <a:schemeClr val="lt1"/>
+          </a:fontRef>
+        </p:style>
+        <p:txBody>
+          <a:bodyPr rtlCol="0" anchor="ctr"/>
+          <a:lstStyle/>
+          <a:p>
+            <a:pPr algn="ctr"/>
+            <a:r>
+              <a:rPr lang="zh-CN" altLang="en-US" dirty="0"/>
+              <a:t>健康因子</a:t>
+            </a:r>
+          </a:p>
+        </p:txBody>
+      </p:sp>
+      <p:sp>
+        <p:nvSpPr>
+          <p:cNvPr id="10" name="矩形: 圆角 9">
+            <a:extLst>
+              <a:ext uri="{FF2B5EF4-FFF2-40B4-BE49-F238E27FC236}">
+                <a16:creationId xmlns:a16="http://schemas.microsoft.com/office/drawing/2014/main" id="{80990A1B-153B-89FD-E953-74A3F4974A68}"/>
+              </a:ext>
+            </a:extLst>
+          </p:cNvPr>
+          <p:cNvSpPr/>
+          <p:nvPr/>
+        </p:nvSpPr>
+        <p:spPr>
+          <a:xfrm>
+            <a:off x="3094265" y="2026375"/>
+            <a:ext cx="2373085" cy="583565"/>
+          </a:xfrm>
+          <a:prstGeom prst="roundRect">
+            <a:avLst/>
+          </a:prstGeom>
+          <a:solidFill>
+            <a:schemeClr val="accent1">
+              <a:lumMod val="60000"/>
+              <a:lumOff val="40000"/>
+            </a:schemeClr>
+          </a:solidFill>
+        </p:spPr>
+        <p:style>
+          <a:lnRef idx="2">
+            <a:schemeClr val="accent1">
+              <a:shade val="15000"/>
+            </a:schemeClr>
+          </a:lnRef>
+          <a:fillRef idx="1">
+            <a:schemeClr val="accent1"/>
+          </a:fillRef>
+          <a:effectRef idx="0">
+            <a:schemeClr val="accent1"/>
+          </a:effectRef>
+          <a:fontRef idx="minor">
+            <a:schemeClr val="lt1"/>
+          </a:fontRef>
+        </p:style>
+        <p:txBody>
+          <a:bodyPr rtlCol="0" anchor="ctr"/>
+          <a:lstStyle/>
+          <a:p>
+            <a:pPr algn="ctr"/>
+            <a:r>
+              <a:rPr lang="en-US" altLang="zh-CN" dirty="0"/>
+              <a:t>Pearson</a:t>
+            </a:r>
+            <a:r>
+              <a:rPr lang="zh-CN" altLang="en-US" dirty="0"/>
+              <a:t>和</a:t>
+            </a:r>
+            <a:r>
+              <a:rPr lang="en-US" altLang="zh-CN" dirty="0"/>
+              <a:t>Spearman</a:t>
+            </a:r>
+            <a:endParaRPr lang="zh-CN" altLang="en-US" dirty="0"/>
+          </a:p>
+        </p:txBody>
+      </p:sp>
+      <p:sp>
+        <p:nvSpPr>
+          <p:cNvPr id="15" name="箭头: 右 14">
+            <a:extLst>
+              <a:ext uri="{FF2B5EF4-FFF2-40B4-BE49-F238E27FC236}">
+                <a16:creationId xmlns:a16="http://schemas.microsoft.com/office/drawing/2014/main" id="{421439C4-4056-CF56-6873-5201E6F50F86}"/>
+              </a:ext>
+            </a:extLst>
+          </p:cNvPr>
+          <p:cNvSpPr/>
+          <p:nvPr/>
+        </p:nvSpPr>
+        <p:spPr>
+          <a:xfrm>
+            <a:off x="2193472" y="2225586"/>
+            <a:ext cx="832757" cy="181790"/>
+          </a:xfrm>
+          <a:prstGeom prst="rightArrow">
+            <a:avLst/>
+          </a:prstGeom>
+          <a:solidFill>
+            <a:schemeClr val="accent1">
+              <a:lumMod val="60000"/>
+              <a:lumOff val="40000"/>
+            </a:schemeClr>
+          </a:solidFill>
+        </p:spPr>
+        <p:style>
+          <a:lnRef idx="2">
+            <a:schemeClr val="accent1">
+              <a:shade val="15000"/>
+            </a:schemeClr>
+          </a:lnRef>
+          <a:fillRef idx="1">
+            <a:schemeClr val="accent1"/>
+          </a:fillRef>
+          <a:effectRef idx="0">
+            <a:schemeClr val="accent1"/>
+          </a:effectRef>
+          <a:fontRef idx="minor">
+            <a:schemeClr val="lt1"/>
+          </a:fontRef>
+        </p:style>
+        <p:txBody>
+          <a:bodyPr rtlCol="0" anchor="ctr"/>
+          <a:lstStyle/>
+          <a:p>
+            <a:pPr algn="ctr"/>
+            <a:endParaRPr lang="zh-CN" altLang="en-US"/>
+          </a:p>
+        </p:txBody>
+      </p:sp>
+      <p:sp>
+        <p:nvSpPr>
+          <p:cNvPr id="16" name="矩形: 圆角 15">
+            <a:extLst>
+              <a:ext uri="{FF2B5EF4-FFF2-40B4-BE49-F238E27FC236}">
+                <a16:creationId xmlns:a16="http://schemas.microsoft.com/office/drawing/2014/main" id="{D6B72D54-36B5-0108-DBBA-9BB2C3ABB6F5}"/>
+              </a:ext>
+            </a:extLst>
+          </p:cNvPr>
+          <p:cNvSpPr/>
+          <p:nvPr/>
+        </p:nvSpPr>
+        <p:spPr>
+          <a:xfrm>
+            <a:off x="6436180" y="2026375"/>
+            <a:ext cx="2231572" cy="583566"/>
+          </a:xfrm>
+          <a:prstGeom prst="roundRect">
+            <a:avLst/>
+          </a:prstGeom>
+          <a:solidFill>
+            <a:schemeClr val="accent1">
+              <a:lumMod val="60000"/>
+              <a:lumOff val="40000"/>
+            </a:schemeClr>
+          </a:solidFill>
+        </p:spPr>
+        <p:style>
+          <a:lnRef idx="2">
+            <a:schemeClr val="accent1">
+              <a:shade val="15000"/>
+            </a:schemeClr>
+          </a:lnRef>
+          <a:fillRef idx="1">
+            <a:schemeClr val="accent1"/>
+          </a:fillRef>
+          <a:effectRef idx="0">
+            <a:schemeClr val="accent1"/>
+          </a:effectRef>
+          <a:fontRef idx="minor">
+            <a:schemeClr val="lt1"/>
+          </a:fontRef>
+        </p:style>
+        <p:txBody>
+          <a:bodyPr rtlCol="0" anchor="ctr"/>
+          <a:lstStyle/>
+          <a:p>
+            <a:pPr algn="ctr"/>
+            <a:r>
+              <a:rPr lang="en-US" altLang="zh-CN" dirty="0"/>
+              <a:t>CEEMDAN</a:t>
+            </a:r>
+            <a:r>
+              <a:rPr lang="zh-CN" altLang="en-US" dirty="0"/>
+              <a:t>分解</a:t>
+            </a:r>
+          </a:p>
+        </p:txBody>
+      </p:sp>
+      <p:sp>
+        <p:nvSpPr>
+          <p:cNvPr id="17" name="箭头: 右 16">
+            <a:extLst>
+              <a:ext uri="{FF2B5EF4-FFF2-40B4-BE49-F238E27FC236}">
+                <a16:creationId xmlns:a16="http://schemas.microsoft.com/office/drawing/2014/main" id="{67317F2B-ADCF-9054-297E-ED3589664594}"/>
+              </a:ext>
+            </a:extLst>
+          </p:cNvPr>
+          <p:cNvSpPr/>
+          <p:nvPr/>
+        </p:nvSpPr>
+        <p:spPr>
+          <a:xfrm>
+            <a:off x="5535386" y="2225586"/>
+            <a:ext cx="832757" cy="181790"/>
+          </a:xfrm>
+          <a:prstGeom prst="rightArrow">
+            <a:avLst/>
+          </a:prstGeom>
+          <a:solidFill>
+            <a:schemeClr val="accent1">
+              <a:lumMod val="60000"/>
+              <a:lumOff val="40000"/>
+            </a:schemeClr>
+          </a:solidFill>
+        </p:spPr>
+        <p:style>
+          <a:lnRef idx="2">
+            <a:schemeClr val="accent1">
+              <a:shade val="15000"/>
+            </a:schemeClr>
+          </a:lnRef>
+          <a:fillRef idx="1">
+            <a:schemeClr val="accent1"/>
+          </a:fillRef>
+          <a:effectRef idx="0">
+            <a:schemeClr val="accent1"/>
+          </a:effectRef>
+          <a:fontRef idx="minor">
+            <a:schemeClr val="lt1"/>
+          </a:fontRef>
+        </p:style>
+        <p:txBody>
+          <a:bodyPr rtlCol="0" anchor="ctr"/>
+          <a:lstStyle/>
+          <a:p>
+            <a:pPr algn="ctr"/>
+            <a:endParaRPr lang="zh-CN" altLang="en-US"/>
+          </a:p>
+        </p:txBody>
+      </p:sp>
+      <p:sp>
+        <p:nvSpPr>
+          <p:cNvPr id="18" name="矩形: 圆角 17">
+            <a:extLst>
+              <a:ext uri="{FF2B5EF4-FFF2-40B4-BE49-F238E27FC236}">
+                <a16:creationId xmlns:a16="http://schemas.microsoft.com/office/drawing/2014/main" id="{8E482769-654C-75CC-46AA-33CEA5D47BD9}"/>
+              </a:ext>
+            </a:extLst>
+          </p:cNvPr>
+          <p:cNvSpPr/>
+          <p:nvPr/>
+        </p:nvSpPr>
+        <p:spPr>
+          <a:xfrm>
+            <a:off x="9680123" y="2024698"/>
+            <a:ext cx="1371600" cy="583565"/>
+          </a:xfrm>
+          <a:prstGeom prst="roundRect">
+            <a:avLst/>
+          </a:prstGeom>
+          <a:solidFill>
+            <a:schemeClr val="accent1">
+              <a:lumMod val="60000"/>
+              <a:lumOff val="40000"/>
+            </a:schemeClr>
+          </a:solidFill>
+        </p:spPr>
+        <p:style>
+          <a:lnRef idx="2">
+            <a:schemeClr val="accent1">
+              <a:shade val="15000"/>
+            </a:schemeClr>
+          </a:lnRef>
+          <a:fillRef idx="1">
+            <a:schemeClr val="accent1"/>
+          </a:fillRef>
+          <a:effectRef idx="0">
+            <a:schemeClr val="accent1"/>
+          </a:effectRef>
+          <a:fontRef idx="minor">
+            <a:schemeClr val="lt1"/>
+          </a:fontRef>
+        </p:style>
+        <p:txBody>
+          <a:bodyPr rtlCol="0" anchor="ctr"/>
+          <a:lstStyle/>
+          <a:p>
+            <a:pPr algn="ctr"/>
+            <a:r>
+              <a:rPr lang="en-US" altLang="zh-CN" dirty="0"/>
+              <a:t>SVR</a:t>
+            </a:r>
+            <a:endParaRPr lang="zh-CN" altLang="en-US" dirty="0"/>
+          </a:p>
+        </p:txBody>
+      </p:sp>
+      <p:sp>
+        <p:nvSpPr>
+          <p:cNvPr id="19" name="箭头: 右 18">
+            <a:extLst>
+              <a:ext uri="{FF2B5EF4-FFF2-40B4-BE49-F238E27FC236}">
+                <a16:creationId xmlns:a16="http://schemas.microsoft.com/office/drawing/2014/main" id="{FA19F84A-A371-C0B5-8F47-0E83691E7261}"/>
+              </a:ext>
+            </a:extLst>
+          </p:cNvPr>
+          <p:cNvSpPr/>
+          <p:nvPr/>
+        </p:nvSpPr>
+        <p:spPr>
+          <a:xfrm>
+            <a:off x="8735789" y="2225586"/>
+            <a:ext cx="832757" cy="181790"/>
+          </a:xfrm>
+          <a:prstGeom prst="rightArrow">
+            <a:avLst/>
+          </a:prstGeom>
+          <a:solidFill>
+            <a:schemeClr val="accent1">
+              <a:lumMod val="60000"/>
+              <a:lumOff val="40000"/>
+            </a:schemeClr>
+          </a:solidFill>
+        </p:spPr>
+        <p:style>
+          <a:lnRef idx="2">
+            <a:schemeClr val="accent1">
+              <a:shade val="15000"/>
+            </a:schemeClr>
+          </a:lnRef>
+          <a:fillRef idx="1">
+            <a:schemeClr val="accent1"/>
+          </a:fillRef>
+          <a:effectRef idx="0">
+            <a:schemeClr val="accent1"/>
+          </a:effectRef>
+          <a:fontRef idx="minor">
+            <a:schemeClr val="lt1"/>
+          </a:fontRef>
+        </p:style>
+        <p:txBody>
+          <a:bodyPr rtlCol="0" anchor="ctr"/>
+          <a:lstStyle/>
+          <a:p>
+            <a:pPr algn="ctr"/>
+            <a:endParaRPr lang="zh-CN" altLang="en-US"/>
+          </a:p>
+        </p:txBody>
+      </p:sp>
+      <p:sp>
+        <p:nvSpPr>
+          <p:cNvPr id="21" name="椭圆 20">
+            <a:extLst>
+              <a:ext uri="{FF2B5EF4-FFF2-40B4-BE49-F238E27FC236}">
+                <a16:creationId xmlns:a16="http://schemas.microsoft.com/office/drawing/2014/main" id="{FF150918-547A-10C0-F38C-33D48A36AFF8}"/>
+              </a:ext>
+            </a:extLst>
+          </p:cNvPr>
+          <p:cNvSpPr/>
+          <p:nvPr/>
+        </p:nvSpPr>
+        <p:spPr>
+          <a:xfrm>
+            <a:off x="606879" y="3087733"/>
+            <a:ext cx="1817914" cy="936172"/>
+          </a:xfrm>
+          <a:prstGeom prst="ellipse">
+            <a:avLst/>
+          </a:prstGeom>
+          <a:solidFill>
+            <a:schemeClr val="accent1">
+              <a:lumMod val="40000"/>
+              <a:lumOff val="60000"/>
+            </a:schemeClr>
+          </a:solidFill>
+        </p:spPr>
+        <p:style>
+          <a:lnRef idx="2">
+            <a:schemeClr val="accent1">
+              <a:shade val="15000"/>
+            </a:schemeClr>
+          </a:lnRef>
+          <a:fillRef idx="1">
+            <a:schemeClr val="accent1"/>
+          </a:fillRef>
+          <a:effectRef idx="0">
+            <a:schemeClr val="accent1"/>
+          </a:effectRef>
+          <a:fontRef idx="minor">
+            <a:schemeClr val="lt1"/>
+          </a:fontRef>
+        </p:style>
+        <p:txBody>
+          <a:bodyPr rtlCol="0" anchor="ctr"/>
+          <a:lstStyle/>
+          <a:p>
+            <a:pPr algn="ctr"/>
+            <a:r>
+              <a:rPr lang="zh-CN" altLang="en-US" dirty="0"/>
+              <a:t>电压最低点的时间</a:t>
+            </a:r>
+          </a:p>
+        </p:txBody>
+      </p:sp>
+    </p:spTree>
+    <p:extLst>
+      <p:ext uri="{BB962C8B-B14F-4D97-AF65-F5344CB8AC3E}">
+        <p14:creationId xmlns:p14="http://schemas.microsoft.com/office/powerpoint/2010/main" val="3754922177"/>
       </p:ext>
     </p:extLst>
   </p:cSld>
@@ -16851,12 +16984,104 @@
           <a:chExt cx="0" cy="0"/>
         </a:xfrm>
       </p:grpSpPr>
+      <p:sp>
+        <p:nvSpPr>
+          <p:cNvPr id="4" name="文本框 3">
+            <a:extLst>
+              <a:ext uri="{FF2B5EF4-FFF2-40B4-BE49-F238E27FC236}">
+                <a16:creationId xmlns:a16="http://schemas.microsoft.com/office/drawing/2014/main" id="{445543C5-A4A2-C627-9D1D-2170A9B6E3F5}"/>
+              </a:ext>
+            </a:extLst>
+          </p:cNvPr>
+          <p:cNvSpPr txBox="1"/>
+          <p:nvPr/>
+        </p:nvSpPr>
+        <p:spPr>
+          <a:xfrm>
+            <a:off x="736600" y="541867"/>
+            <a:ext cx="9533467" cy="584775"/>
+          </a:xfrm>
+          <a:prstGeom prst="rect">
+            <a:avLst/>
+          </a:prstGeom>
+          <a:noFill/>
+        </p:spPr>
+        <p:txBody>
+          <a:bodyPr wrap="square" rtlCol="0">
+            <a:spAutoFit/>
+          </a:bodyPr>
+          <a:lstStyle/>
+          <a:p>
+            <a:r>
+              <a:rPr lang="en-US" altLang="zh-CN" sz="3200" dirty="0">
+                <a:latin typeface="Times New Roman" panose="02020603050405020304" charset="0"/>
+                <a:ea typeface="等线" panose="02010600030101010101" charset="-122"/>
+                <a:cs typeface="Times New Roman" panose="02020603050405020304" charset="0"/>
+              </a:rPr>
+              <a:t>prediction results</a:t>
+            </a:r>
+            <a:r>
+              <a:rPr lang="zh-CN" altLang="en-US" sz="2400" dirty="0">
+                <a:latin typeface="宋体" panose="02010600030101010101" pitchFamily="2" charset="-122"/>
+                <a:ea typeface="宋体" panose="02010600030101010101" pitchFamily="2" charset="-122"/>
+                <a:cs typeface="Times New Roman" panose="02020603050405020304" charset="0"/>
+              </a:rPr>
+              <a:t>：</a:t>
+            </a:r>
+          </a:p>
+        </p:txBody>
+      </p:sp>
+      <p:sp>
+        <p:nvSpPr>
+          <p:cNvPr id="2" name="文本框 1">
+            <a:extLst>
+              <a:ext uri="{FF2B5EF4-FFF2-40B4-BE49-F238E27FC236}">
+                <a16:creationId xmlns:a16="http://schemas.microsoft.com/office/drawing/2014/main" id="{D7DF22D7-CFD8-2DE4-D4AE-B125AEDBDDC9}"/>
+              </a:ext>
+            </a:extLst>
+          </p:cNvPr>
+          <p:cNvSpPr txBox="1"/>
+          <p:nvPr/>
+        </p:nvSpPr>
+        <p:spPr>
+          <a:xfrm>
+            <a:off x="157843" y="6315375"/>
+            <a:ext cx="11419114" cy="369332"/>
+          </a:xfrm>
+          <a:prstGeom prst="rect">
+            <a:avLst/>
+          </a:prstGeom>
+          <a:noFill/>
+        </p:spPr>
+        <p:txBody>
+          <a:bodyPr wrap="square">
+            <a:spAutoFit/>
+          </a:bodyPr>
+          <a:lstStyle/>
+          <a:p>
+            <a:pPr algn="ctr"/>
+            <a:r>
+              <a:rPr lang="en-US" altLang="zh-CN" dirty="0">
+                <a:solidFill>
+                  <a:schemeClr val="bg2">
+                    <a:lumMod val="75000"/>
+                  </a:schemeClr>
+                </a:solidFill>
+                <a:latin typeface="Times New Roman" panose="02020603050405020304" charset="0"/>
+                <a:ea typeface="等线" panose="02010600030101010101" charset="-122"/>
+                <a:cs typeface="Times New Roman" panose="02020603050405020304" charset="0"/>
+              </a:rPr>
+              <a:t>useful life Prediction for lithium-ion battery based on CEEMDAN and SVR</a:t>
+            </a:r>
+          </a:p>
+        </p:txBody>
+      </p:sp>
       <p:pic>
         <p:nvPicPr>
-          <p:cNvPr id="3" name="图片 2">
+          <p:cNvPr id="6" name="图片 5">
             <a:extLst>
               <a:ext uri="{FF2B5EF4-FFF2-40B4-BE49-F238E27FC236}">
-                <a16:creationId xmlns:a16="http://schemas.microsoft.com/office/drawing/2014/main" id="{07BFD4D6-4D7F-2BA7-B63D-7E7DE1D3FA50}"/>
+                <a16:creationId xmlns:a16="http://schemas.microsoft.com/office/drawing/2014/main" id="{D5D49F9B-1659-F988-2A6C-071B5F42C238}"/>
               </a:ext>
             </a:extLst>
           </p:cNvPr>
@@ -16873,520 +17098,47 @@
         </p:blipFill>
         <p:spPr>
           <a:xfrm>
-            <a:off x="6319159" y="1807028"/>
-            <a:ext cx="5023502" cy="3608614"/>
+            <a:off x="2017939" y="1680482"/>
+            <a:ext cx="7524750" cy="1581150"/>
           </a:xfrm>
           <a:prstGeom prst="rect">
             <a:avLst/>
           </a:prstGeom>
         </p:spPr>
       </p:pic>
-      <p:sp>
-        <p:nvSpPr>
-          <p:cNvPr id="4" name="矩形: 圆角 3">
+      <p:pic>
+        <p:nvPicPr>
+          <p:cNvPr id="8" name="图片 7">
             <a:extLst>
               <a:ext uri="{FF2B5EF4-FFF2-40B4-BE49-F238E27FC236}">
-                <a16:creationId xmlns:a16="http://schemas.microsoft.com/office/drawing/2014/main" id="{9D4CF1C6-C270-0F74-2C35-BA5A95B7163E}"/>
+                <a16:creationId xmlns:a16="http://schemas.microsoft.com/office/drawing/2014/main" id="{F42D02BE-41CE-0D47-648C-662BACC52B6B}"/>
               </a:ext>
             </a:extLst>
           </p:cNvPr>
-          <p:cNvSpPr/>
+          <p:cNvPicPr>
+            <a:picLocks noChangeAspect="1"/>
+          </p:cNvPicPr>
           <p:nvPr/>
-        </p:nvSpPr>
+        </p:nvPicPr>
+        <p:blipFill rotWithShape="1">
+          <a:blip r:embed="rId3"/>
+          <a:srcRect b="2818"/>
+          <a:stretch/>
+        </p:blipFill>
         <p:spPr>
           <a:xfrm>
-            <a:off x="541563" y="2831429"/>
-            <a:ext cx="1371600" cy="583565"/>
-          </a:xfrm>
-          <a:prstGeom prst="roundRect">
-            <a:avLst/>
-          </a:prstGeom>
-          <a:solidFill>
-            <a:schemeClr val="accent1">
-              <a:lumMod val="60000"/>
-              <a:lumOff val="40000"/>
-            </a:schemeClr>
-          </a:solidFill>
-        </p:spPr>
-        <p:style>
-          <a:lnRef idx="2">
-            <a:schemeClr val="accent1">
-              <a:shade val="15000"/>
-            </a:schemeClr>
-          </a:lnRef>
-          <a:fillRef idx="1">
-            <a:schemeClr val="accent1"/>
-          </a:fillRef>
-          <a:effectRef idx="0">
-            <a:schemeClr val="accent1"/>
-          </a:effectRef>
-          <a:fontRef idx="minor">
-            <a:schemeClr val="lt1"/>
-          </a:fontRef>
-        </p:style>
-        <p:txBody>
-          <a:bodyPr rtlCol="0" anchor="ctr"/>
-          <a:lstStyle/>
-          <a:p>
-            <a:pPr algn="ctr"/>
-            <a:r>
-              <a:rPr lang="zh-CN" altLang="en-US" dirty="0"/>
-              <a:t>健康因子</a:t>
-            </a:r>
-          </a:p>
-        </p:txBody>
-      </p:sp>
-      <p:sp>
-        <p:nvSpPr>
-          <p:cNvPr id="5" name="矩形: 圆角 4">
-            <a:extLst>
-              <a:ext uri="{FF2B5EF4-FFF2-40B4-BE49-F238E27FC236}">
-                <a16:creationId xmlns:a16="http://schemas.microsoft.com/office/drawing/2014/main" id="{1DCAFFC5-7249-9833-7F0B-530D0797EE6F}"/>
-              </a:ext>
-            </a:extLst>
-          </p:cNvPr>
-          <p:cNvSpPr/>
-          <p:nvPr/>
-        </p:nvSpPr>
-        <p:spPr>
-          <a:xfrm>
-            <a:off x="2685354" y="2782444"/>
-            <a:ext cx="881743" cy="632549"/>
-          </a:xfrm>
-          <a:prstGeom prst="roundRect">
-            <a:avLst/>
-          </a:prstGeom>
-          <a:solidFill>
-            <a:schemeClr val="accent1">
-              <a:lumMod val="60000"/>
-              <a:lumOff val="40000"/>
-            </a:schemeClr>
-          </a:solidFill>
-        </p:spPr>
-        <p:style>
-          <a:lnRef idx="2">
-            <a:schemeClr val="accent1">
-              <a:shade val="15000"/>
-            </a:schemeClr>
-          </a:lnRef>
-          <a:fillRef idx="1">
-            <a:schemeClr val="accent1"/>
-          </a:fillRef>
-          <a:effectRef idx="0">
-            <a:schemeClr val="accent1"/>
-          </a:effectRef>
-          <a:fontRef idx="minor">
-            <a:schemeClr val="lt1"/>
-          </a:fontRef>
-        </p:style>
-        <p:txBody>
-          <a:bodyPr rtlCol="0" anchor="ctr"/>
-          <a:lstStyle/>
-          <a:p>
-            <a:pPr algn="ctr"/>
-            <a:r>
-              <a:rPr lang="en-US" altLang="zh-CN" dirty="0"/>
-              <a:t>EMD</a:t>
-            </a:r>
-            <a:endParaRPr lang="zh-CN" altLang="en-US" dirty="0"/>
-          </a:p>
-        </p:txBody>
-      </p:sp>
-      <p:sp>
-        <p:nvSpPr>
-          <p:cNvPr id="6" name="箭头: 右 5">
-            <a:extLst>
-              <a:ext uri="{FF2B5EF4-FFF2-40B4-BE49-F238E27FC236}">
-                <a16:creationId xmlns:a16="http://schemas.microsoft.com/office/drawing/2014/main" id="{7DBAFB3D-588B-334F-020B-266AC54A08AF}"/>
-              </a:ext>
-            </a:extLst>
-          </p:cNvPr>
-          <p:cNvSpPr/>
-          <p:nvPr/>
-        </p:nvSpPr>
-        <p:spPr>
-          <a:xfrm>
-            <a:off x="2032099" y="3043665"/>
-            <a:ext cx="519814" cy="159091"/>
-          </a:xfrm>
-          <a:prstGeom prst="rightArrow">
-            <a:avLst/>
-          </a:prstGeom>
-          <a:solidFill>
-            <a:schemeClr val="accent1">
-              <a:lumMod val="60000"/>
-              <a:lumOff val="40000"/>
-            </a:schemeClr>
-          </a:solidFill>
-        </p:spPr>
-        <p:style>
-          <a:lnRef idx="2">
-            <a:schemeClr val="accent1">
-              <a:shade val="15000"/>
-            </a:schemeClr>
-          </a:lnRef>
-          <a:fillRef idx="1">
-            <a:schemeClr val="accent1"/>
-          </a:fillRef>
-          <a:effectRef idx="0">
-            <a:schemeClr val="accent1"/>
-          </a:effectRef>
-          <a:fontRef idx="minor">
-            <a:schemeClr val="lt1"/>
-          </a:fontRef>
-        </p:style>
-        <p:txBody>
-          <a:bodyPr rtlCol="0" anchor="ctr"/>
-          <a:lstStyle/>
-          <a:p>
-            <a:pPr algn="ctr"/>
-            <a:endParaRPr lang="zh-CN" altLang="en-US"/>
-          </a:p>
-        </p:txBody>
-      </p:sp>
-      <p:sp>
-        <p:nvSpPr>
-          <p:cNvPr id="9" name="矩形: 圆角 8">
-            <a:extLst>
-              <a:ext uri="{FF2B5EF4-FFF2-40B4-BE49-F238E27FC236}">
-                <a16:creationId xmlns:a16="http://schemas.microsoft.com/office/drawing/2014/main" id="{B7BCECA5-FD4B-D84C-6789-258385D19812}"/>
-              </a:ext>
-            </a:extLst>
-          </p:cNvPr>
-          <p:cNvSpPr/>
-          <p:nvPr/>
-        </p:nvSpPr>
-        <p:spPr>
-          <a:xfrm>
-            <a:off x="4551787" y="4528024"/>
-            <a:ext cx="886696" cy="981543"/>
-          </a:xfrm>
-          <a:prstGeom prst="roundRect">
-            <a:avLst/>
-          </a:prstGeom>
-          <a:solidFill>
-            <a:schemeClr val="accent1">
-              <a:lumMod val="60000"/>
-              <a:lumOff val="40000"/>
-            </a:schemeClr>
-          </a:solidFill>
-        </p:spPr>
-        <p:style>
-          <a:lnRef idx="2">
-            <a:schemeClr val="accent1">
-              <a:shade val="15000"/>
-            </a:schemeClr>
-          </a:lnRef>
-          <a:fillRef idx="1">
-            <a:schemeClr val="accent1"/>
-          </a:fillRef>
-          <a:effectRef idx="0">
-            <a:schemeClr val="accent1"/>
-          </a:effectRef>
-          <a:fontRef idx="minor">
-            <a:schemeClr val="lt1"/>
-          </a:fontRef>
-        </p:style>
-        <p:txBody>
-          <a:bodyPr rtlCol="0" anchor="ctr"/>
-          <a:lstStyle/>
-          <a:p>
-            <a:pPr algn="ctr"/>
-            <a:r>
-              <a:rPr lang="zh-CN" altLang="en-US" dirty="0"/>
-              <a:t>预测结果</a:t>
-            </a:r>
-          </a:p>
-        </p:txBody>
-      </p:sp>
-      <p:sp>
-        <p:nvSpPr>
-          <p:cNvPr id="11" name="椭圆 10">
-            <a:extLst>
-              <a:ext uri="{FF2B5EF4-FFF2-40B4-BE49-F238E27FC236}">
-                <a16:creationId xmlns:a16="http://schemas.microsoft.com/office/drawing/2014/main" id="{A764DC1F-DB6C-2B46-970B-02250F195DC0}"/>
-              </a:ext>
-            </a:extLst>
-          </p:cNvPr>
-          <p:cNvSpPr/>
-          <p:nvPr/>
-        </p:nvSpPr>
-        <p:spPr>
-          <a:xfrm>
-            <a:off x="379637" y="3666593"/>
-            <a:ext cx="1695452" cy="692036"/>
-          </a:xfrm>
-          <a:prstGeom prst="ellipse">
-            <a:avLst/>
-          </a:prstGeom>
-          <a:solidFill>
-            <a:schemeClr val="accent1">
-              <a:lumMod val="40000"/>
-              <a:lumOff val="60000"/>
-            </a:schemeClr>
-          </a:solidFill>
-        </p:spPr>
-        <p:style>
-          <a:lnRef idx="2">
-            <a:schemeClr val="accent1">
-              <a:shade val="15000"/>
-            </a:schemeClr>
-          </a:lnRef>
-          <a:fillRef idx="1">
-            <a:schemeClr val="accent1"/>
-          </a:fillRef>
-          <a:effectRef idx="0">
-            <a:schemeClr val="accent1"/>
-          </a:effectRef>
-          <a:fontRef idx="minor">
-            <a:schemeClr val="lt1"/>
-          </a:fontRef>
-        </p:style>
-        <p:txBody>
-          <a:bodyPr rtlCol="0" anchor="ctr"/>
-          <a:lstStyle/>
-          <a:p>
-            <a:pPr algn="ctr"/>
-            <a:r>
-              <a:rPr lang="zh-CN" altLang="en-US" sz="1800" i="0" dirty="0">
-                <a:solidFill>
-                  <a:schemeClr val="bg1"/>
-                </a:solidFill>
-                <a:effectLst/>
-                <a:latin typeface="+mn-ea"/>
-              </a:rPr>
-              <a:t>等压降放电时间</a:t>
-            </a:r>
-            <a:endParaRPr lang="zh-CN" altLang="en-US" dirty="0">
-              <a:solidFill>
-                <a:schemeClr val="bg1"/>
-              </a:solidFill>
-            </a:endParaRPr>
-          </a:p>
-        </p:txBody>
-      </p:sp>
-      <p:sp>
-        <p:nvSpPr>
-          <p:cNvPr id="2" name="文本框 1">
-            <a:extLst>
-              <a:ext uri="{FF2B5EF4-FFF2-40B4-BE49-F238E27FC236}">
-                <a16:creationId xmlns:a16="http://schemas.microsoft.com/office/drawing/2014/main" id="{B7529CC4-809B-2A99-D6B8-378B7E38CF01}"/>
-              </a:ext>
-            </a:extLst>
-          </p:cNvPr>
-          <p:cNvSpPr txBox="1"/>
-          <p:nvPr/>
-        </p:nvSpPr>
-        <p:spPr>
-          <a:xfrm>
-            <a:off x="736600" y="541867"/>
-            <a:ext cx="9533467" cy="584775"/>
+            <a:off x="2095500" y="4072618"/>
+            <a:ext cx="7543800" cy="2017939"/>
           </a:xfrm>
           <a:prstGeom prst="rect">
             <a:avLst/>
           </a:prstGeom>
-          <a:noFill/>
-        </p:spPr>
-        <p:txBody>
-          <a:bodyPr wrap="square" rtlCol="0">
-            <a:spAutoFit/>
-          </a:bodyPr>
-          <a:lstStyle/>
-          <a:p>
-            <a:r>
-              <a:rPr lang="zh-CN" altLang="en-US" sz="3200" dirty="0">
-                <a:latin typeface="Times New Roman" panose="02020603050405020304" charset="0"/>
-                <a:ea typeface="等线" panose="02010600030101010101" charset="-122"/>
-                <a:cs typeface="Times New Roman" panose="02020603050405020304" charset="0"/>
-              </a:rPr>
-              <a:t>流程图</a:t>
-            </a:r>
-            <a:r>
-              <a:rPr lang="zh-CN" altLang="en-US" sz="2400" dirty="0">
-                <a:latin typeface="宋体" panose="02010600030101010101" pitchFamily="2" charset="-122"/>
-                <a:ea typeface="宋体" panose="02010600030101010101" pitchFamily="2" charset="-122"/>
-                <a:cs typeface="Times New Roman" panose="02020603050405020304" charset="0"/>
-              </a:rPr>
-              <a:t>：</a:t>
-            </a:r>
-          </a:p>
-        </p:txBody>
-      </p:sp>
-      <p:sp>
-        <p:nvSpPr>
-          <p:cNvPr id="12" name="箭头: 右 11">
-            <a:extLst>
-              <a:ext uri="{FF2B5EF4-FFF2-40B4-BE49-F238E27FC236}">
-                <a16:creationId xmlns:a16="http://schemas.microsoft.com/office/drawing/2014/main" id="{7A8C5492-7A65-2F96-40B9-D31E60C93759}"/>
-              </a:ext>
-            </a:extLst>
-          </p:cNvPr>
-          <p:cNvSpPr/>
-          <p:nvPr/>
-        </p:nvSpPr>
-        <p:spPr>
-          <a:xfrm>
-            <a:off x="3700538" y="3053760"/>
-            <a:ext cx="519814" cy="159091"/>
-          </a:xfrm>
-          <a:prstGeom prst="rightArrow">
-            <a:avLst/>
-          </a:prstGeom>
-          <a:solidFill>
-            <a:schemeClr val="accent1">
-              <a:lumMod val="60000"/>
-              <a:lumOff val="40000"/>
-            </a:schemeClr>
-          </a:solidFill>
-        </p:spPr>
-        <p:style>
-          <a:lnRef idx="2">
-            <a:schemeClr val="accent1">
-              <a:shade val="15000"/>
-            </a:schemeClr>
-          </a:lnRef>
-          <a:fillRef idx="1">
-            <a:schemeClr val="accent1"/>
-          </a:fillRef>
-          <a:effectRef idx="0">
-            <a:schemeClr val="accent1"/>
-          </a:effectRef>
-          <a:fontRef idx="minor">
-            <a:schemeClr val="lt1"/>
-          </a:fontRef>
-        </p:style>
-        <p:txBody>
-          <a:bodyPr rtlCol="0" anchor="ctr"/>
-          <a:lstStyle/>
-          <a:p>
-            <a:pPr algn="ctr"/>
-            <a:endParaRPr lang="zh-CN" altLang="en-US"/>
-          </a:p>
-        </p:txBody>
-      </p:sp>
-      <p:sp>
-        <p:nvSpPr>
-          <p:cNvPr id="13" name="矩形: 圆角 12">
-            <a:extLst>
-              <a:ext uri="{FF2B5EF4-FFF2-40B4-BE49-F238E27FC236}">
-                <a16:creationId xmlns:a16="http://schemas.microsoft.com/office/drawing/2014/main" id="{D8DA5AD5-8701-744D-7DE8-9FE766A87DBF}"/>
-              </a:ext>
-            </a:extLst>
-          </p:cNvPr>
-          <p:cNvSpPr/>
-          <p:nvPr/>
-        </p:nvSpPr>
-        <p:spPr>
-          <a:xfrm>
-            <a:off x="4324367" y="2691143"/>
-            <a:ext cx="1341537" cy="975450"/>
-          </a:xfrm>
-          <a:prstGeom prst="roundRect">
-            <a:avLst/>
-          </a:prstGeom>
-          <a:solidFill>
-            <a:schemeClr val="accent1">
-              <a:lumMod val="60000"/>
-              <a:lumOff val="40000"/>
-            </a:schemeClr>
-          </a:solidFill>
-        </p:spPr>
-        <p:style>
-          <a:lnRef idx="2">
-            <a:schemeClr val="accent1">
-              <a:shade val="15000"/>
-            </a:schemeClr>
-          </a:lnRef>
-          <a:fillRef idx="1">
-            <a:schemeClr val="accent1"/>
-          </a:fillRef>
-          <a:effectRef idx="0">
-            <a:schemeClr val="accent1"/>
-          </a:effectRef>
-          <a:fontRef idx="minor">
-            <a:schemeClr val="lt1"/>
-          </a:fontRef>
-        </p:style>
-        <p:txBody>
-          <a:bodyPr rtlCol="0" anchor="ctr"/>
-          <a:lstStyle/>
-          <a:p>
-            <a:pPr algn="ctr"/>
-            <a:r>
-              <a:rPr lang="en-US" altLang="zh-CN" dirty="0"/>
-              <a:t>GSA</a:t>
-            </a:r>
-            <a:r>
-              <a:rPr lang="zh-CN" altLang="en-US" dirty="0"/>
-              <a:t>优化</a:t>
-            </a:r>
-            <a:r>
-              <a:rPr lang="en-US" altLang="zh-CN" dirty="0"/>
-              <a:t>ELM</a:t>
-            </a:r>
-            <a:r>
-              <a:rPr lang="zh-CN" altLang="en-US" dirty="0"/>
-              <a:t>加权模型</a:t>
-            </a:r>
-          </a:p>
-        </p:txBody>
-      </p:sp>
-      <p:sp>
-        <p:nvSpPr>
-          <p:cNvPr id="14" name="箭头: 右 13">
-            <a:extLst>
-              <a:ext uri="{FF2B5EF4-FFF2-40B4-BE49-F238E27FC236}">
-                <a16:creationId xmlns:a16="http://schemas.microsoft.com/office/drawing/2014/main" id="{690FC579-3F62-A829-187B-5F35A149B1F5}"/>
-              </a:ext>
-            </a:extLst>
-          </p:cNvPr>
-          <p:cNvSpPr/>
-          <p:nvPr/>
-        </p:nvSpPr>
-        <p:spPr>
-          <a:xfrm rot="5400000">
-            <a:off x="4735228" y="4040434"/>
-            <a:ext cx="519814" cy="159091"/>
-          </a:xfrm>
-          <a:prstGeom prst="rightArrow">
-            <a:avLst/>
-          </a:prstGeom>
-          <a:solidFill>
-            <a:schemeClr val="accent1">
-              <a:lumMod val="60000"/>
-              <a:lumOff val="40000"/>
-            </a:schemeClr>
-          </a:solidFill>
-        </p:spPr>
-        <p:style>
-          <a:lnRef idx="2">
-            <a:schemeClr val="accent1">
-              <a:shade val="15000"/>
-            </a:schemeClr>
-          </a:lnRef>
-          <a:fillRef idx="1">
-            <a:schemeClr val="accent1"/>
-          </a:fillRef>
-          <a:effectRef idx="0">
-            <a:schemeClr val="accent1"/>
-          </a:effectRef>
-          <a:fontRef idx="minor">
-            <a:schemeClr val="lt1"/>
-          </a:fontRef>
-        </p:style>
-        <p:txBody>
-          <a:bodyPr rtlCol="0" anchor="ctr"/>
-          <a:lstStyle/>
-          <a:p>
-            <a:pPr algn="ctr"/>
-            <a:endParaRPr lang="zh-CN" altLang="en-US"/>
-          </a:p>
-        </p:txBody>
-      </p:sp>
+        </p:spPr>
+      </p:pic>
     </p:spTree>
     <p:extLst>
       <p:ext uri="{BB962C8B-B14F-4D97-AF65-F5344CB8AC3E}">
-        <p14:creationId xmlns:p14="http://schemas.microsoft.com/office/powerpoint/2010/main" val="3754922177"/>
+        <p14:creationId xmlns:p14="http://schemas.microsoft.com/office/powerpoint/2010/main" val="2392112058"/>
       </p:ext>
     </p:extLst>
   </p:cSld>
@@ -17421,86 +17173,10 @@
           <a:chExt cx="0" cy="0"/>
         </a:xfrm>
       </p:grpSpPr>
-      <p:pic>
-        <p:nvPicPr>
-          <p:cNvPr id="3" name="图片 2">
-            <a:extLst>
-              <a:ext uri="{FF2B5EF4-FFF2-40B4-BE49-F238E27FC236}">
-                <a16:creationId xmlns:a16="http://schemas.microsoft.com/office/drawing/2014/main" id="{1C5138E3-551D-FB9B-9446-50DA48EAC2F0}"/>
-              </a:ext>
-            </a:extLst>
-          </p:cNvPr>
-          <p:cNvPicPr>
-            <a:picLocks noChangeAspect="1"/>
-          </p:cNvPicPr>
-          <p:nvPr/>
-        </p:nvPicPr>
-        <p:blipFill rotWithShape="1">
-          <a:blip r:embed="rId2"/>
-          <a:srcRect b="49965"/>
-          <a:stretch/>
-        </p:blipFill>
-        <p:spPr>
-          <a:xfrm>
-            <a:off x="353758" y="1986643"/>
-            <a:ext cx="11059220" cy="3439885"/>
-          </a:xfrm>
-          <a:prstGeom prst="rect">
-            <a:avLst/>
-          </a:prstGeom>
-        </p:spPr>
-      </p:pic>
-      <p:sp>
-        <p:nvSpPr>
-          <p:cNvPr id="4" name="文本框 3">
-            <a:extLst>
-              <a:ext uri="{FF2B5EF4-FFF2-40B4-BE49-F238E27FC236}">
-                <a16:creationId xmlns:a16="http://schemas.microsoft.com/office/drawing/2014/main" id="{445543C5-A4A2-C627-9D1D-2170A9B6E3F5}"/>
-              </a:ext>
-            </a:extLst>
-          </p:cNvPr>
-          <p:cNvSpPr txBox="1"/>
-          <p:nvPr/>
-        </p:nvSpPr>
-        <p:spPr>
-          <a:xfrm>
-            <a:off x="736600" y="541867"/>
-            <a:ext cx="9533467" cy="584775"/>
-          </a:xfrm>
-          <a:prstGeom prst="rect">
-            <a:avLst/>
-          </a:prstGeom>
-          <a:noFill/>
-        </p:spPr>
-        <p:txBody>
-          <a:bodyPr wrap="square" rtlCol="0">
-            <a:spAutoFit/>
-          </a:bodyPr>
-          <a:lstStyle/>
-          <a:p>
-            <a:r>
-              <a:rPr lang="en-US" altLang="zh-CN" sz="3200" dirty="0">
-                <a:latin typeface="Times New Roman" panose="02020603050405020304" charset="0"/>
-                <a:ea typeface="等线" panose="02010600030101010101" charset="-122"/>
-                <a:cs typeface="Times New Roman" panose="02020603050405020304" charset="0"/>
-              </a:rPr>
-              <a:t>prediction results</a:t>
-            </a:r>
-            <a:r>
-              <a:rPr lang="zh-CN" altLang="en-US" sz="2400" dirty="0">
-                <a:latin typeface="宋体" panose="02010600030101010101" pitchFamily="2" charset="-122"/>
-                <a:ea typeface="宋体" panose="02010600030101010101" pitchFamily="2" charset="-122"/>
-                <a:cs typeface="Times New Roman" panose="02020603050405020304" charset="0"/>
-              </a:rPr>
-              <a:t>：</a:t>
-            </a:r>
-          </a:p>
-        </p:txBody>
-      </p:sp>
     </p:spTree>
     <p:extLst>
       <p:ext uri="{BB962C8B-B14F-4D97-AF65-F5344CB8AC3E}">
-        <p14:creationId xmlns:p14="http://schemas.microsoft.com/office/powerpoint/2010/main" val="2392112058"/>
+        <p14:creationId xmlns:p14="http://schemas.microsoft.com/office/powerpoint/2010/main" val="2733105682"/>
       </p:ext>
     </p:extLst>
   </p:cSld>

--- a/卢老师论文汇报/CEEMDAN汇报.pptx
+++ b/卢老师论文汇报/CEEMDAN汇报.pptx
@@ -376,7 +376,7 @@
           <a:p>
             <a:fld id="{3FDE8C97-4C3E-274D-ADF9-06A9D5CCD4E7}" type="datetimeFigureOut">
               <a:rPr kumimoji="1" lang="zh-CN" altLang="en-US" smtClean="0"/>
-              <a:t>2023/9/8</a:t>
+              <a:t>2023/9/15</a:t>
             </a:fld>
             <a:endParaRPr kumimoji="1" lang="zh-CN" altLang="en-US"/>
           </a:p>
@@ -885,7 +885,7 @@
           <a:p>
             <a:fld id="{3563AA19-5EE1-E14F-8F67-5DD820B5DD9A}" type="datetime1">
               <a:rPr kumimoji="1" lang="zh-CN" altLang="en-US" smtClean="0"/>
-              <a:t>2023/9/8</a:t>
+              <a:t>2023/9/15</a:t>
             </a:fld>
             <a:endParaRPr kumimoji="1" lang="zh-CN" altLang="en-US"/>
           </a:p>
@@ -1097,7 +1097,7 @@
           <a:p>
             <a:fld id="{A24671CF-4B0D-884F-B66F-182E7711CDE4}" type="datetime1">
               <a:rPr kumimoji="1" lang="zh-CN" altLang="en-US" smtClean="0"/>
-              <a:t>2023/9/8</a:t>
+              <a:t>2023/9/15</a:t>
             </a:fld>
             <a:endParaRPr kumimoji="1" lang="zh-CN" altLang="en-US"/>
           </a:p>
@@ -3006,7 +3006,7 @@
           <a:p>
             <a:fld id="{DFFABD60-8210-8B47-AC0A-C3D8D0CC4B37}" type="datetime1">
               <a:rPr kumimoji="1" lang="zh-CN" altLang="en-US" smtClean="0"/>
-              <a:t>2023/9/8</a:t>
+              <a:t>2023/9/15</a:t>
             </a:fld>
             <a:endParaRPr kumimoji="1" lang="zh-CN" altLang="en-US"/>
           </a:p>
@@ -3315,7 +3315,7 @@
           <a:p>
             <a:fld id="{1347ECF2-D59A-DF42-BC11-D7EA8F8B97B5}" type="datetime1">
               <a:rPr kumimoji="1" lang="zh-CN" altLang="en-US" smtClean="0"/>
-              <a:t>2023/9/8</a:t>
+              <a:t>2023/9/15</a:t>
             </a:fld>
             <a:endParaRPr kumimoji="1" lang="zh-CN" altLang="en-US"/>
           </a:p>
@@ -3604,7 +3604,7 @@
           <a:p>
             <a:fld id="{673F2449-682B-5647-A2CF-535336582DB0}" type="datetime1">
               <a:rPr kumimoji="1" lang="zh-CN" altLang="en-US" smtClean="0"/>
-              <a:t>2023/9/8</a:t>
+              <a:t>2023/9/15</a:t>
             </a:fld>
             <a:endParaRPr kumimoji="1" lang="zh-CN" altLang="en-US"/>
           </a:p>
@@ -6988,7 +6988,7 @@
         <p:spPr>
           <a:xfrm>
             <a:off x="2714921" y="5175316"/>
-            <a:ext cx="5882324" cy="584775"/>
+            <a:ext cx="5882324" cy="1077218"/>
           </a:xfrm>
           <a:prstGeom prst="rect">
             <a:avLst/>
@@ -7074,7 +7074,7 @@
               <a:t>达到强相关，特征</a:t>
             </a:r>
             <a:r>
-              <a:rPr lang="en-US" altLang="zh-CN" sz="1600">
+              <a:rPr lang="en-US" altLang="zh-CN" sz="1600" dirty="0">
                 <a:latin typeface="宋体" panose="02010600030101010101" pitchFamily="2" charset="-122"/>
                 <a:ea typeface="宋体" panose="02010600030101010101" pitchFamily="2" charset="-122"/>
                 <a:cs typeface="Times New Roman" panose="02020603050405020304" charset="0"/>
@@ -7082,21 +7082,87 @@
               <a:t>2</a:t>
             </a:r>
             <a:r>
-              <a:rPr lang="zh-CN" altLang="en-US" sz="1600">
-                <a:latin typeface="宋体" panose="02010600030101010101" pitchFamily="2" charset="-122"/>
-                <a:ea typeface="宋体" panose="02010600030101010101" pitchFamily="2" charset="-122"/>
-                <a:cs typeface="Times New Roman" panose="02020603050405020304" charset="0"/>
-              </a:rPr>
-              <a:t>与</a:t>
-            </a:r>
-            <a:r>
               <a:rPr lang="zh-CN" altLang="en-US" sz="1600" dirty="0">
                 <a:latin typeface="宋体" panose="02010600030101010101" pitchFamily="2" charset="-122"/>
                 <a:ea typeface="宋体" panose="02010600030101010101" pitchFamily="2" charset="-122"/>
                 <a:cs typeface="Times New Roman" panose="02020603050405020304" charset="0"/>
               </a:rPr>
-              <a:t>电池寿命达到了极强相关</a:t>
-            </a:r>
+              <a:t>与电池寿命达到了极强相关</a:t>
+            </a:r>
+            <a:endParaRPr lang="en-US" altLang="zh-CN" sz="1600" dirty="0">
+              <a:latin typeface="宋体" panose="02010600030101010101" pitchFamily="2" charset="-122"/>
+              <a:ea typeface="宋体" panose="02010600030101010101" pitchFamily="2" charset="-122"/>
+              <a:cs typeface="Times New Roman" panose="02020603050405020304" charset="0"/>
+            </a:endParaRPr>
+          </a:p>
+          <a:p>
+            <a:endParaRPr lang="en-US" altLang="zh-CN" sz="1600" dirty="0">
+              <a:latin typeface="宋体" panose="02010600030101010101" pitchFamily="2" charset="-122"/>
+              <a:ea typeface="宋体" panose="02010600030101010101" pitchFamily="2" charset="-122"/>
+              <a:cs typeface="Times New Roman" panose="02020603050405020304" charset="0"/>
+            </a:endParaRPr>
+          </a:p>
+          <a:p>
+            <a:r>
+              <a:rPr lang="zh-CN" altLang="en-US" sz="1600" dirty="0">
+                <a:latin typeface="宋体" panose="02010600030101010101" pitchFamily="2" charset="-122"/>
+                <a:ea typeface="宋体" panose="02010600030101010101" pitchFamily="2" charset="-122"/>
+                <a:cs typeface="Times New Roman" panose="02020603050405020304" charset="0"/>
+              </a:rPr>
+              <a:t>使用</a:t>
+            </a:r>
+            <a:r>
+              <a:rPr lang="en-US" altLang="zh-CN" sz="1600" dirty="0">
+                <a:latin typeface="宋体" panose="02010600030101010101" pitchFamily="2" charset="-122"/>
+                <a:ea typeface="宋体" panose="02010600030101010101" pitchFamily="2" charset="-122"/>
+                <a:cs typeface="Times New Roman" panose="02020603050405020304" charset="0"/>
+              </a:rPr>
+              <a:t>10-150</a:t>
+            </a:r>
+            <a:r>
+              <a:rPr lang="zh-CN" altLang="en-US" sz="1600" dirty="0">
+                <a:latin typeface="宋体" panose="02010600030101010101" pitchFamily="2" charset="-122"/>
+                <a:ea typeface="宋体" panose="02010600030101010101" pitchFamily="2" charset="-122"/>
+                <a:cs typeface="Times New Roman" panose="02020603050405020304" charset="0"/>
+              </a:rPr>
+              <a:t>的相关系数是：</a:t>
+            </a:r>
+            <a:r>
+              <a:rPr kumimoji="0" lang="zh-CN" altLang="zh-CN" sz="1600" b="0" i="0" u="none" strike="noStrike" cap="none" normalizeH="0" baseline="0" dirty="0">
+                <a:ln>
+                  <a:noFill/>
+                </a:ln>
+                <a:solidFill>
+                  <a:srgbClr val="000000"/>
+                </a:solidFill>
+                <a:effectLst/>
+                <a:latin typeface="Arial Unicode MS"/>
+                <a:ea typeface="Courier New" panose="02070309020205020404" pitchFamily="49" charset="0"/>
+              </a:rPr>
+              <a:t>-0.8621095533648527</a:t>
+            </a:r>
+            <a:r>
+              <a:rPr kumimoji="0" lang="zh-CN" altLang="zh-CN" sz="800" b="0" i="0" u="none" strike="noStrike" cap="none" normalizeH="0" baseline="0" dirty="0">
+                <a:ln>
+                  <a:noFill/>
+                </a:ln>
+                <a:solidFill>
+                  <a:schemeClr val="tx1"/>
+                </a:solidFill>
+                <a:effectLst/>
+              </a:rPr>
+              <a:t> </a:t>
+            </a:r>
+            <a:endParaRPr kumimoji="0" lang="zh-CN" altLang="zh-CN" sz="3600" b="0" i="0" u="none" strike="noStrike" cap="none" normalizeH="0" baseline="0" dirty="0">
+              <a:ln>
+                <a:noFill/>
+              </a:ln>
+              <a:solidFill>
+                <a:schemeClr val="tx1"/>
+              </a:solidFill>
+              <a:effectLst/>
+              <a:latin typeface="Arial" panose="020B0604020202020204" pitchFamily="34" charset="0"/>
+            </a:endParaRPr>
           </a:p>
         </p:txBody>
       </p:sp>
